--- a/DEV5539_HelidonIntroCodeOne2018.pptx
+++ b/DEV5539_HelidonIntroCodeOne2018.pptx
@@ -25,7 +25,7 @@
     <p:sldId id="439" r:id="rId13"/>
     <p:sldId id="447" r:id="rId14"/>
     <p:sldId id="434" r:id="rId15"/>
-    <p:sldId id="436" r:id="rId16"/>
+    <p:sldId id="276" r:id="rId16"/>
   </p:sldIdLst>
   <p:sldSz cx="12188825" cy="6858000"/>
   <p:notesSz cx="6985000" cy="9283700"/>
@@ -146,7 +146,7 @@
             <p14:sldId id="439"/>
             <p14:sldId id="447"/>
             <p14:sldId id="434"/>
-            <p14:sldId id="436"/>
+            <p14:sldId id="276"/>
           </p14:sldIdLst>
         </p14:section>
       </p14:sectionLst>
@@ -290,7 +290,7 @@
           <a:p>
             <a:fld id="{1E821AA6-70BE-4FDE-A8DC-DB381A688FD8}" type="datetimeFigureOut">
               <a:rPr lang="en-US"/>
-              <a:t>10/16/18</a:t>
+              <a:t>10/17/18</a:t>
             </a:fld>
             <a:endParaRPr/>
           </a:p>
@@ -1874,11 +1874,11 @@
 </file>
 
 <file path=ppt/notesSlides/notesSlide8.xml><?xml version="1.0" encoding="utf-8"?>
-<p:notes xmlns:a="http://schemas.openxmlformats.org/drawingml/2006/main" xmlns:r="http://schemas.openxmlformats.org/officeDocument/2006/relationships" xmlns:p="http://schemas.openxmlformats.org/presentationml/2006/main">
+<p:notes xmlns:a="http://schemas.openxmlformats.org/drawingml/2006/main" xmlns:r="http://schemas.openxmlformats.org/officeDocument/2006/relationships" xmlns:p="http://schemas.openxmlformats.org/presentationml/2006/main" showMasterSp="0" showMasterPhAnim="0">
   <p:cSld>
     <p:spTree>
       <p:nvGrpSpPr>
-        <p:cNvPr id="1" name=""/>
+        <p:cNvPr id="1" name="Shape 236"/>
         <p:cNvGrpSpPr/>
         <p:nvPr/>
       </p:nvGrpSpPr>
@@ -1892,67 +1892,87 @@
       </p:grpSpPr>
       <p:sp>
         <p:nvSpPr>
-          <p:cNvPr id="2" name="Slide Image Placeholder 1"/>
+          <p:cNvPr id="237" name="Google Shape;237;g43fd5f8bd1_0_0:notes"/>
           <p:cNvSpPr>
             <a:spLocks noGrp="1" noRot="1" noChangeAspect="1"/>
           </p:cNvSpPr>
           <p:nvPr>
-            <p:ph type="sldImg"/>
+            <p:ph type="sldImg" idx="2"/>
           </p:nvPr>
         </p:nvSpPr>
         <p:spPr>
           <a:xfrm>
-            <a:off x="396875" y="387350"/>
-            <a:ext cx="4640263" cy="2611438"/>
-          </a:xfrm>
-        </p:spPr>
-      </p:sp>
-      <p:sp>
-        <p:nvSpPr>
-          <p:cNvPr id="3" name="Notes Placeholder 2"/>
-          <p:cNvSpPr>
+            <a:off x="381000" y="685800"/>
+            <a:ext cx="6096000" cy="3429000"/>
+          </a:xfrm>
+          <a:custGeom>
+            <a:avLst/>
+            <a:gdLst/>
+            <a:ahLst/>
+            <a:cxnLst/>
+            <a:rect l="l" t="t" r="r" b="b"/>
+            <a:pathLst>
+              <a:path w="120000" h="120000" extrusionOk="0">
+                <a:moveTo>
+                  <a:pt x="0" y="0"/>
+                </a:moveTo>
+                <a:lnTo>
+                  <a:pt x="120000" y="0"/>
+                </a:lnTo>
+                <a:lnTo>
+                  <a:pt x="120000" y="120000"/>
+                </a:lnTo>
+                <a:lnTo>
+                  <a:pt x="0" y="120000"/>
+                </a:lnTo>
+                <a:close/>
+              </a:path>
+            </a:pathLst>
+          </a:custGeom>
+        </p:spPr>
+      </p:sp>
+      <p:sp>
+        <p:nvSpPr>
+          <p:cNvPr id="238" name="Google Shape;238;g43fd5f8bd1_0_0:notes"/>
+          <p:cNvSpPr txBox="1">
             <a:spLocks noGrp="1"/>
           </p:cNvSpPr>
           <p:nvPr>
             <p:ph type="body" idx="1"/>
           </p:nvPr>
         </p:nvSpPr>
-        <p:spPr/>
-        <p:txBody>
-          <a:bodyPr/>
+        <p:spPr>
+          <a:xfrm>
+            <a:off x="685800" y="4343400"/>
+            <a:ext cx="5486400" cy="4114800"/>
+          </a:xfrm>
+          <a:prstGeom prst="rect">
+            <a:avLst/>
+          </a:prstGeom>
+        </p:spPr>
+        <p:txBody>
+          <a:bodyPr spcFirstLastPara="1" wrap="square" lIns="91425" tIns="91425" rIns="91425" bIns="91425" anchor="t" anchorCtr="0">
+            <a:noAutofit/>
+          </a:bodyPr>
           <a:lstStyle/>
           <a:p>
-            <a:endParaRPr lang="en-US"/>
-          </a:p>
-        </p:txBody>
-      </p:sp>
-      <p:sp>
-        <p:nvSpPr>
-          <p:cNvPr id="4" name="Slide Number Placeholder 3"/>
-          <p:cNvSpPr>
-            <a:spLocks noGrp="1"/>
-          </p:cNvSpPr>
-          <p:nvPr>
-            <p:ph type="sldNum" sz="quarter" idx="10"/>
-          </p:nvPr>
-        </p:nvSpPr>
-        <p:spPr/>
-        <p:txBody>
-          <a:bodyPr/>
-          <a:lstStyle/>
-          <a:p>
-            <a:fld id="{8C72D9AE-7182-4680-8F79-479C4181FF08}" type="slidenum">
-              <a:rPr lang="en-US" smtClean="0"/>
-              <a:t>15</a:t>
-            </a:fld>
-            <a:endParaRPr lang="en-US"/>
+            <a:pPr marL="0" lvl="0" indent="0" algn="l" rtl="0">
+              <a:spcBef>
+                <a:spcPts val="0"/>
+              </a:spcBef>
+              <a:spcAft>
+                <a:spcPts val="0"/>
+              </a:spcAft>
+              <a:buNone/>
+            </a:pPr>
+            <a:endParaRPr/>
           </a:p>
         </p:txBody>
       </p:sp>
     </p:spTree>
     <p:extLst>
       <p:ext uri="{BB962C8B-B14F-4D97-AF65-F5344CB8AC3E}">
-        <p14:creationId xmlns:p14="http://schemas.microsoft.com/office/powerpoint/2010/main" val="379304792"/>
+        <p14:creationId xmlns:p14="http://schemas.microsoft.com/office/powerpoint/2010/main" val="1432791685"/>
       </p:ext>
     </p:extLst>
   </p:cSld>
@@ -2247,7 +2267,7 @@
           <a:p>
             <a:fld id="{4329B2BE-4A4F-2F47-89E0-C82D4B8807BB}" type="datetime1">
               <a:rPr lang="en-US" smtClean="0"/>
-              <a:t>10/16/18</a:t>
+              <a:t>10/17/18</a:t>
             </a:fld>
             <a:endParaRPr/>
           </a:p>
@@ -2867,7 +2887,7 @@
           <a:p>
             <a:fld id="{AF0B5C25-5445-A941-BC32-449447944B6C}" type="datetime1">
               <a:rPr lang="en-US" smtClean="0"/>
-              <a:t>10/16/18</a:t>
+              <a:t>10/17/18</a:t>
             </a:fld>
             <a:endParaRPr/>
           </a:p>
@@ -3277,7 +3297,7 @@
           <a:p>
             <a:fld id="{5E608C3D-7BC2-4543-B6D3-6C9DB5A42951}" type="datetime1">
               <a:rPr lang="en-US" smtClean="0"/>
-              <a:t>10/16/18</a:t>
+              <a:t>10/17/18</a:t>
             </a:fld>
             <a:endParaRPr/>
           </a:p>
@@ -3396,7 +3416,7 @@
           <a:p>
             <a:fld id="{9221A804-92A6-3844-A32C-A7EFE2C3C282}" type="datetime1">
               <a:rPr lang="en-US" smtClean="0"/>
-              <a:t>10/16/18</a:t>
+              <a:t>10/17/18</a:t>
             </a:fld>
             <a:endParaRPr/>
           </a:p>
@@ -3741,7 +3761,7 @@
           <a:p>
             <a:fld id="{A0C87292-9C06-6548-8A94-AFF5721527F2}" type="datetime1">
               <a:rPr lang="en-US" smtClean="0"/>
-              <a:t>10/16/18</a:t>
+              <a:t>10/17/18</a:t>
             </a:fld>
             <a:endParaRPr/>
           </a:p>
@@ -3963,7 +3983,7 @@
           <a:p>
             <a:fld id="{FF3958D6-F337-E74C-8A87-11B39A770D8B}" type="datetime1">
               <a:rPr lang="en-US" smtClean="0"/>
-              <a:t>10/16/18</a:t>
+              <a:t>10/17/18</a:t>
             </a:fld>
             <a:endParaRPr/>
           </a:p>
@@ -4333,7 +4353,7 @@
           <a:p>
             <a:fld id="{434304CB-FC83-6B4D-9867-4D0399924617}" type="datetime1">
               <a:rPr lang="en-US" smtClean="0"/>
-              <a:t>10/16/18</a:t>
+              <a:t>10/17/18</a:t>
             </a:fld>
             <a:endParaRPr/>
           </a:p>
@@ -4721,7 +4741,7 @@
           <a:p>
             <a:fld id="{5BC948AA-6676-F04E-B59A-9E2D3D013EFE}" type="datetime1">
               <a:rPr lang="en-US" smtClean="0"/>
-              <a:t>10/16/18</a:t>
+              <a:t>10/17/18</a:t>
             </a:fld>
             <a:endParaRPr/>
           </a:p>
@@ -5124,7 +5144,7 @@
           <a:p>
             <a:fld id="{8CFF23B5-725A-354C-A0E8-8F5B5B966BAD}" type="datetime1">
               <a:rPr lang="en-US" smtClean="0"/>
-              <a:t>10/16/18</a:t>
+              <a:t>10/17/18</a:t>
             </a:fld>
             <a:endParaRPr/>
           </a:p>
@@ -5476,7 +5496,7 @@
           <a:p>
             <a:fld id="{7FCC7DB6-198B-764A-919E-CD410F080E27}" type="datetime1">
               <a:rPr lang="en-US" smtClean="0"/>
-              <a:t>10/16/18</a:t>
+              <a:t>10/17/18</a:t>
             </a:fld>
             <a:endParaRPr/>
           </a:p>
@@ -6205,7 +6225,7 @@
           <a:p>
             <a:fld id="{65A2BD72-003A-5545-ACB2-3FC4A437F07C}" type="datetime1">
               <a:rPr lang="en-US" smtClean="0"/>
-              <a:t>10/16/18</a:t>
+              <a:t>10/17/18</a:t>
             </a:fld>
             <a:endParaRPr/>
           </a:p>
@@ -6531,7 +6551,7 @@
           <a:p>
             <a:fld id="{FD18074B-101C-6243-B2A5-2E584C1F498C}" type="datetime1">
               <a:rPr lang="en-US" smtClean="0"/>
-              <a:t>10/16/18</a:t>
+              <a:t>10/17/18</a:t>
             </a:fld>
             <a:endParaRPr/>
           </a:p>
@@ -7086,7 +7106,7 @@
           <a:p>
             <a:fld id="{39AB1D7B-6FEF-4942-A0FD-70FAB8C4D1E8}" type="datetime1">
               <a:rPr lang="en-US" smtClean="0"/>
-              <a:t>10/16/18</a:t>
+              <a:t>10/17/18</a:t>
             </a:fld>
             <a:endParaRPr/>
           </a:p>
@@ -7228,7 +7248,7 @@
           <a:p>
             <a:fld id="{793B2850-E8AF-8445-A9A1-05BF3CEEAABB}" type="datetime1">
               <a:rPr lang="en-US" smtClean="0"/>
-              <a:t>10/16/18</a:t>
+              <a:t>10/17/18</a:t>
             </a:fld>
             <a:endParaRPr/>
           </a:p>
@@ -7370,7 +7390,7 @@
           <a:p>
             <a:fld id="{3B514022-D3B3-B843-AB95-ECD6786B0945}" type="datetime1">
               <a:rPr lang="en-US" smtClean="0"/>
-              <a:t>10/16/18</a:t>
+              <a:t>10/17/18</a:t>
             </a:fld>
             <a:endParaRPr/>
           </a:p>
@@ -7590,7 +7610,7 @@
           <a:p>
             <a:fld id="{25121BC7-E4D0-B240-8083-0EF66FE0E1E7}" type="datetime1">
               <a:rPr lang="en-US" smtClean="0"/>
-              <a:t>10/16/18</a:t>
+              <a:t>10/17/18</a:t>
             </a:fld>
             <a:endParaRPr/>
           </a:p>
@@ -7877,7 +7897,7 @@
           <a:p>
             <a:fld id="{58AEA038-9B2D-2143-AC59-C313999AFCBF}" type="datetime1">
               <a:rPr lang="en-US" smtClean="0"/>
-              <a:t>10/16/18</a:t>
+              <a:t>10/17/18</a:t>
             </a:fld>
             <a:endParaRPr/>
           </a:p>
@@ -8150,7 +8170,7 @@
           <a:p>
             <a:fld id="{5CAE08B2-5BDE-8C46-9BAA-934B3714AAC5}" type="datetime1">
               <a:rPr lang="en-US" smtClean="0"/>
-              <a:t>10/16/18</a:t>
+              <a:t>10/17/18</a:t>
             </a:fld>
             <a:endParaRPr/>
           </a:p>
@@ -8429,7 +8449,7 @@
           <a:p>
             <a:fld id="{2CB2CDB0-1D1F-9740-A617-E751C9255D97}" type="datetime1">
               <a:rPr lang="en-US" smtClean="0"/>
-              <a:t>10/16/18</a:t>
+              <a:t>10/17/18</a:t>
             </a:fld>
             <a:endParaRPr/>
           </a:p>
@@ -8744,7 +8764,7 @@
           <a:p>
             <a:fld id="{90CA6F98-0770-B646-AAB1-A9D47ECB6FD2}" type="datetime1">
               <a:rPr lang="en-US" smtClean="0"/>
-              <a:t>10/16/18</a:t>
+              <a:t>10/17/18</a:t>
             </a:fld>
             <a:endParaRPr/>
           </a:p>
@@ -9232,7 +9252,7 @@
           <a:p>
             <a:fld id="{E2E36C09-AA5C-D84C-B1CE-56A43964D140}" type="datetime1">
               <a:rPr lang="en-US" smtClean="0"/>
-              <a:t>10/16/18</a:t>
+              <a:t>10/17/18</a:t>
             </a:fld>
             <a:endParaRPr/>
           </a:p>
@@ -9782,7 +9802,7 @@
           <a:p>
             <a:fld id="{54BE7967-43C5-1644-8A86-D7A5D1CE8C98}" type="datetime1">
               <a:rPr lang="en-US" smtClean="0"/>
-              <a:t>10/16/18</a:t>
+              <a:t>10/17/18</a:t>
             </a:fld>
             <a:endParaRPr/>
           </a:p>
@@ -10103,7 +10123,7 @@
           <a:p>
             <a:fld id="{DB924A38-5262-BE40-9A25-0C5E4EC622BB}" type="datetime1">
               <a:rPr lang="en-US" smtClean="0"/>
-              <a:t>10/16/18</a:t>
+              <a:t>10/17/18</a:t>
             </a:fld>
             <a:endParaRPr/>
           </a:p>
@@ -10583,7 +10603,7 @@
           <a:p>
             <a:fld id="{A8602262-E906-2247-B442-11D575DC02A0}" type="datetime1">
               <a:rPr lang="en-US" smtClean="0"/>
-              <a:t>10/16/18</a:t>
+              <a:t>10/17/18</a:t>
             </a:fld>
             <a:endParaRPr/>
           </a:p>
@@ -10881,7 +10901,7 @@
           <a:p>
             <a:fld id="{B83339F1-67C7-D64E-8A31-E2A22E214630}" type="datetime1">
               <a:rPr lang="en-US" smtClean="0"/>
-              <a:t>10/16/18</a:t>
+              <a:t>10/17/18</a:t>
             </a:fld>
             <a:endParaRPr/>
           </a:p>
@@ -11265,7 +11285,7 @@
           <a:p>
             <a:fld id="{5CE5B03A-364F-3E4B-B036-4CA91514DFEC}" type="datetime1">
               <a:rPr lang="en-US" smtClean="0"/>
-              <a:t>10/16/18</a:t>
+              <a:t>10/17/18</a:t>
             </a:fld>
             <a:endParaRPr/>
           </a:p>
@@ -11961,7 +11981,7 @@
           <a:p>
             <a:fld id="{74106169-C278-7548-A3B7-CA56E5089737}" type="datetime1">
               <a:rPr lang="en-US" smtClean="0"/>
-              <a:t>10/16/18</a:t>
+              <a:t>10/17/18</a:t>
             </a:fld>
             <a:endParaRPr/>
           </a:p>
@@ -12198,7 +12218,7 @@
           <a:p>
             <a:fld id="{23E8C3B4-BFEB-8D42-95CF-7AB2E553F62A}" type="datetime1">
               <a:rPr lang="en-US" smtClean="0"/>
-              <a:t>10/16/18</a:t>
+              <a:t>10/17/18</a:t>
             </a:fld>
             <a:endParaRPr/>
           </a:p>
@@ -12398,7 +12418,7 @@
           <a:p>
             <a:fld id="{ED56D454-33A3-3B47-A799-8B4BEDECCB9E}" type="datetime1">
               <a:rPr lang="en-US" smtClean="0"/>
-              <a:t>10/16/18</a:t>
+              <a:t>10/17/18</a:t>
             </a:fld>
             <a:endParaRPr/>
           </a:p>
@@ -12628,7 +12648,7 @@
           <a:p>
             <a:fld id="{A8E927AB-5593-4D4E-81BC-3EA8D420D409}" type="datetime1">
               <a:rPr lang="en-US" smtClean="0"/>
-              <a:t>10/16/18</a:t>
+              <a:t>10/17/18</a:t>
             </a:fld>
             <a:endParaRPr/>
           </a:p>
@@ -13407,7 +13427,7 @@
           <a:p>
             <a:fld id="{ACC6103E-8F8F-ED45-A807-E91B65996D5A}" type="datetime1">
               <a:rPr lang="en-US" smtClean="0"/>
-              <a:t>10/16/18</a:t>
+              <a:t>10/17/18</a:t>
             </a:fld>
             <a:endParaRPr/>
           </a:p>
@@ -13631,7 +13651,7 @@
           <a:p>
             <a:fld id="{FE8663AD-FCCD-964E-9FC1-C3858D0525F9}" type="datetime1">
               <a:rPr lang="en-US" smtClean="0"/>
-              <a:t>10/16/18</a:t>
+              <a:t>10/17/18</a:t>
             </a:fld>
             <a:endParaRPr/>
           </a:p>
@@ -14312,7 +14332,7 @@
           <a:p>
             <a:fld id="{A4EDF6E3-BBB3-8E43-9818-EAE2BE7C3A07}" type="datetime1">
               <a:rPr lang="en-US" smtClean="0"/>
-              <a:t>10/16/18</a:t>
+              <a:t>10/17/18</a:t>
             </a:fld>
             <a:endParaRPr/>
           </a:p>
@@ -14698,7 +14718,7 @@
             <a:fld id="{DB0592DB-01ED-A44A-830D-2A57CD1AF06B}" type="datetime1">
               <a:rPr lang="en-US" smtClean="0"/>
               <a:pPr/>
-              <a:t>10/16/18</a:t>
+              <a:t>10/17/18</a:t>
             </a:fld>
             <a:endParaRPr lang="en-US" dirty="0"/>
           </a:p>
@@ -15101,7 +15121,7 @@
           <a:p>
             <a:fld id="{139F7C01-7F90-5641-BB5C-5E6D1CA790E7}" type="datetime1">
               <a:rPr lang="en-US" smtClean="0"/>
-              <a:t>10/16/18</a:t>
+              <a:t>10/17/18</a:t>
             </a:fld>
             <a:endParaRPr/>
           </a:p>
@@ -15773,7 +15793,7 @@
           <a:p>
             <a:fld id="{EAAF57FF-EB6C-B248-8C98-FA23CD63DB45}" type="datetime1">
               <a:rPr lang="en-US" smtClean="0"/>
-              <a:t>10/16/18</a:t>
+              <a:t>10/17/18</a:t>
             </a:fld>
             <a:endParaRPr/>
           </a:p>
@@ -15973,7 +15993,7 @@
           <a:p>
             <a:fld id="{C873C450-46F0-2A43-84A8-DCCA66DE557C}" type="datetime1">
               <a:rPr lang="en-US" smtClean="0"/>
-              <a:t>10/16/18</a:t>
+              <a:t>10/17/18</a:t>
             </a:fld>
             <a:endParaRPr/>
           </a:p>
@@ -16193,7 +16213,7 @@
           <a:p>
             <a:fld id="{48D75A7B-C368-1B4B-A3A4-B7B4FD26FDB0}" type="datetime1">
               <a:rPr lang="en-US" smtClean="0"/>
-              <a:t>10/16/18</a:t>
+              <a:t>10/17/18</a:t>
             </a:fld>
             <a:endParaRPr/>
           </a:p>
@@ -16592,7 +16612,7 @@
           <a:p>
             <a:fld id="{256A782E-6B8C-174C-991A-EC80C342D223}" type="datetime1">
               <a:rPr lang="en-US" smtClean="0"/>
-              <a:t>10/16/18</a:t>
+              <a:t>10/17/18</a:t>
             </a:fld>
             <a:endParaRPr/>
           </a:p>
@@ -17019,7 +17039,7 @@
           <a:p>
             <a:fld id="{EA7B7F3D-B4C1-6B49-B2C1-78BA7AA9323F}" type="datetime1">
               <a:rPr lang="en-US" smtClean="0"/>
-              <a:t>10/16/18</a:t>
+              <a:t>10/17/18</a:t>
             </a:fld>
             <a:endParaRPr lang="en-US"/>
           </a:p>
@@ -17789,6 +17809,102 @@
       </p:grpSpPr>
       <p:sp>
         <p:nvSpPr>
+          <p:cNvPr id="9" name="Google Shape;209;p29">
+            <a:extLst>
+              <a:ext uri="{FF2B5EF4-FFF2-40B4-BE49-F238E27FC236}">
+                <a16:creationId xmlns:a16="http://schemas.microsoft.com/office/drawing/2014/main" id="{75636898-2BE6-AF47-84BA-BE685F6DE213}"/>
+              </a:ext>
+            </a:extLst>
+          </p:cNvPr>
+          <p:cNvSpPr/>
+          <p:nvPr/>
+        </p:nvSpPr>
+        <p:spPr>
+          <a:xfrm>
+            <a:off x="6371766" y="1799589"/>
+            <a:ext cx="5369668" cy="4231560"/>
+          </a:xfrm>
+          <a:prstGeom prst="roundRect">
+            <a:avLst>
+              <a:gd name="adj" fmla="val 4314"/>
+            </a:avLst>
+          </a:prstGeom>
+          <a:solidFill>
+            <a:srgbClr val="F5F5F5"/>
+          </a:solidFill>
+          <a:ln>
+            <a:noFill/>
+          </a:ln>
+        </p:spPr>
+        <p:txBody>
+          <a:bodyPr spcFirstLastPara="1" wrap="square" lIns="91425" tIns="91425" rIns="91425" bIns="91425" anchor="ctr" anchorCtr="0">
+            <a:noAutofit/>
+          </a:bodyPr>
+          <a:lstStyle/>
+          <a:p>
+            <a:pPr marL="0" lvl="0" indent="0" algn="l" rtl="0">
+              <a:spcBef>
+                <a:spcPts val="0"/>
+              </a:spcBef>
+              <a:spcAft>
+                <a:spcPts val="0"/>
+              </a:spcAft>
+              <a:buNone/>
+            </a:pPr>
+            <a:endParaRPr/>
+          </a:p>
+        </p:txBody>
+      </p:sp>
+      <p:sp>
+        <p:nvSpPr>
+          <p:cNvPr id="8" name="Google Shape;209;p29">
+            <a:extLst>
+              <a:ext uri="{FF2B5EF4-FFF2-40B4-BE49-F238E27FC236}">
+                <a16:creationId xmlns:a16="http://schemas.microsoft.com/office/drawing/2014/main" id="{A57AEB99-DBD7-7C47-88DA-EC0FFFA49090}"/>
+              </a:ext>
+            </a:extLst>
+          </p:cNvPr>
+          <p:cNvSpPr/>
+          <p:nvPr/>
+        </p:nvSpPr>
+        <p:spPr>
+          <a:xfrm>
+            <a:off x="435270" y="1799589"/>
+            <a:ext cx="5369668" cy="4231559"/>
+          </a:xfrm>
+          <a:prstGeom prst="roundRect">
+            <a:avLst>
+              <a:gd name="adj" fmla="val 4314"/>
+            </a:avLst>
+          </a:prstGeom>
+          <a:solidFill>
+            <a:srgbClr val="F5F5F5"/>
+          </a:solidFill>
+          <a:ln>
+            <a:noFill/>
+          </a:ln>
+        </p:spPr>
+        <p:txBody>
+          <a:bodyPr spcFirstLastPara="1" wrap="square" lIns="91425" tIns="91425" rIns="91425" bIns="91425" anchor="ctr" anchorCtr="0">
+            <a:noAutofit/>
+          </a:bodyPr>
+          <a:lstStyle/>
+          <a:p>
+            <a:pPr marL="0" lvl="0" indent="0" algn="l" rtl="0">
+              <a:spcBef>
+                <a:spcPts val="0"/>
+              </a:spcBef>
+              <a:spcAft>
+                <a:spcPts val="0"/>
+              </a:spcAft>
+              <a:buNone/>
+            </a:pPr>
+            <a:endParaRPr/>
+          </a:p>
+        </p:txBody>
+      </p:sp>
+      <p:sp>
+        <p:nvSpPr>
           <p:cNvPr id="2" name="Title 1"/>
           <p:cNvSpPr>
             <a:spLocks noGrp="1"/>
@@ -17853,7 +17969,7 @@
         </p:nvSpPr>
         <p:spPr>
           <a:xfrm>
-            <a:off x="531151" y="2019868"/>
+            <a:off x="655135" y="2019868"/>
             <a:ext cx="5419273" cy="4152331"/>
           </a:xfrm>
           <a:prstGeom prst="rect">
@@ -18088,10 +18204,20 @@
             </a:pPr>
             <a:r>
               <a:rPr lang="en-US" sz="1800" dirty="0">
+                <a:solidFill>
+                  <a:schemeClr val="accent3"/>
+                </a:solidFill>
                 <a:latin typeface="Consolas" panose="020B0609020204030204" pitchFamily="49" charset="0"/>
                 <a:cs typeface="Consolas" panose="020B0609020204030204" pitchFamily="49" charset="0"/>
               </a:rPr>
-              <a:t>import </a:t>
+              <a:t>import</a:t>
+            </a:r>
+            <a:r>
+              <a:rPr lang="en-US" sz="1800" dirty="0">
+                <a:latin typeface="Consolas" panose="020B0609020204030204" pitchFamily="49" charset="0"/>
+                <a:cs typeface="Consolas" panose="020B0609020204030204" pitchFamily="49" charset="0"/>
+              </a:rPr>
+              <a:t> </a:t>
             </a:r>
             <a:r>
               <a:rPr lang="en-US" sz="1800" dirty="0" err="1">
@@ -18114,10 +18240,20 @@
             </a:pPr>
             <a:r>
               <a:rPr lang="en-US" sz="1800" dirty="0">
+                <a:solidFill>
+                  <a:schemeClr val="accent3"/>
+                </a:solidFill>
                 <a:latin typeface="Consolas" panose="020B0609020204030204" pitchFamily="49" charset="0"/>
                 <a:cs typeface="Consolas" panose="020B0609020204030204" pitchFamily="49" charset="0"/>
               </a:rPr>
-              <a:t>import </a:t>
+              <a:t>import</a:t>
+            </a:r>
+            <a:r>
+              <a:rPr lang="en-US" sz="1800" dirty="0">
+                <a:latin typeface="Consolas" panose="020B0609020204030204" pitchFamily="49" charset="0"/>
+                <a:cs typeface="Consolas" panose="020B0609020204030204" pitchFamily="49" charset="0"/>
+              </a:rPr>
+              <a:t> </a:t>
             </a:r>
             <a:r>
               <a:rPr lang="en-US" sz="1800" dirty="0" err="1">
@@ -18149,10 +18285,20 @@
             </a:pPr>
             <a:r>
               <a:rPr lang="en-US" sz="1800" dirty="0">
+                <a:solidFill>
+                  <a:schemeClr val="accent3"/>
+                </a:solidFill>
                 <a:latin typeface="Consolas" panose="020B0609020204030204" pitchFamily="49" charset="0"/>
                 <a:cs typeface="Consolas" panose="020B0609020204030204" pitchFamily="49" charset="0"/>
               </a:rPr>
-              <a:t>public static void main(String[] </a:t>
+              <a:t>public static void </a:t>
+            </a:r>
+            <a:r>
+              <a:rPr lang="en-US" sz="1800" dirty="0">
+                <a:latin typeface="Consolas" panose="020B0609020204030204" pitchFamily="49" charset="0"/>
+                <a:cs typeface="Consolas" panose="020B0609020204030204" pitchFamily="49" charset="0"/>
+              </a:rPr>
+              <a:t>main(String[] </a:t>
             </a:r>
             <a:r>
               <a:rPr lang="en-US" sz="1800" dirty="0" err="1">
@@ -18223,7 +18369,24 @@
                 <a:latin typeface="Consolas" panose="020B0609020204030204" pitchFamily="49" charset="0"/>
                 <a:cs typeface="Consolas" panose="020B0609020204030204" pitchFamily="49" charset="0"/>
               </a:rPr>
-              <a:t>  .get(“/greet”, (</a:t>
+              <a:t>  .get(</a:t>
+            </a:r>
+            <a:r>
+              <a:rPr lang="en-US" sz="1800" dirty="0">
+                <a:solidFill>
+                  <a:schemeClr val="accent5"/>
+                </a:solidFill>
+                <a:latin typeface="Consolas" panose="020B0609020204030204" pitchFamily="49" charset="0"/>
+                <a:cs typeface="Consolas" panose="020B0609020204030204" pitchFamily="49" charset="0"/>
+              </a:rPr>
+              <a:t>“/greet”</a:t>
+            </a:r>
+            <a:r>
+              <a:rPr lang="en-US" sz="1800" dirty="0">
+                <a:latin typeface="Consolas" panose="020B0609020204030204" pitchFamily="49" charset="0"/>
+                <a:cs typeface="Consolas" panose="020B0609020204030204" pitchFamily="49" charset="0"/>
+              </a:rPr>
+              <a:t>, (</a:t>
             </a:r>
             <a:r>
               <a:rPr lang="en-US" sz="1800" dirty="0" err="1">
@@ -18263,7 +18426,24 @@
                 <a:latin typeface="Consolas" panose="020B0609020204030204" pitchFamily="49" charset="0"/>
                 <a:cs typeface="Consolas" panose="020B0609020204030204" pitchFamily="49" charset="0"/>
               </a:rPr>
-              <a:t>("Hello World!"))</a:t>
+              <a:t>(</a:t>
+            </a:r>
+            <a:r>
+              <a:rPr lang="en-US" sz="1800" dirty="0">
+                <a:solidFill>
+                  <a:schemeClr val="accent5"/>
+                </a:solidFill>
+                <a:latin typeface="Consolas" panose="020B0609020204030204" pitchFamily="49" charset="0"/>
+                <a:cs typeface="Consolas" panose="020B0609020204030204" pitchFamily="49" charset="0"/>
+              </a:rPr>
+              <a:t>"Hello World!"</a:t>
+            </a:r>
+            <a:r>
+              <a:rPr lang="en-US" sz="1800" dirty="0">
+                <a:latin typeface="Consolas" panose="020B0609020204030204" pitchFamily="49" charset="0"/>
+                <a:cs typeface="Consolas" panose="020B0609020204030204" pitchFamily="49" charset="0"/>
+              </a:rPr>
+              <a:t>))</a:t>
             </a:r>
           </a:p>
           <a:p>
@@ -18308,7 +18488,7 @@
         </p:nvSpPr>
         <p:spPr>
           <a:xfrm>
-            <a:off x="6347372" y="2019867"/>
+            <a:off x="6548849" y="2019867"/>
             <a:ext cx="5419273" cy="4152331"/>
           </a:xfrm>
           <a:prstGeom prst="rect">
@@ -18543,10 +18723,20 @@
             </a:pPr>
             <a:r>
               <a:rPr lang="en-US" sz="1800" dirty="0">
+                <a:solidFill>
+                  <a:schemeClr val="accent3"/>
+                </a:solidFill>
                 <a:latin typeface="Consolas" panose="020B0609020204030204" pitchFamily="49" charset="0"/>
                 <a:cs typeface="Consolas" panose="020B0609020204030204" pitchFamily="49" charset="0"/>
               </a:rPr>
-              <a:t>import </a:t>
+              <a:t>import</a:t>
+            </a:r>
+            <a:r>
+              <a:rPr lang="en-US" sz="1800" dirty="0">
+                <a:latin typeface="Consolas" panose="020B0609020204030204" pitchFamily="49" charset="0"/>
+                <a:cs typeface="Consolas" panose="020B0609020204030204" pitchFamily="49" charset="0"/>
+              </a:rPr>
+              <a:t> </a:t>
             </a:r>
             <a:r>
               <a:rPr lang="en-US" sz="1800" dirty="0" err="1">
@@ -18569,10 +18759,20 @@
             </a:pPr>
             <a:r>
               <a:rPr lang="en-US" sz="1800" dirty="0">
+                <a:solidFill>
+                  <a:schemeClr val="accent3"/>
+                </a:solidFill>
                 <a:latin typeface="Consolas" panose="020B0609020204030204" pitchFamily="49" charset="0"/>
                 <a:cs typeface="Consolas" panose="020B0609020204030204" pitchFamily="49" charset="0"/>
               </a:rPr>
-              <a:t>import </a:t>
+              <a:t>import</a:t>
+            </a:r>
+            <a:r>
+              <a:rPr lang="en-US" sz="1800" dirty="0">
+                <a:latin typeface="Consolas" panose="020B0609020204030204" pitchFamily="49" charset="0"/>
+                <a:cs typeface="Consolas" panose="020B0609020204030204" pitchFamily="49" charset="0"/>
+              </a:rPr>
+              <a:t> </a:t>
             </a:r>
             <a:r>
               <a:rPr lang="en-US" sz="1800" dirty="0" err="1">
@@ -18604,10 +18804,20 @@
             </a:pPr>
             <a:r>
               <a:rPr lang="en-US" sz="1800" dirty="0">
+                <a:solidFill>
+                  <a:schemeClr val="accent3"/>
+                </a:solidFill>
                 <a:latin typeface="Consolas" panose="020B0609020204030204" pitchFamily="49" charset="0"/>
                 <a:cs typeface="Consolas" panose="020B0609020204030204" pitchFamily="49" charset="0"/>
               </a:rPr>
-              <a:t>public class </a:t>
+              <a:t>public class</a:t>
+            </a:r>
+            <a:r>
+              <a:rPr lang="en-US" sz="1800" dirty="0">
+                <a:latin typeface="Consolas" panose="020B0609020204030204" pitchFamily="49" charset="0"/>
+                <a:cs typeface="Consolas" panose="020B0609020204030204" pitchFamily="49" charset="0"/>
+              </a:rPr>
+              <a:t> </a:t>
             </a:r>
             <a:r>
               <a:rPr lang="en-US" sz="1800" dirty="0" err="1">
@@ -18633,19 +18843,70 @@
                 <a:latin typeface="Consolas" panose="020B0609020204030204" pitchFamily="49" charset="0"/>
                 <a:cs typeface="Consolas" panose="020B0609020204030204" pitchFamily="49" charset="0"/>
               </a:rPr>
-              <a:t>  @GET </a:t>
-            </a:r>
-          </a:p>
-          <a:p>
-            <a:pPr marL="0" indent="0">
-              <a:buNone/>
-            </a:pPr>
+              <a:t>  </a:t>
+            </a:r>
+            <a:r>
+              <a:rPr lang="en-US" sz="1800" dirty="0">
+                <a:solidFill>
+                  <a:schemeClr val="accent6"/>
+                </a:solidFill>
+                <a:latin typeface="Consolas" panose="020B0609020204030204" pitchFamily="49" charset="0"/>
+                <a:cs typeface="Consolas" panose="020B0609020204030204" pitchFamily="49" charset="0"/>
+              </a:rPr>
+              <a:t>@GET</a:t>
+            </a:r>
             <a:r>
               <a:rPr lang="en-US" sz="1800" dirty="0">
                 <a:latin typeface="Consolas" panose="020B0609020204030204" pitchFamily="49" charset="0"/>
                 <a:cs typeface="Consolas" panose="020B0609020204030204" pitchFamily="49" charset="0"/>
               </a:rPr>
-              <a:t>  @Path(“/greet”) </a:t>
+              <a:t> </a:t>
+            </a:r>
+          </a:p>
+          <a:p>
+            <a:pPr marL="0" indent="0">
+              <a:buNone/>
+            </a:pPr>
+            <a:r>
+              <a:rPr lang="en-US" sz="1800" dirty="0">
+                <a:latin typeface="Consolas" panose="020B0609020204030204" pitchFamily="49" charset="0"/>
+                <a:cs typeface="Consolas" panose="020B0609020204030204" pitchFamily="49" charset="0"/>
+              </a:rPr>
+              <a:t>  </a:t>
+            </a:r>
+            <a:r>
+              <a:rPr lang="en-US" sz="1800" dirty="0">
+                <a:solidFill>
+                  <a:schemeClr val="accent6"/>
+                </a:solidFill>
+                <a:latin typeface="Consolas" panose="020B0609020204030204" pitchFamily="49" charset="0"/>
+                <a:cs typeface="Consolas" panose="020B0609020204030204" pitchFamily="49" charset="0"/>
+              </a:rPr>
+              <a:t>@Path</a:t>
+            </a:r>
+            <a:r>
+              <a:rPr lang="en-US" sz="1800" dirty="0">
+                <a:latin typeface="Consolas" panose="020B0609020204030204" pitchFamily="49" charset="0"/>
+                <a:cs typeface="Consolas" panose="020B0609020204030204" pitchFamily="49" charset="0"/>
+              </a:rPr>
+              <a:t>(</a:t>
+            </a:r>
+            <a:r>
+              <a:rPr lang="en-US" sz="1800" dirty="0">
+                <a:solidFill>
+                  <a:schemeClr val="accent5"/>
+                </a:solidFill>
+                <a:latin typeface="Consolas" panose="020B0609020204030204" pitchFamily="49" charset="0"/>
+                <a:cs typeface="Consolas" panose="020B0609020204030204" pitchFamily="49" charset="0"/>
+              </a:rPr>
+              <a:t>“/greet”</a:t>
+            </a:r>
+            <a:r>
+              <a:rPr lang="en-US" sz="1800" dirty="0">
+                <a:latin typeface="Consolas" panose="020B0609020204030204" pitchFamily="49" charset="0"/>
+                <a:cs typeface="Consolas" panose="020B0609020204030204" pitchFamily="49" charset="0"/>
+              </a:rPr>
+              <a:t>) </a:t>
             </a:r>
           </a:p>
           <a:p>
@@ -18683,7 +18944,24 @@
                 <a:latin typeface="Consolas" panose="020B0609020204030204" pitchFamily="49" charset="0"/>
                 <a:cs typeface="Consolas" panose="020B0609020204030204" pitchFamily="49" charset="0"/>
               </a:rPr>
-              <a:t>    return "Hello World!"; </a:t>
+              <a:t>    return </a:t>
+            </a:r>
+            <a:r>
+              <a:rPr lang="en-US" sz="1800" dirty="0">
+                <a:solidFill>
+                  <a:schemeClr val="accent5"/>
+                </a:solidFill>
+                <a:latin typeface="Consolas" panose="020B0609020204030204" pitchFamily="49" charset="0"/>
+                <a:cs typeface="Consolas" panose="020B0609020204030204" pitchFamily="49" charset="0"/>
+              </a:rPr>
+              <a:t>"Hello World!"</a:t>
+            </a:r>
+            <a:r>
+              <a:rPr lang="en-US" sz="1800" dirty="0">
+                <a:latin typeface="Consolas" panose="020B0609020204030204" pitchFamily="49" charset="0"/>
+                <a:cs typeface="Consolas" panose="020B0609020204030204" pitchFamily="49" charset="0"/>
+              </a:rPr>
+              <a:t>; </a:t>
             </a:r>
           </a:p>
           <a:p>
@@ -18726,8 +19004,8 @@
         </p:nvSpPr>
         <p:spPr>
           <a:xfrm>
-            <a:off x="2129051" y="1528549"/>
-            <a:ext cx="0" cy="0"/>
+            <a:off x="2175545" y="1189774"/>
+            <a:ext cx="1714529" cy="424451"/>
           </a:xfrm>
           <a:prstGeom prst="rect">
             <a:avLst/>
@@ -18770,7 +19048,7 @@
         </p:nvSpPr>
         <p:spPr>
           <a:xfrm>
-            <a:off x="7369790" y="1472044"/>
+            <a:off x="8058810" y="1189774"/>
             <a:ext cx="2770495" cy="327546"/>
           </a:xfrm>
           <a:prstGeom prst="rect">
@@ -18858,7 +19136,12 @@
             <p:ph type="title"/>
           </p:nvPr>
         </p:nvSpPr>
-        <p:spPr/>
+        <p:spPr>
+          <a:xfrm>
+            <a:off x="531812" y="406400"/>
+            <a:ext cx="11125200" cy="709478"/>
+          </a:xfrm>
+        </p:spPr>
         <p:txBody>
           <a:bodyPr/>
           <a:lstStyle/>
@@ -20066,9 +20349,17 @@
 <file path=ppt/slides/slide15.xml><?xml version="1.0" encoding="utf-8"?>
 <p:sld xmlns:a="http://schemas.openxmlformats.org/drawingml/2006/main" xmlns:r="http://schemas.openxmlformats.org/officeDocument/2006/relationships" xmlns:p="http://schemas.openxmlformats.org/presentationml/2006/main">
   <p:cSld>
+    <p:bg>
+      <p:bgPr>
+        <a:solidFill>
+          <a:srgbClr val="B1FDE1"/>
+        </a:solidFill>
+        <a:effectLst/>
+      </p:bgPr>
+    </p:bg>
     <p:spTree>
       <p:nvGrpSpPr>
-        <p:cNvPr id="1" name=""/>
+        <p:cNvPr id="1" name="Shape 239"/>
         <p:cNvGrpSpPr/>
         <p:nvPr/>
       </p:nvGrpSpPr>
@@ -20080,745 +20371,137 @@
           <a:chExt cx="0" cy="0"/>
         </a:xfrm>
       </p:grpSpPr>
-      <p:sp>
-        <p:nvSpPr>
-          <p:cNvPr id="2" name="Title 1"/>
-          <p:cNvSpPr>
-            <a:spLocks noGrp="1"/>
-          </p:cNvSpPr>
-          <p:nvPr>
-            <p:ph type="title"/>
-          </p:nvPr>
-        </p:nvSpPr>
-        <p:spPr/>
-        <p:txBody>
-          <a:bodyPr/>
+      <p:pic>
+        <p:nvPicPr>
+          <p:cNvPr id="240" name="Google Shape;240;p33"/>
+          <p:cNvPicPr preferRelativeResize="0"/>
+          <p:nvPr/>
+        </p:nvPicPr>
+        <p:blipFill>
+          <a:blip r:embed="rId3">
+            <a:alphaModFix/>
+          </a:blip>
+          <a:stretch>
+            <a:fillRect/>
+          </a:stretch>
+        </p:blipFill>
+        <p:spPr>
+          <a:xfrm>
+            <a:off x="180613" y="182238"/>
+            <a:ext cx="5908902" cy="5908902"/>
+          </a:xfrm>
+          <a:prstGeom prst="rect">
+            <a:avLst/>
+          </a:prstGeom>
+          <a:noFill/>
+          <a:ln>
+            <a:noFill/>
+          </a:ln>
+        </p:spPr>
+      </p:pic>
+      <p:sp>
+        <p:nvSpPr>
+          <p:cNvPr id="241" name="Google Shape;241;p33"/>
+          <p:cNvSpPr txBox="1"/>
+          <p:nvPr/>
+        </p:nvSpPr>
+        <p:spPr>
+          <a:xfrm>
+            <a:off x="7237248" y="2405266"/>
+            <a:ext cx="2988821" cy="1268470"/>
+          </a:xfrm>
+          <a:prstGeom prst="rect">
+            <a:avLst/>
+          </a:prstGeom>
+          <a:noFill/>
+          <a:ln>
+            <a:noFill/>
+          </a:ln>
+        </p:spPr>
+        <p:txBody>
+          <a:bodyPr spcFirstLastPara="1" wrap="square" lIns="121868" tIns="121868" rIns="121868" bIns="121868" anchor="t" anchorCtr="0">
+            <a:noAutofit/>
+          </a:bodyPr>
           <a:lstStyle/>
           <a:p>
             <a:r>
-              <a:rPr lang="en-US" dirty="0"/>
-              <a:t>Sessions</a:t>
-            </a:r>
-          </a:p>
-        </p:txBody>
-      </p:sp>
-      <p:sp>
-        <p:nvSpPr>
-          <p:cNvPr id="5" name="Slide Number Placeholder 4"/>
-          <p:cNvSpPr>
-            <a:spLocks noGrp="1"/>
-          </p:cNvSpPr>
-          <p:nvPr>
-            <p:ph type="sldNum" sz="quarter" idx="12"/>
-          </p:nvPr>
-        </p:nvSpPr>
-        <p:spPr/>
-        <p:txBody>
-          <a:bodyPr/>
+              <a:rPr lang="ru" sz="7998" b="1">
+                <a:solidFill>
+                  <a:srgbClr val="41A7FF"/>
+                </a:solidFill>
+                <a:latin typeface="Roboto"/>
+                <a:ea typeface="Roboto"/>
+                <a:cs typeface="Roboto"/>
+                <a:sym typeface="Roboto"/>
+              </a:rPr>
+              <a:t>Q &amp; A</a:t>
+            </a:r>
+            <a:endParaRPr sz="7998" b="1">
+              <a:solidFill>
+                <a:srgbClr val="41A7FF"/>
+              </a:solidFill>
+              <a:latin typeface="Roboto"/>
+              <a:ea typeface="Roboto"/>
+              <a:cs typeface="Roboto"/>
+              <a:sym typeface="Roboto"/>
+            </a:endParaRPr>
+          </a:p>
+        </p:txBody>
+      </p:sp>
+      <p:sp>
+        <p:nvSpPr>
+          <p:cNvPr id="242" name="Google Shape;242;p33"/>
+          <p:cNvSpPr txBox="1"/>
+          <p:nvPr/>
+        </p:nvSpPr>
+        <p:spPr>
+          <a:xfrm>
+            <a:off x="5217707" y="6402992"/>
+            <a:ext cx="6866611" cy="310719"/>
+          </a:xfrm>
+          <a:prstGeom prst="rect">
+            <a:avLst/>
+          </a:prstGeom>
+          <a:noFill/>
+          <a:ln>
+            <a:noFill/>
+          </a:ln>
+        </p:spPr>
+        <p:txBody>
+          <a:bodyPr spcFirstLastPara="1" wrap="square" lIns="121868" tIns="121868" rIns="121868" bIns="121868" anchor="t" anchorCtr="0">
+            <a:noAutofit/>
+          </a:bodyPr>
           <a:lstStyle/>
           <a:p>
-            <a:fld id="{C51EAA63-D034-42AE-91FA-B13B9518C7BE}" type="slidenum">
-              <a:rPr lang="en-US" smtClean="0"/>
-              <a:pPr/>
-              <a:t>15</a:t>
-            </a:fld>
-            <a:endParaRPr lang="en-US"/>
-          </a:p>
-        </p:txBody>
-      </p:sp>
-      <p:graphicFrame>
-        <p:nvGraphicFramePr>
-          <p:cNvPr id="10" name="Content Placeholder 9">
-            <a:extLst>
-              <a:ext uri="{FF2B5EF4-FFF2-40B4-BE49-F238E27FC236}">
-                <a16:creationId xmlns:a16="http://schemas.microsoft.com/office/drawing/2014/main" id="{6A888BCA-2C5A-7248-9A0A-081CB2A54E37}"/>
-              </a:ext>
-            </a:extLst>
-          </p:cNvPr>
-          <p:cNvGraphicFramePr>
-            <a:graphicFrameLocks noGrp="1"/>
-          </p:cNvGraphicFramePr>
-          <p:nvPr>
-            <p:ph idx="1"/>
-            <p:extLst>
-              <p:ext uri="{D42A27DB-BD31-4B8C-83A1-F6EECF244321}">
-                <p14:modId xmlns:p14="http://schemas.microsoft.com/office/powerpoint/2010/main" val="3026235220"/>
-              </p:ext>
-            </p:extLst>
-          </p:nvPr>
-        </p:nvGraphicFramePr>
-        <p:xfrm>
-          <a:off x="519905" y="1701800"/>
-          <a:ext cx="11149013" cy="3765420"/>
-        </p:xfrm>
-        <a:graphic>
-          <a:graphicData uri="http://schemas.openxmlformats.org/drawingml/2006/table">
-            <a:tbl>
-              <a:tblPr firstRow="1" bandRow="1">
-                <a:tableStyleId>{F2DE63D5-997A-4646-A377-4702673A728D}</a:tableStyleId>
-              </a:tblPr>
-              <a:tblGrid>
-                <a:gridCol w="1047845">
-                  <a:extLst>
-                    <a:ext uri="{9D8B030D-6E8A-4147-A177-3AD203B41FA5}">
-                      <a16:colId xmlns:a16="http://schemas.microsoft.com/office/drawing/2014/main" val="1535574365"/>
-                    </a:ext>
-                  </a:extLst>
-                </a:gridCol>
-                <a:gridCol w="1218060">
-                  <a:extLst>
-                    <a:ext uri="{9D8B030D-6E8A-4147-A177-3AD203B41FA5}">
-                      <a16:colId xmlns:a16="http://schemas.microsoft.com/office/drawing/2014/main" val="4118212780"/>
-                    </a:ext>
-                  </a:extLst>
-                </a:gridCol>
-                <a:gridCol w="1150395">
-                  <a:extLst>
-                    <a:ext uri="{9D8B030D-6E8A-4147-A177-3AD203B41FA5}">
-                      <a16:colId xmlns:a16="http://schemas.microsoft.com/office/drawing/2014/main" val="2734983920"/>
-                    </a:ext>
-                  </a:extLst>
-                </a:gridCol>
-                <a:gridCol w="1155700">
-                  <a:extLst>
-                    <a:ext uri="{9D8B030D-6E8A-4147-A177-3AD203B41FA5}">
-                      <a16:colId xmlns:a16="http://schemas.microsoft.com/office/drawing/2014/main" val="1287179664"/>
-                    </a:ext>
-                  </a:extLst>
-                </a:gridCol>
-                <a:gridCol w="6577013">
-                  <a:extLst>
-                    <a:ext uri="{9D8B030D-6E8A-4147-A177-3AD203B41FA5}">
-                      <a16:colId xmlns:a16="http://schemas.microsoft.com/office/drawing/2014/main" val="379453078"/>
-                    </a:ext>
-                  </a:extLst>
-                </a:gridCol>
-              </a:tblGrid>
-              <a:tr h="520890">
-                <a:tc>
-                  <a:txBody>
-                    <a:bodyPr/>
-                    <a:lstStyle/>
-                    <a:p>
-                      <a:pPr algn="l" fontAlgn="t"/>
-                      <a:r>
-                        <a:rPr lang="en-US" dirty="0">
-                          <a:effectLst/>
-                        </a:rPr>
-                        <a:t>Day</a:t>
-                      </a:r>
-                    </a:p>
-                  </a:txBody>
-                  <a:tcPr marL="95250" marR="95250" marT="66675" marB="66675"/>
-                </a:tc>
-                <a:tc>
-                  <a:txBody>
-                    <a:bodyPr/>
-                    <a:lstStyle/>
-                    <a:p>
-                      <a:r>
-                        <a:rPr lang="en-US" dirty="0"/>
-                        <a:t>Time</a:t>
-                      </a:r>
-                    </a:p>
-                  </a:txBody>
-                  <a:tcPr/>
-                </a:tc>
-                <a:tc>
-                  <a:txBody>
-                    <a:bodyPr/>
-                    <a:lstStyle/>
-                    <a:p>
-                      <a:r>
-                        <a:rPr lang="en-US" dirty="0"/>
-                        <a:t>Room</a:t>
-                      </a:r>
-                    </a:p>
-                  </a:txBody>
-                  <a:tcPr/>
-                </a:tc>
-                <a:tc>
-                  <a:txBody>
-                    <a:bodyPr/>
-                    <a:lstStyle/>
-                    <a:p>
-                      <a:pPr algn="l" fontAlgn="t"/>
-                      <a:r>
-                        <a:rPr lang="en-US" dirty="0">
-                          <a:effectLst/>
-                        </a:rPr>
-                        <a:t>Session</a:t>
-                      </a:r>
-                    </a:p>
-                  </a:txBody>
-                  <a:tcPr marL="95250" marR="95250" marT="66675" marB="66675"/>
-                </a:tc>
-                <a:tc>
-                  <a:txBody>
-                    <a:bodyPr/>
-                    <a:lstStyle/>
-                    <a:p>
-                      <a:r>
-                        <a:rPr lang="en-US" dirty="0"/>
-                        <a:t>Title</a:t>
-                      </a:r>
-                    </a:p>
-                  </a:txBody>
-                  <a:tcPr/>
-                </a:tc>
-                <a:extLst>
-                  <a:ext uri="{0D108BD9-81ED-4DB2-BD59-A6C34878D82A}">
-                    <a16:rowId xmlns:a16="http://schemas.microsoft.com/office/drawing/2014/main" val="608584135"/>
-                  </a:ext>
-                </a:extLst>
-              </a:tr>
-              <a:tr h="520890">
-                <a:tc>
-                  <a:txBody>
-                    <a:bodyPr/>
-                    <a:lstStyle/>
-                    <a:p>
-                      <a:pPr algn="l" fontAlgn="t"/>
-                      <a:r>
-                        <a:rPr lang="en-US" dirty="0">
-                          <a:effectLst/>
-                        </a:rPr>
-                        <a:t>Tue</a:t>
-                      </a:r>
-                    </a:p>
-                  </a:txBody>
-                  <a:tcPr marL="95250" marR="95250" marT="66675" marB="66675"/>
-                </a:tc>
-                <a:tc>
-                  <a:txBody>
-                    <a:bodyPr/>
-                    <a:lstStyle/>
-                    <a:p>
-                      <a:r>
-                        <a:rPr lang="en-US" dirty="0"/>
-                        <a:t>4:00pm</a:t>
-                      </a:r>
-                    </a:p>
-                  </a:txBody>
-                  <a:tcPr/>
-                </a:tc>
-                <a:tc>
-                  <a:txBody>
-                    <a:bodyPr/>
-                    <a:lstStyle/>
-                    <a:p>
-                      <a:r>
-                        <a:rPr lang="en-US" dirty="0"/>
-                        <a:t>Lounge A</a:t>
-                      </a:r>
-                    </a:p>
-                  </a:txBody>
-                  <a:tcPr/>
-                </a:tc>
-                <a:tc>
-                  <a:txBody>
-                    <a:bodyPr/>
-                    <a:lstStyle/>
-                    <a:p>
-                      <a:pPr algn="l" fontAlgn="t"/>
-                      <a:r>
-                        <a:rPr lang="en-US" sz="1800" b="0" i="0" kern="1200" dirty="0">
-                          <a:solidFill>
-                            <a:schemeClr val="tx1"/>
-                          </a:solidFill>
-                          <a:effectLst/>
-                          <a:latin typeface="+mn-lt"/>
-                          <a:ea typeface="+mn-ea"/>
-                          <a:cs typeface="+mn-cs"/>
-                        </a:rPr>
-                        <a:t>THT6770</a:t>
-                      </a:r>
-                      <a:endParaRPr lang="en-US" dirty="0">
-                        <a:effectLst/>
-                      </a:endParaRPr>
-                    </a:p>
-                  </a:txBody>
-                  <a:tcPr marL="95250" marR="95250" marT="66675" marB="66675"/>
-                </a:tc>
-                <a:tc>
-                  <a:txBody>
-                    <a:bodyPr/>
-                    <a:lstStyle/>
-                    <a:p>
-                      <a:r>
-                        <a:rPr lang="en-US" dirty="0"/>
-                        <a:t>Meet the Experts Area at the Developer Exchange: </a:t>
-                      </a:r>
-                      <a:r>
-                        <a:rPr lang="en-US" dirty="0" err="1"/>
-                        <a:t>Helidon</a:t>
-                      </a:r>
-                      <a:endParaRPr lang="en-US" dirty="0"/>
-                    </a:p>
-                  </a:txBody>
-                  <a:tcPr/>
-                </a:tc>
-                <a:extLst>
-                  <a:ext uri="{0D108BD9-81ED-4DB2-BD59-A6C34878D82A}">
-                    <a16:rowId xmlns:a16="http://schemas.microsoft.com/office/drawing/2014/main" val="1114245397"/>
-                  </a:ext>
-                </a:extLst>
-              </a:tr>
-              <a:tr h="520890">
-                <a:tc>
-                  <a:txBody>
-                    <a:bodyPr/>
-                    <a:lstStyle/>
-                    <a:p>
-                      <a:pPr algn="l" fontAlgn="t"/>
-                      <a:r>
-                        <a:rPr lang="en-US" dirty="0">
-                          <a:effectLst/>
-                        </a:rPr>
-                        <a:t>Wed</a:t>
-                      </a:r>
-                    </a:p>
-                  </a:txBody>
-                  <a:tcPr marL="95250" marR="95250" marT="66675" marB="66675"/>
-                </a:tc>
-                <a:tc>
-                  <a:txBody>
-                    <a:bodyPr/>
-                    <a:lstStyle/>
-                    <a:p>
-                      <a:r>
-                        <a:rPr lang="en-US" dirty="0"/>
-                        <a:t>12:30pm</a:t>
-                      </a:r>
-                    </a:p>
-                  </a:txBody>
-                  <a:tcPr/>
-                </a:tc>
-                <a:tc>
-                  <a:txBody>
-                    <a:bodyPr/>
-                    <a:lstStyle/>
-                    <a:p>
-                      <a:r>
-                        <a:rPr lang="en-US" dirty="0"/>
-                        <a:t>2011</a:t>
-                      </a:r>
-                    </a:p>
-                  </a:txBody>
-                  <a:tcPr/>
-                </a:tc>
-                <a:tc>
-                  <a:txBody>
-                    <a:bodyPr/>
-                    <a:lstStyle/>
-                    <a:p>
-                      <a:pPr algn="l" fontAlgn="t"/>
-                      <a:r>
-                        <a:rPr lang="en-US" dirty="0">
-                          <a:effectLst/>
-                        </a:rPr>
-                        <a:t>DEV5539</a:t>
-                      </a:r>
-                    </a:p>
-                  </a:txBody>
-                  <a:tcPr marL="95250" marR="95250" marT="66675" marB="66675"/>
-                </a:tc>
-                <a:tc>
-                  <a:txBody>
-                    <a:bodyPr/>
-                    <a:lstStyle/>
-                    <a:p>
-                      <a:r>
-                        <a:rPr lang="en-US" sz="1800" kern="1200" dirty="0" err="1">
-                          <a:effectLst/>
-                        </a:rPr>
-                        <a:t>Helidon</a:t>
-                      </a:r>
-                      <a:r>
-                        <a:rPr lang="en-US" sz="1800" kern="1200" dirty="0">
-                          <a:effectLst/>
-                        </a:rPr>
-                        <a:t>: Java Libraries for Writing Microservices</a:t>
-                      </a:r>
-                      <a:endParaRPr lang="en-US" dirty="0"/>
-                    </a:p>
-                  </a:txBody>
-                  <a:tcPr/>
-                </a:tc>
-                <a:extLst>
-                  <a:ext uri="{0D108BD9-81ED-4DB2-BD59-A6C34878D82A}">
-                    <a16:rowId xmlns:a16="http://schemas.microsoft.com/office/drawing/2014/main" val="2733305356"/>
-                  </a:ext>
-                </a:extLst>
-              </a:tr>
-              <a:tr h="520890">
-                <a:tc>
-                  <a:txBody>
-                    <a:bodyPr/>
-                    <a:lstStyle/>
-                    <a:p>
-                      <a:pPr algn="l" fontAlgn="t"/>
-                      <a:r>
-                        <a:rPr lang="en-US" dirty="0">
-                          <a:effectLst/>
-                        </a:rPr>
-                        <a:t>Wed</a:t>
-                      </a:r>
-                    </a:p>
-                  </a:txBody>
-                  <a:tcPr marL="95250" marR="95250" marT="66675" marB="66675"/>
-                </a:tc>
-                <a:tc>
-                  <a:txBody>
-                    <a:bodyPr/>
-                    <a:lstStyle/>
-                    <a:p>
-                      <a:r>
-                        <a:rPr lang="en-US" dirty="0"/>
-                        <a:t>4:00pm</a:t>
-                      </a:r>
-                    </a:p>
-                  </a:txBody>
-                  <a:tcPr/>
-                </a:tc>
-                <a:tc>
-                  <a:txBody>
-                    <a:bodyPr/>
-                    <a:lstStyle/>
-                    <a:p>
-                      <a:r>
-                        <a:rPr lang="en-US" dirty="0"/>
-                        <a:t>2016</a:t>
-                      </a:r>
-                    </a:p>
-                  </a:txBody>
-                  <a:tcPr/>
-                </a:tc>
-                <a:tc>
-                  <a:txBody>
-                    <a:bodyPr/>
-                    <a:lstStyle/>
-                    <a:p>
-                      <a:pPr algn="l" fontAlgn="t"/>
-                      <a:r>
-                        <a:rPr lang="en-US" dirty="0">
-                          <a:effectLst/>
-                        </a:rPr>
-                        <a:t>DEV5432</a:t>
-                      </a:r>
-                    </a:p>
-                  </a:txBody>
-                  <a:tcPr marL="95250" marR="95250" marT="66675" marB="66675"/>
-                </a:tc>
-                <a:tc>
-                  <a:txBody>
-                    <a:bodyPr/>
-                    <a:lstStyle/>
-                    <a:p>
-                      <a:r>
-                        <a:rPr lang="en-US" sz="1800" kern="1200" dirty="0">
-                          <a:effectLst/>
-                        </a:rPr>
-                        <a:t>Writing Kubernetes controllers using Java SE and CDI 2.0</a:t>
-                      </a:r>
-                      <a:endParaRPr lang="en-US" dirty="0"/>
-                    </a:p>
-                  </a:txBody>
-                  <a:tcPr/>
-                </a:tc>
-                <a:extLst>
-                  <a:ext uri="{0D108BD9-81ED-4DB2-BD59-A6C34878D82A}">
-                    <a16:rowId xmlns:a16="http://schemas.microsoft.com/office/drawing/2014/main" val="903822752"/>
-                  </a:ext>
-                </a:extLst>
-              </a:tr>
-              <a:tr h="520890">
-                <a:tc>
-                  <a:txBody>
-                    <a:bodyPr/>
-                    <a:lstStyle/>
-                    <a:p>
-                      <a:pPr algn="l" fontAlgn="t"/>
-                      <a:r>
-                        <a:rPr lang="en-US" dirty="0">
-                          <a:effectLst/>
-                        </a:rPr>
-                        <a:t>Thu</a:t>
-                      </a:r>
-                    </a:p>
-                  </a:txBody>
-                  <a:tcPr marL="95250" marR="95250" marT="66675" marB="66675"/>
-                </a:tc>
-                <a:tc>
-                  <a:txBody>
-                    <a:bodyPr/>
-                    <a:lstStyle/>
-                    <a:p>
-                      <a:r>
-                        <a:rPr lang="en-US" dirty="0"/>
-                        <a:t>11:00am</a:t>
-                      </a:r>
-                    </a:p>
-                  </a:txBody>
-                  <a:tcPr/>
-                </a:tc>
-                <a:tc>
-                  <a:txBody>
-                    <a:bodyPr/>
-                    <a:lstStyle/>
-                    <a:p>
-                      <a:r>
-                        <a:rPr lang="en-US" dirty="0"/>
-                        <a:t>2016</a:t>
-                      </a:r>
-                    </a:p>
-                  </a:txBody>
-                  <a:tcPr/>
-                </a:tc>
-                <a:tc>
-                  <a:txBody>
-                    <a:bodyPr/>
-                    <a:lstStyle/>
-                    <a:p>
-                      <a:pPr algn="l" fontAlgn="t"/>
-                      <a:r>
-                        <a:rPr lang="en-US" sz="1800" kern="1200" dirty="0">
-                          <a:effectLst/>
-                        </a:rPr>
-                        <a:t>DEV5422</a:t>
-                      </a:r>
-                      <a:endParaRPr lang="en-US" dirty="0">
-                        <a:effectLst/>
-                      </a:endParaRPr>
-                    </a:p>
-                  </a:txBody>
-                  <a:tcPr marL="95250" marR="95250" marT="66675" marB="66675"/>
-                </a:tc>
-                <a:tc>
-                  <a:txBody>
-                    <a:bodyPr/>
-                    <a:lstStyle/>
-                    <a:p>
-                      <a:r>
-                        <a:rPr lang="en-US" sz="1800" kern="1200" dirty="0" err="1">
-                          <a:effectLst/>
-                        </a:rPr>
-                        <a:t>Helidon</a:t>
-                      </a:r>
-                      <a:r>
-                        <a:rPr lang="en-US" sz="1800" kern="1200" dirty="0">
-                          <a:effectLst/>
-                        </a:rPr>
-                        <a:t> Extensions: CDI Extensions for the Cloud</a:t>
-                      </a:r>
-                      <a:endParaRPr lang="en-US" dirty="0"/>
-                    </a:p>
-                  </a:txBody>
-                  <a:tcPr/>
-                </a:tc>
-                <a:extLst>
-                  <a:ext uri="{0D108BD9-81ED-4DB2-BD59-A6C34878D82A}">
-                    <a16:rowId xmlns:a16="http://schemas.microsoft.com/office/drawing/2014/main" val="3682381288"/>
-                  </a:ext>
-                </a:extLst>
-              </a:tr>
-              <a:tr h="520890">
-                <a:tc>
-                  <a:txBody>
-                    <a:bodyPr/>
-                    <a:lstStyle/>
-                    <a:p>
-                      <a:pPr algn="l" fontAlgn="t"/>
-                      <a:r>
-                        <a:rPr lang="en-US" dirty="0">
-                          <a:effectLst/>
-                        </a:rPr>
-                        <a:t>Thu</a:t>
-                      </a:r>
-                    </a:p>
-                  </a:txBody>
-                  <a:tcPr marL="95250" marR="95250" marT="66675" marB="66675"/>
-                </a:tc>
-                <a:tc>
-                  <a:txBody>
-                    <a:bodyPr/>
-                    <a:lstStyle/>
-                    <a:p>
-                      <a:r>
-                        <a:rPr lang="en-US" dirty="0"/>
-                        <a:t>12:00pm</a:t>
-                      </a:r>
-                    </a:p>
-                  </a:txBody>
-                  <a:tcPr/>
-                </a:tc>
-                <a:tc>
-                  <a:txBody>
-                    <a:bodyPr/>
-                    <a:lstStyle/>
-                    <a:p>
-                      <a:r>
-                        <a:rPr lang="en-US" dirty="0"/>
-                        <a:t>2003</a:t>
-                      </a:r>
-                    </a:p>
-                  </a:txBody>
-                  <a:tcPr/>
-                </a:tc>
-                <a:tc>
-                  <a:txBody>
-                    <a:bodyPr/>
-                    <a:lstStyle/>
-                    <a:p>
-                      <a:pPr algn="l" fontAlgn="t"/>
-                      <a:r>
-                        <a:rPr lang="en-US" sz="1800" kern="1200" dirty="0">
-                          <a:effectLst/>
-                        </a:rPr>
-                        <a:t>DEV5371</a:t>
-                      </a:r>
-                      <a:endParaRPr lang="en-US" dirty="0">
-                        <a:effectLst/>
-                      </a:endParaRPr>
-                    </a:p>
-                  </a:txBody>
-                  <a:tcPr marL="95250" marR="95250" marT="66675" marB="66675"/>
-                </a:tc>
-                <a:tc>
-                  <a:txBody>
-                    <a:bodyPr/>
-                    <a:lstStyle/>
-                    <a:p>
-                      <a:r>
-                        <a:rPr lang="en-US" sz="1800" kern="1200" dirty="0" err="1">
-                          <a:effectLst/>
-                        </a:rPr>
-                        <a:t>Helidon</a:t>
-                      </a:r>
-                      <a:r>
-                        <a:rPr lang="en-US" sz="1800" kern="1200" dirty="0">
-                          <a:effectLst/>
-                        </a:rPr>
-                        <a:t> Deep Dive: An Up-close Look at the </a:t>
-                      </a:r>
-                      <a:r>
-                        <a:rPr lang="en-US" sz="1800" kern="1200" dirty="0" err="1">
-                          <a:effectLst/>
-                        </a:rPr>
-                        <a:t>Helidon</a:t>
-                      </a:r>
-                      <a:r>
-                        <a:rPr lang="en-US" sz="1800" kern="1200" dirty="0">
-                          <a:effectLst/>
-                        </a:rPr>
-                        <a:t> Java APIs for Microservices</a:t>
-                      </a:r>
-                      <a:endParaRPr lang="en-US" dirty="0"/>
-                    </a:p>
-                  </a:txBody>
-                  <a:tcPr/>
-                </a:tc>
-                <a:extLst>
-                  <a:ext uri="{0D108BD9-81ED-4DB2-BD59-A6C34878D82A}">
-                    <a16:rowId xmlns:a16="http://schemas.microsoft.com/office/drawing/2014/main" val="2181233082"/>
-                  </a:ext>
-                </a:extLst>
-              </a:tr>
-              <a:tr h="520890">
-                <a:tc>
-                  <a:txBody>
-                    <a:bodyPr/>
-                    <a:lstStyle/>
-                    <a:p>
-                      <a:pPr algn="l" fontAlgn="t"/>
-                      <a:r>
-                        <a:rPr lang="en-US" dirty="0">
-                          <a:effectLst/>
-                        </a:rPr>
-                        <a:t>Thu</a:t>
-                      </a:r>
-                    </a:p>
-                  </a:txBody>
-                  <a:tcPr marL="95250" marR="95250" marT="66675" marB="66675"/>
-                </a:tc>
-                <a:tc>
-                  <a:txBody>
-                    <a:bodyPr/>
-                    <a:lstStyle/>
-                    <a:p>
-                      <a:r>
-                        <a:rPr lang="en-US" dirty="0"/>
-                        <a:t>2:00pm</a:t>
-                      </a:r>
-                    </a:p>
-                  </a:txBody>
-                  <a:tcPr/>
-                </a:tc>
-                <a:tc>
-                  <a:txBody>
-                    <a:bodyPr/>
-                    <a:lstStyle/>
-                    <a:p>
-                      <a:r>
-                        <a:rPr lang="en-US" dirty="0"/>
-                        <a:t>2006</a:t>
-                      </a:r>
-                    </a:p>
-                  </a:txBody>
-                  <a:tcPr/>
-                </a:tc>
-                <a:tc>
-                  <a:txBody>
-                    <a:bodyPr/>
-                    <a:lstStyle/>
-                    <a:p>
-                      <a:pPr algn="l" fontAlgn="t"/>
-                      <a:r>
-                        <a:rPr lang="en-US" dirty="0">
-                          <a:effectLst/>
-                        </a:rPr>
-                        <a:t>DEV5580</a:t>
-                      </a:r>
-                    </a:p>
-                  </a:txBody>
-                  <a:tcPr marL="95250" marR="95250" marT="66675" marB="66675"/>
-                </a:tc>
-                <a:tc>
-                  <a:txBody>
-                    <a:bodyPr/>
-                    <a:lstStyle/>
-                    <a:p>
-                      <a:r>
-                        <a:rPr lang="en-US" sz="1800" kern="1200" dirty="0" err="1">
-                          <a:effectLst/>
-                        </a:rPr>
-                        <a:t>GraalVM</a:t>
-                      </a:r>
-                      <a:r>
-                        <a:rPr lang="en-US" sz="1800" kern="1200" dirty="0">
-                          <a:effectLst/>
-                        </a:rPr>
-                        <a:t> Vision and Roadmap</a:t>
-                      </a:r>
-                      <a:endParaRPr lang="en-US" dirty="0"/>
-                    </a:p>
-                  </a:txBody>
-                  <a:tcPr/>
-                </a:tc>
-                <a:extLst>
-                  <a:ext uri="{0D108BD9-81ED-4DB2-BD59-A6C34878D82A}">
-                    <a16:rowId xmlns:a16="http://schemas.microsoft.com/office/drawing/2014/main" val="2268483327"/>
-                  </a:ext>
-                </a:extLst>
-              </a:tr>
-            </a:tbl>
-          </a:graphicData>
-        </a:graphic>
-      </p:graphicFrame>
+            <a:pPr algn="ctr"/>
+            <a:r>
+              <a:rPr lang="ru" sz="1066">
+                <a:solidFill>
+                  <a:srgbClr val="2399FF"/>
+                </a:solidFill>
+                <a:latin typeface="Roboto"/>
+                <a:ea typeface="Roboto"/>
+                <a:cs typeface="Roboto"/>
+                <a:sym typeface="Roboto"/>
+              </a:rPr>
+              <a:t>Copyright © 2018 Oracle. All rights reserved.</a:t>
+            </a:r>
+            <a:endParaRPr sz="1066">
+              <a:solidFill>
+                <a:srgbClr val="2399FF"/>
+              </a:solidFill>
+              <a:latin typeface="Roboto"/>
+              <a:ea typeface="Roboto"/>
+              <a:cs typeface="Roboto"/>
+              <a:sym typeface="Roboto"/>
+            </a:endParaRPr>
+          </a:p>
+        </p:txBody>
+      </p:sp>
     </p:spTree>
     <p:extLst>
       <p:ext uri="{BB962C8B-B14F-4D97-AF65-F5344CB8AC3E}">
-        <p14:creationId xmlns:p14="http://schemas.microsoft.com/office/powerpoint/2010/main" val="3624747765"/>
+        <p14:creationId xmlns:p14="http://schemas.microsoft.com/office/powerpoint/2010/main" val="784217637"/>
       </p:ext>
     </p:extLst>
   </p:cSld>
@@ -21185,28 +20868,6 @@
       </p:sp>
       <p:sp>
         <p:nvSpPr>
-          <p:cNvPr id="4" name="Footer Placeholder 3"/>
-          <p:cNvSpPr>
-            <a:spLocks noGrp="1"/>
-          </p:cNvSpPr>
-          <p:nvPr>
-            <p:ph type="ftr" sz="quarter" idx="11"/>
-          </p:nvPr>
-        </p:nvSpPr>
-        <p:spPr/>
-        <p:txBody>
-          <a:bodyPr/>
-          <a:lstStyle/>
-          <a:p>
-            <a:r>
-              <a:rPr lang="en-US"/>
-              <a:t>Confidential – Oracle Internal/Restricted/Highly Restricted</a:t>
-            </a:r>
-          </a:p>
-        </p:txBody>
-      </p:sp>
-      <p:sp>
-        <p:nvSpPr>
           <p:cNvPr id="5" name="Slide Number Placeholder 4"/>
           <p:cNvSpPr>
             <a:spLocks noGrp="1"/>
@@ -21329,8 +20990,8 @@
         </p:blipFill>
         <p:spPr>
           <a:xfrm>
-            <a:off x="1132764" y="54591"/>
-            <a:ext cx="9773171" cy="2947321"/>
+            <a:off x="2023354" y="1084068"/>
+            <a:ext cx="7520709" cy="2268040"/>
           </a:xfrm>
           <a:prstGeom prst="rect">
             <a:avLst/>
@@ -21351,8 +21012,8 @@
         </p:nvSpPr>
         <p:spPr>
           <a:xfrm>
-            <a:off x="1501255" y="3001912"/>
-            <a:ext cx="12497106" cy="2308324"/>
+            <a:off x="763113" y="3352108"/>
+            <a:ext cx="12497106" cy="707886"/>
           </a:xfrm>
           <a:prstGeom prst="rect">
             <a:avLst/>
@@ -21365,7 +21026,7 @@
           <a:lstStyle/>
           <a:p>
             <a:r>
-              <a:rPr lang="en-US" sz="7200" dirty="0"/>
+              <a:rPr lang="en-US" sz="4000" dirty="0"/>
               <a:t>A set of Java libraries for developing microservices.</a:t>
             </a:r>
           </a:p>
@@ -23222,8 +22883,8 @@
         </p:nvSpPr>
         <p:spPr>
           <a:xfrm>
-            <a:off x="3066878" y="2110117"/>
-            <a:ext cx="3718903" cy="535531"/>
+            <a:off x="3834524" y="2110117"/>
+            <a:ext cx="2183611" cy="535531"/>
           </a:xfrm>
           <a:prstGeom prst="rect">
             <a:avLst/>
@@ -23254,21 +22915,8 @@
                   <a:srgbClr val="FFFFFF"/>
                 </a:solidFill>
               </a:rPr>
-              <a:t> </a:t>
-            </a:r>
-            <a:r>
-              <a:rPr lang="en-US" sz="3200" b="1" dirty="0" err="1">
-                <a:solidFill>
-                  <a:srgbClr val="FFFFFF"/>
-                </a:solidFill>
-              </a:rPr>
-              <a:t>MicroProfile</a:t>
-            </a:r>
-            <a:endParaRPr lang="en-US" sz="3200" b="1" dirty="0">
-              <a:solidFill>
-                <a:srgbClr val="FFFFFF"/>
-              </a:solidFill>
-            </a:endParaRPr>
+              <a:t> MP</a:t>
+            </a:r>
           </a:p>
         </p:txBody>
       </p:sp>
@@ -24217,42 +23865,6 @@
           </a:p>
         </p:txBody>
       </p:sp>
-      <p:pic>
-        <p:nvPicPr>
-          <p:cNvPr id="9" name="Picture 8">
-            <a:extLst>
-              <a:ext uri="{FF2B5EF4-FFF2-40B4-BE49-F238E27FC236}">
-                <a16:creationId xmlns:a16="http://schemas.microsoft.com/office/drawing/2014/main" id="{F9733682-192B-C845-BE11-6E8B9659C949}"/>
-              </a:ext>
-            </a:extLst>
-          </p:cNvPr>
-          <p:cNvPicPr>
-            <a:picLocks noChangeAspect="1"/>
-          </p:cNvPicPr>
-          <p:nvPr/>
-        </p:nvPicPr>
-        <p:blipFill>
-          <a:blip r:embed="rId2">
-            <a:extLst>
-              <a:ext uri="{28A0092B-C50C-407E-A947-70E740481C1C}">
-                <a14:useLocalDpi xmlns:a14="http://schemas.microsoft.com/office/drawing/2010/main" val="0"/>
-              </a:ext>
-            </a:extLst>
-          </a:blip>
-          <a:stretch>
-            <a:fillRect/>
-          </a:stretch>
-        </p:blipFill>
-        <p:spPr>
-          <a:xfrm>
-            <a:off x="8749298" y="4817660"/>
-            <a:ext cx="2907714" cy="1559540"/>
-          </a:xfrm>
-          <a:prstGeom prst="rect">
-            <a:avLst/>
-          </a:prstGeom>
-        </p:spPr>
-      </p:pic>
     </p:spTree>
     <p:extLst>
       <p:ext uri="{BB962C8B-B14F-4D97-AF65-F5344CB8AC3E}">

--- a/DEV5539_HelidonIntroCodeOne2018.pptx
+++ b/DEV5539_HelidonIntroCodeOne2018.pptx
@@ -29,6 +29,21 @@
   </p:sldIdLst>
   <p:sldSz cx="12188825" cy="6858000"/>
   <p:notesSz cx="6985000" cy="9283700"/>
+  <p:custShowLst>
+    <p:custShow name="Thirsty Bear" id="0">
+      <p:sldLst>
+        <p:sld r:id="rId5"/>
+        <p:sld r:id="rId6"/>
+        <p:sld r:id="rId7"/>
+        <p:sld r:id="rId8"/>
+        <p:sld r:id="rId9"/>
+        <p:sld r:id="rId10"/>
+        <p:sld r:id="rId11"/>
+        <p:sld r:id="rId12"/>
+        <p:sld r:id="rId13"/>
+      </p:sldLst>
+    </p:custShow>
+  </p:custShowLst>
   <p:custDataLst>
     <p:tags r:id="rId19"/>
   </p:custDataLst>
@@ -290,7 +305,7 @@
           <a:p>
             <a:fld id="{1E821AA6-70BE-4FDE-A8DC-DB381A688FD8}" type="datetimeFigureOut">
               <a:rPr lang="en-US"/>
-              <a:t>10/17/18</a:t>
+              <a:t>10/19/18</a:t>
             </a:fld>
             <a:endParaRPr/>
           </a:p>
@@ -2267,7 +2282,7 @@
           <a:p>
             <a:fld id="{4329B2BE-4A4F-2F47-89E0-C82D4B8807BB}" type="datetime1">
               <a:rPr lang="en-US" smtClean="0"/>
-              <a:t>10/17/18</a:t>
+              <a:t>10/19/18</a:t>
             </a:fld>
             <a:endParaRPr/>
           </a:p>
@@ -2887,7 +2902,7 @@
           <a:p>
             <a:fld id="{AF0B5C25-5445-A941-BC32-449447944B6C}" type="datetime1">
               <a:rPr lang="en-US" smtClean="0"/>
-              <a:t>10/17/18</a:t>
+              <a:t>10/19/18</a:t>
             </a:fld>
             <a:endParaRPr/>
           </a:p>
@@ -3297,7 +3312,7 @@
           <a:p>
             <a:fld id="{5E608C3D-7BC2-4543-B6D3-6C9DB5A42951}" type="datetime1">
               <a:rPr lang="en-US" smtClean="0"/>
-              <a:t>10/17/18</a:t>
+              <a:t>10/19/18</a:t>
             </a:fld>
             <a:endParaRPr/>
           </a:p>
@@ -3416,7 +3431,7 @@
           <a:p>
             <a:fld id="{9221A804-92A6-3844-A32C-A7EFE2C3C282}" type="datetime1">
               <a:rPr lang="en-US" smtClean="0"/>
-              <a:t>10/17/18</a:t>
+              <a:t>10/19/18</a:t>
             </a:fld>
             <a:endParaRPr/>
           </a:p>
@@ -3761,7 +3776,7 @@
           <a:p>
             <a:fld id="{A0C87292-9C06-6548-8A94-AFF5721527F2}" type="datetime1">
               <a:rPr lang="en-US" smtClean="0"/>
-              <a:t>10/17/18</a:t>
+              <a:t>10/19/18</a:t>
             </a:fld>
             <a:endParaRPr/>
           </a:p>
@@ -3983,7 +3998,7 @@
           <a:p>
             <a:fld id="{FF3958D6-F337-E74C-8A87-11B39A770D8B}" type="datetime1">
               <a:rPr lang="en-US" smtClean="0"/>
-              <a:t>10/17/18</a:t>
+              <a:t>10/19/18</a:t>
             </a:fld>
             <a:endParaRPr/>
           </a:p>
@@ -4353,7 +4368,7 @@
           <a:p>
             <a:fld id="{434304CB-FC83-6B4D-9867-4D0399924617}" type="datetime1">
               <a:rPr lang="en-US" smtClean="0"/>
-              <a:t>10/17/18</a:t>
+              <a:t>10/19/18</a:t>
             </a:fld>
             <a:endParaRPr/>
           </a:p>
@@ -4741,7 +4756,7 @@
           <a:p>
             <a:fld id="{5BC948AA-6676-F04E-B59A-9E2D3D013EFE}" type="datetime1">
               <a:rPr lang="en-US" smtClean="0"/>
-              <a:t>10/17/18</a:t>
+              <a:t>10/19/18</a:t>
             </a:fld>
             <a:endParaRPr/>
           </a:p>
@@ -5144,7 +5159,7 @@
           <a:p>
             <a:fld id="{8CFF23B5-725A-354C-A0E8-8F5B5B966BAD}" type="datetime1">
               <a:rPr lang="en-US" smtClean="0"/>
-              <a:t>10/17/18</a:t>
+              <a:t>10/19/18</a:t>
             </a:fld>
             <a:endParaRPr/>
           </a:p>
@@ -5496,7 +5511,7 @@
           <a:p>
             <a:fld id="{7FCC7DB6-198B-764A-919E-CD410F080E27}" type="datetime1">
               <a:rPr lang="en-US" smtClean="0"/>
-              <a:t>10/17/18</a:t>
+              <a:t>10/19/18</a:t>
             </a:fld>
             <a:endParaRPr/>
           </a:p>
@@ -6225,7 +6240,7 @@
           <a:p>
             <a:fld id="{65A2BD72-003A-5545-ACB2-3FC4A437F07C}" type="datetime1">
               <a:rPr lang="en-US" smtClean="0"/>
-              <a:t>10/17/18</a:t>
+              <a:t>10/19/18</a:t>
             </a:fld>
             <a:endParaRPr/>
           </a:p>
@@ -6551,7 +6566,7 @@
           <a:p>
             <a:fld id="{FD18074B-101C-6243-B2A5-2E584C1F498C}" type="datetime1">
               <a:rPr lang="en-US" smtClean="0"/>
-              <a:t>10/17/18</a:t>
+              <a:t>10/19/18</a:t>
             </a:fld>
             <a:endParaRPr/>
           </a:p>
@@ -7106,7 +7121,7 @@
           <a:p>
             <a:fld id="{39AB1D7B-6FEF-4942-A0FD-70FAB8C4D1E8}" type="datetime1">
               <a:rPr lang="en-US" smtClean="0"/>
-              <a:t>10/17/18</a:t>
+              <a:t>10/19/18</a:t>
             </a:fld>
             <a:endParaRPr/>
           </a:p>
@@ -7248,7 +7263,7 @@
           <a:p>
             <a:fld id="{793B2850-E8AF-8445-A9A1-05BF3CEEAABB}" type="datetime1">
               <a:rPr lang="en-US" smtClean="0"/>
-              <a:t>10/17/18</a:t>
+              <a:t>10/19/18</a:t>
             </a:fld>
             <a:endParaRPr/>
           </a:p>
@@ -7390,7 +7405,7 @@
           <a:p>
             <a:fld id="{3B514022-D3B3-B843-AB95-ECD6786B0945}" type="datetime1">
               <a:rPr lang="en-US" smtClean="0"/>
-              <a:t>10/17/18</a:t>
+              <a:t>10/19/18</a:t>
             </a:fld>
             <a:endParaRPr/>
           </a:p>
@@ -7610,7 +7625,7 @@
           <a:p>
             <a:fld id="{25121BC7-E4D0-B240-8083-0EF66FE0E1E7}" type="datetime1">
               <a:rPr lang="en-US" smtClean="0"/>
-              <a:t>10/17/18</a:t>
+              <a:t>10/19/18</a:t>
             </a:fld>
             <a:endParaRPr/>
           </a:p>
@@ -7897,7 +7912,7 @@
           <a:p>
             <a:fld id="{58AEA038-9B2D-2143-AC59-C313999AFCBF}" type="datetime1">
               <a:rPr lang="en-US" smtClean="0"/>
-              <a:t>10/17/18</a:t>
+              <a:t>10/19/18</a:t>
             </a:fld>
             <a:endParaRPr/>
           </a:p>
@@ -8170,7 +8185,7 @@
           <a:p>
             <a:fld id="{5CAE08B2-5BDE-8C46-9BAA-934B3714AAC5}" type="datetime1">
               <a:rPr lang="en-US" smtClean="0"/>
-              <a:t>10/17/18</a:t>
+              <a:t>10/19/18</a:t>
             </a:fld>
             <a:endParaRPr/>
           </a:p>
@@ -8449,7 +8464,7 @@
           <a:p>
             <a:fld id="{2CB2CDB0-1D1F-9740-A617-E751C9255D97}" type="datetime1">
               <a:rPr lang="en-US" smtClean="0"/>
-              <a:t>10/17/18</a:t>
+              <a:t>10/19/18</a:t>
             </a:fld>
             <a:endParaRPr/>
           </a:p>
@@ -8764,7 +8779,7 @@
           <a:p>
             <a:fld id="{90CA6F98-0770-B646-AAB1-A9D47ECB6FD2}" type="datetime1">
               <a:rPr lang="en-US" smtClean="0"/>
-              <a:t>10/17/18</a:t>
+              <a:t>10/19/18</a:t>
             </a:fld>
             <a:endParaRPr/>
           </a:p>
@@ -9252,7 +9267,7 @@
           <a:p>
             <a:fld id="{E2E36C09-AA5C-D84C-B1CE-56A43964D140}" type="datetime1">
               <a:rPr lang="en-US" smtClean="0"/>
-              <a:t>10/17/18</a:t>
+              <a:t>10/19/18</a:t>
             </a:fld>
             <a:endParaRPr/>
           </a:p>
@@ -9802,7 +9817,7 @@
           <a:p>
             <a:fld id="{54BE7967-43C5-1644-8A86-D7A5D1CE8C98}" type="datetime1">
               <a:rPr lang="en-US" smtClean="0"/>
-              <a:t>10/17/18</a:t>
+              <a:t>10/19/18</a:t>
             </a:fld>
             <a:endParaRPr/>
           </a:p>
@@ -10123,7 +10138,7 @@
           <a:p>
             <a:fld id="{DB924A38-5262-BE40-9A25-0C5E4EC622BB}" type="datetime1">
               <a:rPr lang="en-US" smtClean="0"/>
-              <a:t>10/17/18</a:t>
+              <a:t>10/19/18</a:t>
             </a:fld>
             <a:endParaRPr/>
           </a:p>
@@ -10603,7 +10618,7 @@
           <a:p>
             <a:fld id="{A8602262-E906-2247-B442-11D575DC02A0}" type="datetime1">
               <a:rPr lang="en-US" smtClean="0"/>
-              <a:t>10/17/18</a:t>
+              <a:t>10/19/18</a:t>
             </a:fld>
             <a:endParaRPr/>
           </a:p>
@@ -10901,7 +10916,7 @@
           <a:p>
             <a:fld id="{B83339F1-67C7-D64E-8A31-E2A22E214630}" type="datetime1">
               <a:rPr lang="en-US" smtClean="0"/>
-              <a:t>10/17/18</a:t>
+              <a:t>10/19/18</a:t>
             </a:fld>
             <a:endParaRPr/>
           </a:p>
@@ -11285,7 +11300,7 @@
           <a:p>
             <a:fld id="{5CE5B03A-364F-3E4B-B036-4CA91514DFEC}" type="datetime1">
               <a:rPr lang="en-US" smtClean="0"/>
-              <a:t>10/17/18</a:t>
+              <a:t>10/19/18</a:t>
             </a:fld>
             <a:endParaRPr/>
           </a:p>
@@ -11981,7 +11996,7 @@
           <a:p>
             <a:fld id="{74106169-C278-7548-A3B7-CA56E5089737}" type="datetime1">
               <a:rPr lang="en-US" smtClean="0"/>
-              <a:t>10/17/18</a:t>
+              <a:t>10/19/18</a:t>
             </a:fld>
             <a:endParaRPr/>
           </a:p>
@@ -12218,7 +12233,7 @@
           <a:p>
             <a:fld id="{23E8C3B4-BFEB-8D42-95CF-7AB2E553F62A}" type="datetime1">
               <a:rPr lang="en-US" smtClean="0"/>
-              <a:t>10/17/18</a:t>
+              <a:t>10/19/18</a:t>
             </a:fld>
             <a:endParaRPr/>
           </a:p>
@@ -12418,7 +12433,7 @@
           <a:p>
             <a:fld id="{ED56D454-33A3-3B47-A799-8B4BEDECCB9E}" type="datetime1">
               <a:rPr lang="en-US" smtClean="0"/>
-              <a:t>10/17/18</a:t>
+              <a:t>10/19/18</a:t>
             </a:fld>
             <a:endParaRPr/>
           </a:p>
@@ -12648,7 +12663,7 @@
           <a:p>
             <a:fld id="{A8E927AB-5593-4D4E-81BC-3EA8D420D409}" type="datetime1">
               <a:rPr lang="en-US" smtClean="0"/>
-              <a:t>10/17/18</a:t>
+              <a:t>10/19/18</a:t>
             </a:fld>
             <a:endParaRPr/>
           </a:p>
@@ -13427,7 +13442,7 @@
           <a:p>
             <a:fld id="{ACC6103E-8F8F-ED45-A807-E91B65996D5A}" type="datetime1">
               <a:rPr lang="en-US" smtClean="0"/>
-              <a:t>10/17/18</a:t>
+              <a:t>10/19/18</a:t>
             </a:fld>
             <a:endParaRPr/>
           </a:p>
@@ -13651,7 +13666,7 @@
           <a:p>
             <a:fld id="{FE8663AD-FCCD-964E-9FC1-C3858D0525F9}" type="datetime1">
               <a:rPr lang="en-US" smtClean="0"/>
-              <a:t>10/17/18</a:t>
+              <a:t>10/19/18</a:t>
             </a:fld>
             <a:endParaRPr/>
           </a:p>
@@ -14332,7 +14347,7 @@
           <a:p>
             <a:fld id="{A4EDF6E3-BBB3-8E43-9818-EAE2BE7C3A07}" type="datetime1">
               <a:rPr lang="en-US" smtClean="0"/>
-              <a:t>10/17/18</a:t>
+              <a:t>10/19/18</a:t>
             </a:fld>
             <a:endParaRPr/>
           </a:p>
@@ -14718,7 +14733,7 @@
             <a:fld id="{DB0592DB-01ED-A44A-830D-2A57CD1AF06B}" type="datetime1">
               <a:rPr lang="en-US" smtClean="0"/>
               <a:pPr/>
-              <a:t>10/17/18</a:t>
+              <a:t>10/19/18</a:t>
             </a:fld>
             <a:endParaRPr lang="en-US" dirty="0"/>
           </a:p>
@@ -15121,7 +15136,7 @@
           <a:p>
             <a:fld id="{139F7C01-7F90-5641-BB5C-5E6D1CA790E7}" type="datetime1">
               <a:rPr lang="en-US" smtClean="0"/>
-              <a:t>10/17/18</a:t>
+              <a:t>10/19/18</a:t>
             </a:fld>
             <a:endParaRPr/>
           </a:p>
@@ -15793,7 +15808,7 @@
           <a:p>
             <a:fld id="{EAAF57FF-EB6C-B248-8C98-FA23CD63DB45}" type="datetime1">
               <a:rPr lang="en-US" smtClean="0"/>
-              <a:t>10/17/18</a:t>
+              <a:t>10/19/18</a:t>
             </a:fld>
             <a:endParaRPr/>
           </a:p>
@@ -15993,7 +16008,7 @@
           <a:p>
             <a:fld id="{C873C450-46F0-2A43-84A8-DCCA66DE557C}" type="datetime1">
               <a:rPr lang="en-US" smtClean="0"/>
-              <a:t>10/17/18</a:t>
+              <a:t>10/19/18</a:t>
             </a:fld>
             <a:endParaRPr/>
           </a:p>
@@ -16213,7 +16228,7 @@
           <a:p>
             <a:fld id="{48D75A7B-C368-1B4B-A3A4-B7B4FD26FDB0}" type="datetime1">
               <a:rPr lang="en-US" smtClean="0"/>
-              <a:t>10/17/18</a:t>
+              <a:t>10/19/18</a:t>
             </a:fld>
             <a:endParaRPr/>
           </a:p>
@@ -16612,7 +16627,7 @@
           <a:p>
             <a:fld id="{256A782E-6B8C-174C-991A-EC80C342D223}" type="datetime1">
               <a:rPr lang="en-US" smtClean="0"/>
-              <a:t>10/17/18</a:t>
+              <a:t>10/19/18</a:t>
             </a:fld>
             <a:endParaRPr/>
           </a:p>
@@ -17039,7 +17054,7 @@
           <a:p>
             <a:fld id="{EA7B7F3D-B4C1-6B49-B2C1-78BA7AA9323F}" type="datetime1">
               <a:rPr lang="en-US" smtClean="0"/>
-              <a:t>10/17/18</a:t>
+              <a:t>10/19/18</a:t>
             </a:fld>
             <a:endParaRPr lang="en-US"/>
           </a:p>

--- a/DEV5539_HelidonIntroCodeOne2018.pptx
+++ b/DEV5539_HelidonIntroCodeOne2018.pptx
@@ -5,10 +5,10 @@
     <p:sldMasterId id="2147483648" r:id="rId1"/>
   </p:sldMasterIdLst>
   <p:notesMasterIdLst>
-    <p:notesMasterId r:id="rId17"/>
+    <p:notesMasterId r:id="rId18"/>
   </p:notesMasterIdLst>
   <p:handoutMasterIdLst>
-    <p:handoutMasterId r:id="rId18"/>
+    <p:handoutMasterId r:id="rId19"/>
   </p:handoutMasterIdLst>
   <p:sldIdLst>
     <p:sldId id="443" r:id="rId2"/>
@@ -23,9 +23,10 @@
     <p:sldId id="435" r:id="rId11"/>
     <p:sldId id="438" r:id="rId12"/>
     <p:sldId id="439" r:id="rId13"/>
-    <p:sldId id="447" r:id="rId14"/>
-    <p:sldId id="434" r:id="rId15"/>
-    <p:sldId id="276" r:id="rId16"/>
+    <p:sldId id="448" r:id="rId14"/>
+    <p:sldId id="436" r:id="rId15"/>
+    <p:sldId id="434" r:id="rId16"/>
+    <p:sldId id="276" r:id="rId17"/>
   </p:sldIdLst>
   <p:sldSz cx="12188825" cy="6858000"/>
   <p:notesSz cx="6985000" cy="9283700"/>
@@ -45,7 +46,7 @@
     </p:custShow>
   </p:custShowLst>
   <p:custDataLst>
-    <p:tags r:id="rId19"/>
+    <p:tags r:id="rId20"/>
   </p:custDataLst>
   <p:defaultTextStyle>
     <a:defPPr>
@@ -159,7 +160,8 @@
             <p14:sldId id="435"/>
             <p14:sldId id="438"/>
             <p14:sldId id="439"/>
-            <p14:sldId id="447"/>
+            <p14:sldId id="448"/>
+            <p14:sldId id="436"/>
             <p14:sldId id="434"/>
             <p14:sldId id="276"/>
           </p14:sldIdLst>
@@ -810,6 +812,115 @@
 </p:notes>
 </file>
 
+<file path=ppt/notesSlides/notesSlide10.xml><?xml version="1.0" encoding="utf-8"?>
+<p:notes xmlns:a="http://schemas.openxmlformats.org/drawingml/2006/main" xmlns:r="http://schemas.openxmlformats.org/officeDocument/2006/relationships" xmlns:p="http://schemas.openxmlformats.org/presentationml/2006/main" showMasterSp="0" showMasterPhAnim="0">
+  <p:cSld>
+    <p:spTree>
+      <p:nvGrpSpPr>
+        <p:cNvPr id="1" name="Shape 236"/>
+        <p:cNvGrpSpPr/>
+        <p:nvPr/>
+      </p:nvGrpSpPr>
+      <p:grpSpPr>
+        <a:xfrm>
+          <a:off x="0" y="0"/>
+          <a:ext cx="0" cy="0"/>
+          <a:chOff x="0" y="0"/>
+          <a:chExt cx="0" cy="0"/>
+        </a:xfrm>
+      </p:grpSpPr>
+      <p:sp>
+        <p:nvSpPr>
+          <p:cNvPr id="237" name="Google Shape;237;g43fd5f8bd1_0_0:notes"/>
+          <p:cNvSpPr>
+            <a:spLocks noGrp="1" noRot="1" noChangeAspect="1"/>
+          </p:cNvSpPr>
+          <p:nvPr>
+            <p:ph type="sldImg" idx="2"/>
+          </p:nvPr>
+        </p:nvSpPr>
+        <p:spPr>
+          <a:xfrm>
+            <a:off x="381000" y="685800"/>
+            <a:ext cx="6096000" cy="3429000"/>
+          </a:xfrm>
+          <a:custGeom>
+            <a:avLst/>
+            <a:gdLst/>
+            <a:ahLst/>
+            <a:cxnLst/>
+            <a:rect l="l" t="t" r="r" b="b"/>
+            <a:pathLst>
+              <a:path w="120000" h="120000" extrusionOk="0">
+                <a:moveTo>
+                  <a:pt x="0" y="0"/>
+                </a:moveTo>
+                <a:lnTo>
+                  <a:pt x="120000" y="0"/>
+                </a:lnTo>
+                <a:lnTo>
+                  <a:pt x="120000" y="120000"/>
+                </a:lnTo>
+                <a:lnTo>
+                  <a:pt x="0" y="120000"/>
+                </a:lnTo>
+                <a:close/>
+              </a:path>
+            </a:pathLst>
+          </a:custGeom>
+        </p:spPr>
+      </p:sp>
+      <p:sp>
+        <p:nvSpPr>
+          <p:cNvPr id="238" name="Google Shape;238;g43fd5f8bd1_0_0:notes"/>
+          <p:cNvSpPr txBox="1">
+            <a:spLocks noGrp="1"/>
+          </p:cNvSpPr>
+          <p:nvPr>
+            <p:ph type="body" idx="1"/>
+          </p:nvPr>
+        </p:nvSpPr>
+        <p:spPr>
+          <a:xfrm>
+            <a:off x="685800" y="4343400"/>
+            <a:ext cx="5486400" cy="4114800"/>
+          </a:xfrm>
+          <a:prstGeom prst="rect">
+            <a:avLst/>
+          </a:prstGeom>
+        </p:spPr>
+        <p:txBody>
+          <a:bodyPr spcFirstLastPara="1" wrap="square" lIns="91425" tIns="91425" rIns="91425" bIns="91425" anchor="t" anchorCtr="0">
+            <a:noAutofit/>
+          </a:bodyPr>
+          <a:lstStyle/>
+          <a:p>
+            <a:pPr marL="0" lvl="0" indent="0" algn="l" rtl="0">
+              <a:spcBef>
+                <a:spcPts val="0"/>
+              </a:spcBef>
+              <a:spcAft>
+                <a:spcPts val="0"/>
+              </a:spcAft>
+              <a:buNone/>
+            </a:pPr>
+            <a:endParaRPr/>
+          </a:p>
+        </p:txBody>
+      </p:sp>
+    </p:spTree>
+    <p:extLst>
+      <p:ext uri="{BB962C8B-B14F-4D97-AF65-F5344CB8AC3E}">
+        <p14:creationId xmlns:p14="http://schemas.microsoft.com/office/powerpoint/2010/main" val="1432791685"/>
+      </p:ext>
+    </p:extLst>
+  </p:cSld>
+  <p:clrMapOvr>
+    <a:masterClrMapping/>
+  </p:clrMapOvr>
+</p:notes>
+</file>
+
 <file path=ppt/notesSlides/notesSlide2.xml><?xml version="1.0" encoding="utf-8"?>
 <p:notes xmlns:a="http://schemas.openxmlformats.org/drawingml/2006/main" xmlns:r="http://schemas.openxmlformats.org/officeDocument/2006/relationships" xmlns:p="http://schemas.openxmlformats.org/presentationml/2006/main">
   <p:cSld>
@@ -1619,6 +1730,53 @@
               <a:tabLst/>
               <a:defRPr/>
             </a:pPr>
+            <a:r>
+              <a:rPr lang="en-US" dirty="0"/>
+              <a:t>2.1: Config 1.3, Fault tolerance 1.1, Health Check 1.0, Metrics 1.1, JWT </a:t>
+            </a:r>
+            <a:r>
+              <a:rPr lang="en-US" dirty="0" err="1"/>
+              <a:t>Auth</a:t>
+            </a:r>
+            <a:r>
+              <a:rPr lang="en-US" dirty="0"/>
+              <a:t> 1.1, </a:t>
+            </a:r>
+            <a:r>
+              <a:rPr lang="en-US" dirty="0" err="1"/>
+              <a:t>OpenAPI</a:t>
+            </a:r>
+            <a:r>
+              <a:rPr lang="en-US" dirty="0"/>
+              <a:t> 1.0, </a:t>
+            </a:r>
+            <a:r>
+              <a:rPr lang="en-US" dirty="0" err="1"/>
+              <a:t>OpenTracing</a:t>
+            </a:r>
+            <a:r>
+              <a:rPr lang="en-US" dirty="0"/>
+              <a:t> 1.2, Rest Client 1.1</a:t>
+            </a:r>
+          </a:p>
+          <a:p>
+            <a:pPr marL="0" marR="0" lvl="0" indent="0" algn="l" defTabSz="914400" rtl="0" eaLnBrk="1" fontAlgn="auto" latinLnBrk="0" hangingPunct="1">
+              <a:lnSpc>
+                <a:spcPct val="100000"/>
+              </a:lnSpc>
+              <a:spcBef>
+                <a:spcPts val="600"/>
+              </a:spcBef>
+              <a:spcAft>
+                <a:spcPts val="0"/>
+              </a:spcAft>
+              <a:buClrTx/>
+              <a:buSzTx/>
+              <a:buFontTx/>
+              <a:buNone/>
+              <a:tabLst/>
+              <a:defRPr/>
+            </a:pPr>
             <a:endParaRPr lang="en-US" dirty="0"/>
           </a:p>
           <a:p>
@@ -1826,6 +1984,90 @@
             <p:ph type="sldImg"/>
           </p:nvPr>
         </p:nvSpPr>
+        <p:spPr/>
+      </p:sp>
+      <p:sp>
+        <p:nvSpPr>
+          <p:cNvPr id="3" name="Notes Placeholder 2"/>
+          <p:cNvSpPr>
+            <a:spLocks noGrp="1"/>
+          </p:cNvSpPr>
+          <p:nvPr>
+            <p:ph type="body" idx="1"/>
+          </p:nvPr>
+        </p:nvSpPr>
+        <p:spPr/>
+        <p:txBody>
+          <a:bodyPr/>
+          <a:lstStyle/>
+          <a:p>
+            <a:endParaRPr lang="en-US" dirty="0"/>
+          </a:p>
+        </p:txBody>
+      </p:sp>
+      <p:sp>
+        <p:nvSpPr>
+          <p:cNvPr id="4" name="Slide Number Placeholder 3"/>
+          <p:cNvSpPr>
+            <a:spLocks noGrp="1"/>
+          </p:cNvSpPr>
+          <p:nvPr>
+            <p:ph type="sldNum" sz="quarter" idx="10"/>
+          </p:nvPr>
+        </p:nvSpPr>
+        <p:spPr/>
+        <p:txBody>
+          <a:bodyPr/>
+          <a:lstStyle/>
+          <a:p>
+            <a:fld id="{8C72D9AE-7182-4680-8F79-479C4181FF08}" type="slidenum">
+              <a:rPr lang="en-US" smtClean="0"/>
+              <a:t>9</a:t>
+            </a:fld>
+            <a:endParaRPr lang="en-US"/>
+          </a:p>
+        </p:txBody>
+      </p:sp>
+    </p:spTree>
+    <p:extLst>
+      <p:ext uri="{BB962C8B-B14F-4D97-AF65-F5344CB8AC3E}">
+        <p14:creationId xmlns:p14="http://schemas.microsoft.com/office/powerpoint/2010/main" val="1517438451"/>
+      </p:ext>
+    </p:extLst>
+  </p:cSld>
+  <p:clrMapOvr>
+    <a:masterClrMapping/>
+  </p:clrMapOvr>
+</p:notes>
+</file>
+
+<file path=ppt/notesSlides/notesSlide8.xml><?xml version="1.0" encoding="utf-8"?>
+<p:notes xmlns:a="http://schemas.openxmlformats.org/drawingml/2006/main" xmlns:r="http://schemas.openxmlformats.org/officeDocument/2006/relationships" xmlns:p="http://schemas.openxmlformats.org/presentationml/2006/main">
+  <p:cSld>
+    <p:spTree>
+      <p:nvGrpSpPr>
+        <p:cNvPr id="1" name=""/>
+        <p:cNvGrpSpPr/>
+        <p:nvPr/>
+      </p:nvGrpSpPr>
+      <p:grpSpPr>
+        <a:xfrm>
+          <a:off x="0" y="0"/>
+          <a:ext cx="0" cy="0"/>
+          <a:chOff x="0" y="0"/>
+          <a:chExt cx="0" cy="0"/>
+        </a:xfrm>
+      </p:grpSpPr>
+      <p:sp>
+        <p:nvSpPr>
+          <p:cNvPr id="2" name="Slide Image Placeholder 1"/>
+          <p:cNvSpPr>
+            <a:spLocks noGrp="1" noRot="1" noChangeAspect="1"/>
+          </p:cNvSpPr>
+          <p:nvPr>
+            <p:ph type="sldImg"/>
+          </p:nvPr>
+        </p:nvSpPr>
         <p:spPr>
           <a:xfrm>
             <a:off x="396875" y="387350"/>
@@ -1888,12 +2130,12 @@
 </p:notes>
 </file>
 
-<file path=ppt/notesSlides/notesSlide8.xml><?xml version="1.0" encoding="utf-8"?>
-<p:notes xmlns:a="http://schemas.openxmlformats.org/drawingml/2006/main" xmlns:r="http://schemas.openxmlformats.org/officeDocument/2006/relationships" xmlns:p="http://schemas.openxmlformats.org/presentationml/2006/main" showMasterSp="0" showMasterPhAnim="0">
+<file path=ppt/notesSlides/notesSlide9.xml><?xml version="1.0" encoding="utf-8"?>
+<p:notes xmlns:a="http://schemas.openxmlformats.org/drawingml/2006/main" xmlns:r="http://schemas.openxmlformats.org/officeDocument/2006/relationships" xmlns:p="http://schemas.openxmlformats.org/presentationml/2006/main">
   <p:cSld>
     <p:spTree>
       <p:nvGrpSpPr>
-        <p:cNvPr id="1" name="Shape 236"/>
+        <p:cNvPr id="1" name=""/>
         <p:cNvGrpSpPr/>
         <p:nvPr/>
       </p:nvGrpSpPr>
@@ -1907,87 +2149,67 @@
       </p:grpSpPr>
       <p:sp>
         <p:nvSpPr>
-          <p:cNvPr id="237" name="Google Shape;237;g43fd5f8bd1_0_0:notes"/>
+          <p:cNvPr id="2" name="Slide Image Placeholder 1"/>
           <p:cNvSpPr>
             <a:spLocks noGrp="1" noRot="1" noChangeAspect="1"/>
           </p:cNvSpPr>
           <p:nvPr>
-            <p:ph type="sldImg" idx="2"/>
+            <p:ph type="sldImg"/>
           </p:nvPr>
         </p:nvSpPr>
         <p:spPr>
           <a:xfrm>
-            <a:off x="381000" y="685800"/>
-            <a:ext cx="6096000" cy="3429000"/>
-          </a:xfrm>
-          <a:custGeom>
-            <a:avLst/>
-            <a:gdLst/>
-            <a:ahLst/>
-            <a:cxnLst/>
-            <a:rect l="l" t="t" r="r" b="b"/>
-            <a:pathLst>
-              <a:path w="120000" h="120000" extrusionOk="0">
-                <a:moveTo>
-                  <a:pt x="0" y="0"/>
-                </a:moveTo>
-                <a:lnTo>
-                  <a:pt x="120000" y="0"/>
-                </a:lnTo>
-                <a:lnTo>
-                  <a:pt x="120000" y="120000"/>
-                </a:lnTo>
-                <a:lnTo>
-                  <a:pt x="0" y="120000"/>
-                </a:lnTo>
-                <a:close/>
-              </a:path>
-            </a:pathLst>
-          </a:custGeom>
-        </p:spPr>
-      </p:sp>
-      <p:sp>
-        <p:nvSpPr>
-          <p:cNvPr id="238" name="Google Shape;238;g43fd5f8bd1_0_0:notes"/>
-          <p:cNvSpPr txBox="1">
+            <a:off x="396875" y="387350"/>
+            <a:ext cx="4640263" cy="2611438"/>
+          </a:xfrm>
+        </p:spPr>
+      </p:sp>
+      <p:sp>
+        <p:nvSpPr>
+          <p:cNvPr id="3" name="Notes Placeholder 2"/>
+          <p:cNvSpPr>
             <a:spLocks noGrp="1"/>
           </p:cNvSpPr>
           <p:nvPr>
             <p:ph type="body" idx="1"/>
           </p:nvPr>
         </p:nvSpPr>
-        <p:spPr>
-          <a:xfrm>
-            <a:off x="685800" y="4343400"/>
-            <a:ext cx="5486400" cy="4114800"/>
-          </a:xfrm>
-          <a:prstGeom prst="rect">
-            <a:avLst/>
-          </a:prstGeom>
-        </p:spPr>
-        <p:txBody>
-          <a:bodyPr spcFirstLastPara="1" wrap="square" lIns="91425" tIns="91425" rIns="91425" bIns="91425" anchor="t" anchorCtr="0">
-            <a:noAutofit/>
-          </a:bodyPr>
+        <p:spPr/>
+        <p:txBody>
+          <a:bodyPr/>
           <a:lstStyle/>
           <a:p>
-            <a:pPr marL="0" lvl="0" indent="0" algn="l" rtl="0">
-              <a:spcBef>
-                <a:spcPts val="0"/>
-              </a:spcBef>
-              <a:spcAft>
-                <a:spcPts val="0"/>
-              </a:spcAft>
-              <a:buNone/>
-            </a:pPr>
-            <a:endParaRPr/>
+            <a:endParaRPr lang="en-US"/>
+          </a:p>
+        </p:txBody>
+      </p:sp>
+      <p:sp>
+        <p:nvSpPr>
+          <p:cNvPr id="4" name="Slide Number Placeholder 3"/>
+          <p:cNvSpPr>
+            <a:spLocks noGrp="1"/>
+          </p:cNvSpPr>
+          <p:nvPr>
+            <p:ph type="sldNum" sz="quarter" idx="10"/>
+          </p:nvPr>
+        </p:nvSpPr>
+        <p:spPr/>
+        <p:txBody>
+          <a:bodyPr/>
+          <a:lstStyle/>
+          <a:p>
+            <a:fld id="{8C72D9AE-7182-4680-8F79-479C4181FF08}" type="slidenum">
+              <a:rPr lang="en-US" smtClean="0"/>
+              <a:t>14</a:t>
+            </a:fld>
+            <a:endParaRPr lang="en-US"/>
           </a:p>
         </p:txBody>
       </p:sp>
     </p:spTree>
     <p:extLst>
       <p:ext uri="{BB962C8B-B14F-4D97-AF65-F5344CB8AC3E}">
-        <p14:creationId xmlns:p14="http://schemas.microsoft.com/office/powerpoint/2010/main" val="1432791685"/>
+        <p14:creationId xmlns:p14="http://schemas.microsoft.com/office/powerpoint/2010/main" val="184490589"/>
       </p:ext>
     </p:extLst>
   </p:cSld>
@@ -2438,14 +2660,14 @@
   <p:clrMapOvr>
     <a:masterClrMapping/>
   </p:clrMapOvr>
-  <mc:AlternateContent xmlns:mc="http://schemas.openxmlformats.org/markup-compatibility/2006" xmlns:p14="http://schemas.microsoft.com/office/powerpoint/2010/main">
-    <mc:Choice Requires="p14">
-      <p:transition spd="med" p14:dur="700">
+  <mc:AlternateContent xmlns:mc="http://schemas.openxmlformats.org/markup-compatibility/2006">
+    <mc:Choice xmlns:p14="http://schemas.microsoft.com/office/powerpoint/2010/main" Requires="p14">
+      <p:transition spd="med" p14:dur="700" advTm="10000">
         <p:fade/>
       </p:transition>
     </mc:Choice>
-    <mc:Fallback xmlns="">
-      <p:transition spd="med">
+    <mc:Fallback>
+      <p:transition spd="med" advTm="10000">
         <p:fade/>
       </p:transition>
     </mc:Fallback>
@@ -3090,14 +3312,14 @@
   <p:clrMapOvr>
     <a:overrideClrMapping bg1="dk1" tx1="lt1" bg2="dk2" tx2="lt2" accent1="accent1" accent2="accent2" accent3="accent3" accent4="accent4" accent5="accent5" accent6="accent6" hlink="hlink" folHlink="folHlink"/>
   </p:clrMapOvr>
-  <mc:AlternateContent xmlns:mc="http://schemas.openxmlformats.org/markup-compatibility/2006" xmlns:p14="http://schemas.microsoft.com/office/powerpoint/2010/main">
-    <mc:Choice Requires="p14">
-      <p:transition spd="med" p14:dur="700">
+  <mc:AlternateContent xmlns:mc="http://schemas.openxmlformats.org/markup-compatibility/2006">
+    <mc:Choice xmlns:p14="http://schemas.microsoft.com/office/powerpoint/2010/main" Requires="p14">
+      <p:transition spd="med" p14:dur="700" advTm="10000">
         <p:fade/>
       </p:transition>
     </mc:Choice>
-    <mc:Fallback xmlns="">
-      <p:transition spd="med">
+    <mc:Fallback>
+      <p:transition spd="med" advTm="10000">
         <p:fade/>
       </p:transition>
     </mc:Fallback>
@@ -3382,14 +3604,14 @@
   <p:clrMapOvr>
     <a:masterClrMapping/>
   </p:clrMapOvr>
-  <mc:AlternateContent xmlns:mc="http://schemas.openxmlformats.org/markup-compatibility/2006" xmlns:p14="http://schemas.microsoft.com/office/powerpoint/2010/main">
-    <mc:Choice Requires="p14">
-      <p:transition spd="med" p14:dur="700">
+  <mc:AlternateContent xmlns:mc="http://schemas.openxmlformats.org/markup-compatibility/2006">
+    <mc:Choice xmlns:p14="http://schemas.microsoft.com/office/powerpoint/2010/main" Requires="p14">
+      <p:transition spd="med" p14:dur="700" advTm="10000">
         <p:fade/>
       </p:transition>
     </mc:Choice>
-    <mc:Fallback xmlns="">
-      <p:transition spd="med">
+    <mc:Fallback>
+      <p:transition spd="med" advTm="10000">
         <p:fade/>
       </p:transition>
     </mc:Fallback>
@@ -3624,14 +3846,14 @@
   <p:clrMapOvr>
     <a:masterClrMapping/>
   </p:clrMapOvr>
-  <mc:AlternateContent xmlns:mc="http://schemas.openxmlformats.org/markup-compatibility/2006" xmlns:p14="http://schemas.microsoft.com/office/powerpoint/2010/main">
-    <mc:Choice Requires="p14">
-      <p:transition spd="med" p14:dur="700">
+  <mc:AlternateContent xmlns:mc="http://schemas.openxmlformats.org/markup-compatibility/2006">
+    <mc:Choice xmlns:p14="http://schemas.microsoft.com/office/powerpoint/2010/main" Requires="p14">
+      <p:transition spd="med" p14:dur="700" advTm="10000">
         <p:fade/>
       </p:transition>
     </mc:Choice>
-    <mc:Fallback xmlns="">
-      <p:transition spd="med">
+    <mc:Fallback>
+      <p:transition spd="med" advTm="10000">
         <p:fade/>
       </p:transition>
     </mc:Fallback>
@@ -3846,14 +4068,14 @@
   <p:clrMapOvr>
     <a:masterClrMapping/>
   </p:clrMapOvr>
-  <mc:AlternateContent xmlns:mc="http://schemas.openxmlformats.org/markup-compatibility/2006" xmlns:p14="http://schemas.microsoft.com/office/powerpoint/2010/main">
-    <mc:Choice Requires="p14">
-      <p:transition spd="med" p14:dur="700">
+  <mc:AlternateContent xmlns:mc="http://schemas.openxmlformats.org/markup-compatibility/2006">
+    <mc:Choice xmlns:p14="http://schemas.microsoft.com/office/powerpoint/2010/main" Requires="p14">
+      <p:transition spd="med" p14:dur="700" advTm="10000">
         <p:fade/>
       </p:transition>
     </mc:Choice>
-    <mc:Fallback xmlns="">
-      <p:transition spd="med">
+    <mc:Fallback>
+      <p:transition spd="med" advTm="10000">
         <p:fade/>
       </p:transition>
     </mc:Fallback>
@@ -4109,14 +4331,14 @@
   <p:clrMapOvr>
     <a:masterClrMapping/>
   </p:clrMapOvr>
-  <mc:AlternateContent xmlns:mc="http://schemas.openxmlformats.org/markup-compatibility/2006" xmlns:p14="http://schemas.microsoft.com/office/powerpoint/2010/main">
-    <mc:Choice Requires="p14">
-      <p:transition spd="med" p14:dur="700">
+  <mc:AlternateContent xmlns:mc="http://schemas.openxmlformats.org/markup-compatibility/2006">
+    <mc:Choice xmlns:p14="http://schemas.microsoft.com/office/powerpoint/2010/main" Requires="p14">
+      <p:transition spd="med" p14:dur="700" advTm="10000">
         <p:fade/>
       </p:transition>
     </mc:Choice>
-    <mc:Fallback xmlns="">
-      <p:transition spd="med">
+    <mc:Fallback>
+      <p:transition spd="med" advTm="10000">
         <p:fade/>
       </p:transition>
     </mc:Fallback>
@@ -4461,14 +4683,14 @@
   <p:clrMapOvr>
     <a:masterClrMapping/>
   </p:clrMapOvr>
-  <mc:AlternateContent xmlns:mc="http://schemas.openxmlformats.org/markup-compatibility/2006" xmlns:p14="http://schemas.microsoft.com/office/powerpoint/2010/main">
-    <mc:Choice Requires="p14">
-      <p:transition spd="med" p14:dur="700">
+  <mc:AlternateContent xmlns:mc="http://schemas.openxmlformats.org/markup-compatibility/2006">
+    <mc:Choice xmlns:p14="http://schemas.microsoft.com/office/powerpoint/2010/main" Requires="p14">
+      <p:transition spd="med" p14:dur="700" advTm="10000">
         <p:fade/>
       </p:transition>
     </mc:Choice>
-    <mc:Fallback xmlns="">
-      <p:transition spd="med">
+    <mc:Fallback>
+      <p:transition spd="med" advTm="10000">
         <p:fade/>
       </p:transition>
     </mc:Fallback>
@@ -4936,14 +5158,14 @@
   <p:clrMapOvr>
     <a:masterClrMapping/>
   </p:clrMapOvr>
-  <mc:AlternateContent xmlns:mc="http://schemas.openxmlformats.org/markup-compatibility/2006" xmlns:p14="http://schemas.microsoft.com/office/powerpoint/2010/main">
-    <mc:Choice Requires="p14">
-      <p:transition spd="med" p14:dur="700">
+  <mc:AlternateContent xmlns:mc="http://schemas.openxmlformats.org/markup-compatibility/2006">
+    <mc:Choice xmlns:p14="http://schemas.microsoft.com/office/powerpoint/2010/main" Requires="p14">
+      <p:transition spd="med" p14:dur="700" advTm="10000">
         <p:fade/>
       </p:transition>
     </mc:Choice>
-    <mc:Fallback xmlns="">
-      <p:transition spd="med">
+    <mc:Fallback>
+      <p:transition spd="med" advTm="10000">
         <p:fade/>
       </p:transition>
     </mc:Fallback>
@@ -5462,14 +5684,14 @@
   <p:clrMapOvr>
     <a:masterClrMapping/>
   </p:clrMapOvr>
-  <mc:AlternateContent xmlns:mc="http://schemas.openxmlformats.org/markup-compatibility/2006" xmlns:p14="http://schemas.microsoft.com/office/powerpoint/2010/main">
-    <mc:Choice Requires="p14">
-      <p:transition spd="med" p14:dur="700">
+  <mc:AlternateContent xmlns:mc="http://schemas.openxmlformats.org/markup-compatibility/2006">
+    <mc:Choice xmlns:p14="http://schemas.microsoft.com/office/powerpoint/2010/main" Requires="p14">
+      <p:transition spd="med" p14:dur="700" advTm="10000">
         <p:fade/>
       </p:transition>
     </mc:Choice>
-    <mc:Fallback xmlns="">
-      <p:transition spd="med">
+    <mc:Fallback>
+      <p:transition spd="med" advTm="10000">
         <p:fade/>
       </p:transition>
     </mc:Fallback>
@@ -6088,14 +6310,14 @@
   <p:clrMapOvr>
     <a:masterClrMapping/>
   </p:clrMapOvr>
-  <mc:AlternateContent xmlns:mc="http://schemas.openxmlformats.org/markup-compatibility/2006" xmlns:p14="http://schemas.microsoft.com/office/powerpoint/2010/main">
-    <mc:Choice Requires="p14">
-      <p:transition spd="med" p14:dur="700">
+  <mc:AlternateContent xmlns:mc="http://schemas.openxmlformats.org/markup-compatibility/2006">
+    <mc:Choice xmlns:p14="http://schemas.microsoft.com/office/powerpoint/2010/main" Requires="p14">
+      <p:transition spd="med" p14:dur="700" advTm="10000">
         <p:fade/>
       </p:transition>
     </mc:Choice>
-    <mc:Fallback xmlns="">
-      <p:transition spd="med">
+    <mc:Fallback>
+      <p:transition spd="med" advTm="10000">
         <p:fade/>
       </p:transition>
     </mc:Fallback>
@@ -6344,14 +6566,14 @@
   <p:clrMapOvr>
     <a:masterClrMapping/>
   </p:clrMapOvr>
-  <mc:AlternateContent xmlns:mc="http://schemas.openxmlformats.org/markup-compatibility/2006" xmlns:p14="http://schemas.microsoft.com/office/powerpoint/2010/main">
-    <mc:Choice Requires="p14">
-      <p:transition spd="med" p14:dur="700">
+  <mc:AlternateContent xmlns:mc="http://schemas.openxmlformats.org/markup-compatibility/2006">
+    <mc:Choice xmlns:p14="http://schemas.microsoft.com/office/powerpoint/2010/main" Requires="p14">
+      <p:transition spd="med" p14:dur="700" advTm="10000">
         <p:fade/>
       </p:transition>
     </mc:Choice>
-    <mc:Fallback xmlns="">
-      <p:transition spd="med">
+    <mc:Fallback>
+      <p:transition spd="med" advTm="10000">
         <p:fade/>
       </p:transition>
     </mc:Fallback>
@@ -6722,14 +6944,14 @@
   <p:clrMapOvr>
     <a:masterClrMapping/>
   </p:clrMapOvr>
-  <mc:AlternateContent xmlns:mc="http://schemas.openxmlformats.org/markup-compatibility/2006" xmlns:p14="http://schemas.microsoft.com/office/powerpoint/2010/main">
-    <mc:Choice Requires="p14">
-      <p:transition spd="med" p14:dur="700">
+  <mc:AlternateContent xmlns:mc="http://schemas.openxmlformats.org/markup-compatibility/2006">
+    <mc:Choice xmlns:p14="http://schemas.microsoft.com/office/powerpoint/2010/main" Requires="p14">
+      <p:transition spd="med" p14:dur="700" advTm="10000">
         <p:fade/>
       </p:transition>
     </mc:Choice>
-    <mc:Fallback xmlns="">
-      <p:transition spd="med">
+    <mc:Fallback>
+      <p:transition spd="med" advTm="10000">
         <p:fade/>
       </p:transition>
     </mc:Fallback>
@@ -7214,14 +7436,14 @@
   <p:clrMapOvr>
     <a:masterClrMapping/>
   </p:clrMapOvr>
-  <mc:AlternateContent xmlns:mc="http://schemas.openxmlformats.org/markup-compatibility/2006" xmlns:p14="http://schemas.microsoft.com/office/powerpoint/2010/main">
-    <mc:Choice Requires="p14">
-      <p:transition spd="med" p14:dur="700">
+  <mc:AlternateContent xmlns:mc="http://schemas.openxmlformats.org/markup-compatibility/2006">
+    <mc:Choice xmlns:p14="http://schemas.microsoft.com/office/powerpoint/2010/main" Requires="p14">
+      <p:transition spd="med" p14:dur="700" advTm="10000">
         <p:fade/>
       </p:transition>
     </mc:Choice>
-    <mc:Fallback xmlns="">
-      <p:transition spd="med">
+    <mc:Fallback>
+      <p:transition spd="med" advTm="10000">
         <p:fade/>
       </p:transition>
     </mc:Fallback>
@@ -7356,14 +7578,14 @@
   <p:clrMapOvr>
     <a:masterClrMapping/>
   </p:clrMapOvr>
-  <mc:AlternateContent xmlns:mc="http://schemas.openxmlformats.org/markup-compatibility/2006" xmlns:p14="http://schemas.microsoft.com/office/powerpoint/2010/main">
-    <mc:Choice Requires="p14">
-      <p:transition spd="med" p14:dur="700">
+  <mc:AlternateContent xmlns:mc="http://schemas.openxmlformats.org/markup-compatibility/2006">
+    <mc:Choice xmlns:p14="http://schemas.microsoft.com/office/powerpoint/2010/main" Requires="p14">
+      <p:transition spd="med" p14:dur="700" advTm="10000">
         <p:fade/>
       </p:transition>
     </mc:Choice>
-    <mc:Fallback xmlns="">
-      <p:transition spd="med">
+    <mc:Fallback>
+      <p:transition spd="med" advTm="10000">
         <p:fade/>
       </p:transition>
     </mc:Fallback>
@@ -7576,14 +7798,14 @@
   <p:clrMapOvr>
     <a:masterClrMapping/>
   </p:clrMapOvr>
-  <mc:AlternateContent xmlns:mc="http://schemas.openxmlformats.org/markup-compatibility/2006" xmlns:p14="http://schemas.microsoft.com/office/powerpoint/2010/main">
-    <mc:Choice Requires="p14">
-      <p:transition spd="med" p14:dur="700">
+  <mc:AlternateContent xmlns:mc="http://schemas.openxmlformats.org/markup-compatibility/2006">
+    <mc:Choice xmlns:p14="http://schemas.microsoft.com/office/powerpoint/2010/main" Requires="p14">
+      <p:transition spd="med" p14:dur="700" advTm="10000">
         <p:fade/>
       </p:transition>
     </mc:Choice>
-    <mc:Fallback xmlns="">
-      <p:transition spd="med">
+    <mc:Fallback>
+      <p:transition spd="med" advTm="10000">
         <p:fade/>
       </p:transition>
     </mc:Fallback>
@@ -7863,14 +8085,14 @@
   <p:clrMapOvr>
     <a:masterClrMapping/>
   </p:clrMapOvr>
-  <mc:AlternateContent xmlns:mc="http://schemas.openxmlformats.org/markup-compatibility/2006" xmlns:p14="http://schemas.microsoft.com/office/powerpoint/2010/main">
-    <mc:Choice Requires="p14">
-      <p:transition spd="med" p14:dur="700">
+  <mc:AlternateContent xmlns:mc="http://schemas.openxmlformats.org/markup-compatibility/2006">
+    <mc:Choice xmlns:p14="http://schemas.microsoft.com/office/powerpoint/2010/main" Requires="p14">
+      <p:transition spd="med" p14:dur="700" advTm="10000">
         <p:fade/>
       </p:transition>
     </mc:Choice>
-    <mc:Fallback xmlns="">
-      <p:transition spd="med">
+    <mc:Fallback>
+      <p:transition spd="med" advTm="10000">
         <p:fade/>
       </p:transition>
     </mc:Fallback>
@@ -7982,14 +8204,14 @@
   <p:clrMapOvr>
     <a:masterClrMapping/>
   </p:clrMapOvr>
-  <mc:AlternateContent xmlns:mc="http://schemas.openxmlformats.org/markup-compatibility/2006" xmlns:p14="http://schemas.microsoft.com/office/powerpoint/2010/main">
-    <mc:Choice Requires="p14">
-      <p:transition spd="med" p14:dur="700">
+  <mc:AlternateContent xmlns:mc="http://schemas.openxmlformats.org/markup-compatibility/2006">
+    <mc:Choice xmlns:p14="http://schemas.microsoft.com/office/powerpoint/2010/main" Requires="p14">
+      <p:transition spd="med" p14:dur="700" advTm="10000">
         <p:fade/>
       </p:transition>
     </mc:Choice>
-    <mc:Fallback xmlns="">
-      <p:transition spd="med">
+    <mc:Fallback>
+      <p:transition spd="med" advTm="10000">
         <p:fade/>
       </p:transition>
     </mc:Fallback>
@@ -8278,14 +8500,14 @@
   <p:clrMapOvr>
     <a:masterClrMapping/>
   </p:clrMapOvr>
-  <mc:AlternateContent xmlns:mc="http://schemas.openxmlformats.org/markup-compatibility/2006" xmlns:p14="http://schemas.microsoft.com/office/powerpoint/2010/main">
-    <mc:Choice Requires="p14">
-      <p:transition spd="med" p14:dur="700">
+  <mc:AlternateContent xmlns:mc="http://schemas.openxmlformats.org/markup-compatibility/2006">
+    <mc:Choice xmlns:p14="http://schemas.microsoft.com/office/powerpoint/2010/main" Requires="p14">
+      <p:transition spd="med" p14:dur="700" advTm="10000">
         <p:fade/>
       </p:transition>
     </mc:Choice>
-    <mc:Fallback xmlns="">
-      <p:transition spd="med">
+    <mc:Fallback>
+      <p:transition spd="med" advTm="10000">
         <p:fade/>
       </p:transition>
     </mc:Fallback>
@@ -8557,14 +8779,14 @@
   <p:clrMapOvr>
     <a:masterClrMapping/>
   </p:clrMapOvr>
-  <mc:AlternateContent xmlns:mc="http://schemas.openxmlformats.org/markup-compatibility/2006" xmlns:p14="http://schemas.microsoft.com/office/powerpoint/2010/main">
-    <mc:Choice Requires="p14">
-      <p:transition spd="med" p14:dur="700">
+  <mc:AlternateContent xmlns:mc="http://schemas.openxmlformats.org/markup-compatibility/2006">
+    <mc:Choice xmlns:p14="http://schemas.microsoft.com/office/powerpoint/2010/main" Requires="p14">
+      <p:transition spd="med" p14:dur="700" advTm="10000">
         <p:fade/>
       </p:transition>
     </mc:Choice>
-    <mc:Fallback xmlns="">
-      <p:transition spd="med">
+    <mc:Fallback>
+      <p:transition spd="med" advTm="10000">
         <p:fade/>
       </p:transition>
     </mc:Fallback>
@@ -9009,14 +9231,14 @@
   <p:clrMapOvr>
     <a:masterClrMapping/>
   </p:clrMapOvr>
-  <mc:AlternateContent xmlns:mc="http://schemas.openxmlformats.org/markup-compatibility/2006" xmlns:p14="http://schemas.microsoft.com/office/powerpoint/2010/main">
-    <mc:Choice Requires="p14">
-      <p:transition spd="med" p14:dur="700">
+  <mc:AlternateContent xmlns:mc="http://schemas.openxmlformats.org/markup-compatibility/2006">
+    <mc:Choice xmlns:p14="http://schemas.microsoft.com/office/powerpoint/2010/main" Requires="p14">
+      <p:transition spd="med" p14:dur="700" advTm="10000">
         <p:fade/>
       </p:transition>
     </mc:Choice>
-    <mc:Fallback xmlns="">
-      <p:transition spd="med">
+    <mc:Fallback>
+      <p:transition spd="med" advTm="10000">
         <p:fade/>
       </p:transition>
     </mc:Fallback>
@@ -9634,14 +9856,14 @@
   <p:clrMapOvr>
     <a:masterClrMapping/>
   </p:clrMapOvr>
-  <mc:AlternateContent xmlns:mc="http://schemas.openxmlformats.org/markup-compatibility/2006" xmlns:p14="http://schemas.microsoft.com/office/powerpoint/2010/main">
-    <mc:Choice Requires="p14">
-      <p:transition spd="med" p14:dur="700">
+  <mc:AlternateContent xmlns:mc="http://schemas.openxmlformats.org/markup-compatibility/2006">
+    <mc:Choice xmlns:p14="http://schemas.microsoft.com/office/powerpoint/2010/main" Requires="p14">
+      <p:transition spd="med" p14:dur="700" advTm="10000">
         <p:fade/>
       </p:transition>
     </mc:Choice>
-    <mc:Fallback xmlns="">
-      <p:transition spd="med">
+    <mc:Fallback>
+      <p:transition spd="med" advTm="10000">
         <p:fade/>
       </p:transition>
     </mc:Fallback>
@@ -9985,14 +10207,14 @@
   <p:clrMapOvr>
     <a:masterClrMapping/>
   </p:clrMapOvr>
-  <mc:AlternateContent xmlns:mc="http://schemas.openxmlformats.org/markup-compatibility/2006" xmlns:p14="http://schemas.microsoft.com/office/powerpoint/2010/main">
-    <mc:Choice Requires="p14">
-      <p:transition spd="med" p14:dur="700">
+  <mc:AlternateContent xmlns:mc="http://schemas.openxmlformats.org/markup-compatibility/2006">
+    <mc:Choice xmlns:p14="http://schemas.microsoft.com/office/powerpoint/2010/main" Requires="p14">
+      <p:transition spd="med" p14:dur="700" advTm="10000">
         <p:fade/>
       </p:transition>
     </mc:Choice>
-    <mc:Fallback xmlns="">
-      <p:transition spd="med">
+    <mc:Fallback>
+      <p:transition spd="med" advTm="10000">
         <p:fade/>
       </p:transition>
     </mc:Fallback>
@@ -10508,14 +10730,14 @@
   <p:clrMapOvr>
     <a:overrideClrMapping bg1="dk1" tx1="lt1" bg2="dk2" tx2="lt2" accent1="accent1" accent2="accent2" accent3="accent3" accent4="accent4" accent5="accent5" accent6="accent6" hlink="hlink" folHlink="folHlink"/>
   </p:clrMapOvr>
-  <mc:AlternateContent xmlns:mc="http://schemas.openxmlformats.org/markup-compatibility/2006" xmlns:p14="http://schemas.microsoft.com/office/powerpoint/2010/main">
-    <mc:Choice Requires="p14">
-      <p:transition spd="med" p14:dur="700">
+  <mc:AlternateContent xmlns:mc="http://schemas.openxmlformats.org/markup-compatibility/2006">
+    <mc:Choice xmlns:p14="http://schemas.microsoft.com/office/powerpoint/2010/main" Requires="p14">
+      <p:transition spd="med" p14:dur="700" advTm="10000">
         <p:fade/>
       </p:transition>
     </mc:Choice>
-    <mc:Fallback xmlns="">
-      <p:transition spd="med">
+    <mc:Fallback>
+      <p:transition spd="med" advTm="10000">
         <p:fade/>
       </p:transition>
     </mc:Fallback>
@@ -10867,14 +11089,14 @@
   <p:clrMapOvr>
     <a:masterClrMapping/>
   </p:clrMapOvr>
-  <mc:AlternateContent xmlns:mc="http://schemas.openxmlformats.org/markup-compatibility/2006" xmlns:p14="http://schemas.microsoft.com/office/powerpoint/2010/main">
-    <mc:Choice Requires="p14">
-      <p:transition spd="med" p14:dur="700">
+  <mc:AlternateContent xmlns:mc="http://schemas.openxmlformats.org/markup-compatibility/2006">
+    <mc:Choice xmlns:p14="http://schemas.microsoft.com/office/powerpoint/2010/main" Requires="p14">
+      <p:transition spd="med" p14:dur="700" advTm="10000">
         <p:fade/>
       </p:transition>
     </mc:Choice>
-    <mc:Fallback xmlns="">
-      <p:transition spd="med">
+    <mc:Fallback>
+      <p:transition spd="med" advTm="10000">
         <p:fade/>
       </p:transition>
     </mc:Fallback>
@@ -11219,14 +11441,14 @@
   <p:clrMapOvr>
     <a:masterClrMapping/>
   </p:clrMapOvr>
-  <mc:AlternateContent xmlns:mc="http://schemas.openxmlformats.org/markup-compatibility/2006" xmlns:p14="http://schemas.microsoft.com/office/powerpoint/2010/main">
-    <mc:Choice Requires="p14">
-      <p:transition spd="med" p14:dur="700">
+  <mc:AlternateContent xmlns:mc="http://schemas.openxmlformats.org/markup-compatibility/2006">
+    <mc:Choice xmlns:p14="http://schemas.microsoft.com/office/powerpoint/2010/main" Requires="p14">
+      <p:transition spd="med" p14:dur="700" advTm="10000">
         <p:fade/>
       </p:transition>
     </mc:Choice>
-    <mc:Fallback xmlns="">
-      <p:transition spd="med">
+    <mc:Fallback>
+      <p:transition spd="med" advTm="10000">
         <p:fade/>
       </p:transition>
     </mc:Fallback>
@@ -11579,14 +11801,14 @@
   <p:clrMapOvr>
     <a:masterClrMapping/>
   </p:clrMapOvr>
-  <mc:AlternateContent xmlns:mc="http://schemas.openxmlformats.org/markup-compatibility/2006" xmlns:p14="http://schemas.microsoft.com/office/powerpoint/2010/main">
-    <mc:Choice Requires="p14">
-      <p:transition spd="med" p14:dur="700">
+  <mc:AlternateContent xmlns:mc="http://schemas.openxmlformats.org/markup-compatibility/2006">
+    <mc:Choice xmlns:p14="http://schemas.microsoft.com/office/powerpoint/2010/main" Requires="p14">
+      <p:transition spd="med" p14:dur="700" advTm="10000">
         <p:fade/>
       </p:transition>
     </mc:Choice>
-    <mc:Fallback xmlns="">
-      <p:transition spd="med">
+    <mc:Fallback>
+      <p:transition spd="med" advTm="10000">
         <p:fade/>
       </p:transition>
     </mc:Fallback>
@@ -12184,14 +12406,14 @@
   <p:clrMapOvr>
     <a:overrideClrMapping bg1="dk1" tx1="lt1" bg2="dk2" tx2="lt2" accent1="accent1" accent2="accent2" accent3="accent3" accent4="accent4" accent5="accent5" accent6="accent6" hlink="hlink" folHlink="folHlink"/>
   </p:clrMapOvr>
-  <mc:AlternateContent xmlns:mc="http://schemas.openxmlformats.org/markup-compatibility/2006" xmlns:p14="http://schemas.microsoft.com/office/powerpoint/2010/main">
-    <mc:Choice Requires="p14">
-      <p:transition spd="med" p14:dur="700">
+  <mc:AlternateContent xmlns:mc="http://schemas.openxmlformats.org/markup-compatibility/2006">
+    <mc:Choice xmlns:p14="http://schemas.microsoft.com/office/powerpoint/2010/main" Requires="p14">
+      <p:transition spd="med" p14:dur="700" advTm="10000">
         <p:fade/>
       </p:transition>
     </mc:Choice>
-    <mc:Fallback xmlns="">
-      <p:transition spd="med">
+    <mc:Fallback>
+      <p:transition spd="med" advTm="10000">
         <p:fade/>
       </p:transition>
     </mc:Fallback>
@@ -12384,14 +12606,14 @@
   <p:clrMapOvr>
     <a:masterClrMapping/>
   </p:clrMapOvr>
-  <mc:AlternateContent xmlns:mc="http://schemas.openxmlformats.org/markup-compatibility/2006" xmlns:p14="http://schemas.microsoft.com/office/powerpoint/2010/main">
-    <mc:Choice Requires="p14">
-      <p:transition spd="med" p14:dur="700">
+  <mc:AlternateContent xmlns:mc="http://schemas.openxmlformats.org/markup-compatibility/2006">
+    <mc:Choice xmlns:p14="http://schemas.microsoft.com/office/powerpoint/2010/main" Requires="p14">
+      <p:transition spd="med" p14:dur="700" advTm="10000">
         <p:fade/>
       </p:transition>
     </mc:Choice>
-    <mc:Fallback xmlns="">
-      <p:transition spd="med">
+    <mc:Fallback>
+      <p:transition spd="med" advTm="10000">
         <p:fade/>
       </p:transition>
     </mc:Fallback>
@@ -12584,14 +12806,14 @@
   <p:clrMapOvr>
     <a:masterClrMapping/>
   </p:clrMapOvr>
-  <mc:AlternateContent xmlns:mc="http://schemas.openxmlformats.org/markup-compatibility/2006" xmlns:p14="http://schemas.microsoft.com/office/powerpoint/2010/main">
-    <mc:Choice Requires="p14">
-      <p:transition spd="med" p14:dur="700">
+  <mc:AlternateContent xmlns:mc="http://schemas.openxmlformats.org/markup-compatibility/2006">
+    <mc:Choice xmlns:p14="http://schemas.microsoft.com/office/powerpoint/2010/main" Requires="p14">
+      <p:transition spd="med" p14:dur="700" advTm="10000">
         <p:fade/>
       </p:transition>
     </mc:Choice>
-    <mc:Fallback xmlns="">
-      <p:transition spd="med">
+    <mc:Fallback>
+      <p:transition spd="med" advTm="10000">
         <p:fade/>
       </p:transition>
     </mc:Fallback>
@@ -12733,14 +12955,14 @@
   <p:clrMapOvr>
     <a:masterClrMapping/>
   </p:clrMapOvr>
-  <mc:AlternateContent xmlns:mc="http://schemas.openxmlformats.org/markup-compatibility/2006" xmlns:p14="http://schemas.microsoft.com/office/powerpoint/2010/main">
-    <mc:Choice Requires="p14">
-      <p:transition spd="med" p14:dur="700">
+  <mc:AlternateContent xmlns:mc="http://schemas.openxmlformats.org/markup-compatibility/2006">
+    <mc:Choice xmlns:p14="http://schemas.microsoft.com/office/powerpoint/2010/main" Requires="p14">
+      <p:transition spd="med" p14:dur="700" advTm="10000">
         <p:fade/>
       </p:transition>
     </mc:Choice>
-    <mc:Fallback xmlns="">
-      <p:transition spd="med">
+    <mc:Fallback>
+      <p:transition spd="med" advTm="10000">
         <p:fade/>
       </p:transition>
     </mc:Fallback>
@@ -12995,14 +13217,14 @@
   <p:clrMapOvr>
     <a:masterClrMapping/>
   </p:clrMapOvr>
-  <mc:AlternateContent xmlns:mc="http://schemas.openxmlformats.org/markup-compatibility/2006" xmlns:p14="http://schemas.microsoft.com/office/powerpoint/2010/main">
-    <mc:Choice Requires="p14">
-      <p:transition spd="med" p14:dur="700">
+  <mc:AlternateContent xmlns:mc="http://schemas.openxmlformats.org/markup-compatibility/2006">
+    <mc:Choice xmlns:p14="http://schemas.microsoft.com/office/powerpoint/2010/main" Requires="p14">
+      <p:transition spd="med" p14:dur="700" advTm="10000">
         <p:fade/>
       </p:transition>
     </mc:Choice>
-    <mc:Fallback xmlns="">
-      <p:transition spd="med">
+    <mc:Fallback>
+      <p:transition spd="med" advTm="10000">
         <p:fade/>
       </p:transition>
     </mc:Fallback>
@@ -13313,14 +13535,14 @@
   <p:clrMapOvr>
     <a:masterClrMapping/>
   </p:clrMapOvr>
-  <mc:AlternateContent xmlns:mc="http://schemas.openxmlformats.org/markup-compatibility/2006" xmlns:p14="http://schemas.microsoft.com/office/powerpoint/2010/main">
-    <mc:Choice Requires="p14">
-      <p:transition spd="med" p14:dur="700">
+  <mc:AlternateContent xmlns:mc="http://schemas.openxmlformats.org/markup-compatibility/2006">
+    <mc:Choice xmlns:p14="http://schemas.microsoft.com/office/powerpoint/2010/main" Requires="p14">
+      <p:transition spd="med" p14:dur="700" advTm="10000">
         <p:fade/>
       </p:transition>
     </mc:Choice>
-    <mc:Fallback xmlns="">
-      <p:transition spd="med">
+    <mc:Fallback>
+      <p:transition spd="med" advTm="10000">
         <p:fade/>
       </p:transition>
     </mc:Fallback>
@@ -13513,14 +13735,14 @@
   <p:clrMapOvr>
     <a:masterClrMapping/>
   </p:clrMapOvr>
-  <mc:AlternateContent xmlns:mc="http://schemas.openxmlformats.org/markup-compatibility/2006" xmlns:p14="http://schemas.microsoft.com/office/powerpoint/2010/main">
-    <mc:Choice Requires="p14">
-      <p:transition spd="med" p14:dur="700">
+  <mc:AlternateContent xmlns:mc="http://schemas.openxmlformats.org/markup-compatibility/2006">
+    <mc:Choice xmlns:p14="http://schemas.microsoft.com/office/powerpoint/2010/main" Requires="p14">
+      <p:transition spd="med" p14:dur="700" advTm="10000">
         <p:fade/>
       </p:transition>
     </mc:Choice>
-    <mc:Fallback xmlns="">
-      <p:transition spd="med">
+    <mc:Fallback>
+      <p:transition spd="med" advTm="10000">
         <p:fade/>
       </p:transition>
     </mc:Fallback>
@@ -14209,14 +14431,14 @@
   <p:clrMapOvr>
     <a:overrideClrMapping bg1="dk1" tx1="lt1" bg2="dk2" tx2="lt2" accent1="accent1" accent2="accent2" accent3="accent3" accent4="accent4" accent5="accent5" accent6="accent6" hlink="hlink" folHlink="folHlink"/>
   </p:clrMapOvr>
-  <mc:AlternateContent xmlns:mc="http://schemas.openxmlformats.org/markup-compatibility/2006" xmlns:p14="http://schemas.microsoft.com/office/powerpoint/2010/main">
-    <mc:Choice Requires="p14">
-      <p:transition spd="med" p14:dur="700">
+  <mc:AlternateContent xmlns:mc="http://schemas.openxmlformats.org/markup-compatibility/2006">
+    <mc:Choice xmlns:p14="http://schemas.microsoft.com/office/powerpoint/2010/main" Requires="p14">
+      <p:transition spd="med" p14:dur="700" advTm="10000">
         <p:fade/>
       </p:transition>
     </mc:Choice>
-    <mc:Fallback xmlns="">
-      <p:transition spd="med">
+    <mc:Fallback>
+      <p:transition spd="med" advTm="10000">
         <p:fade/>
       </p:transition>
     </mc:Fallback>
@@ -14417,14 +14639,14 @@
   <p:clrMapOvr>
     <a:masterClrMapping/>
   </p:clrMapOvr>
-  <mc:AlternateContent xmlns:mc="http://schemas.openxmlformats.org/markup-compatibility/2006" xmlns:p14="http://schemas.microsoft.com/office/powerpoint/2010/main">
-    <mc:Choice Requires="p14">
-      <p:transition spd="med" p14:dur="700">
+  <mc:AlternateContent xmlns:mc="http://schemas.openxmlformats.org/markup-compatibility/2006">
+    <mc:Choice xmlns:p14="http://schemas.microsoft.com/office/powerpoint/2010/main" Requires="p14">
+      <p:transition spd="med" p14:dur="700" advTm="10000">
         <p:fade/>
       </p:transition>
     </mc:Choice>
-    <mc:Fallback xmlns="">
-      <p:transition spd="med">
+    <mc:Fallback>
+      <p:transition spd="med" advTm="10000">
         <p:fade/>
       </p:transition>
     </mc:Fallback>
@@ -14927,14 +15149,14 @@
   <p:clrMapOvr>
     <a:masterClrMapping/>
   </p:clrMapOvr>
-  <mc:AlternateContent xmlns:mc="http://schemas.openxmlformats.org/markup-compatibility/2006" xmlns:p14="http://schemas.microsoft.com/office/powerpoint/2010/main">
-    <mc:Choice Requires="p14">
-      <p:transition spd="med" p14:dur="700">
+  <mc:AlternateContent xmlns:mc="http://schemas.openxmlformats.org/markup-compatibility/2006">
+    <mc:Choice xmlns:p14="http://schemas.microsoft.com/office/powerpoint/2010/main" Requires="p14">
+      <p:transition spd="med" p14:dur="700" advTm="10000">
         <p:fade/>
       </p:transition>
     </mc:Choice>
-    <mc:Fallback xmlns="">
-      <p:transition spd="med">
+    <mc:Fallback>
+      <p:transition spd="med" advTm="10000">
         <p:fade/>
       </p:transition>
     </mc:Fallback>
@@ -15679,14 +15901,14 @@
   <p:clrMapOvr>
     <a:overrideClrMapping bg1="dk1" tx1="lt1" bg2="dk2" tx2="lt2" accent1="accent1" accent2="accent2" accent3="accent3" accent4="accent4" accent5="accent5" accent6="accent6" hlink="hlink" folHlink="folHlink"/>
   </p:clrMapOvr>
-  <mc:AlternateContent xmlns:mc="http://schemas.openxmlformats.org/markup-compatibility/2006" xmlns:p14="http://schemas.microsoft.com/office/powerpoint/2010/main">
-    <mc:Choice Requires="p14">
-      <p:transition spd="med" p14:dur="700">
+  <mc:AlternateContent xmlns:mc="http://schemas.openxmlformats.org/markup-compatibility/2006">
+    <mc:Choice xmlns:p14="http://schemas.microsoft.com/office/powerpoint/2010/main" Requires="p14">
+      <p:transition spd="med" p14:dur="700" advTm="10000">
         <p:fade/>
       </p:transition>
     </mc:Choice>
-    <mc:Fallback xmlns="">
-      <p:transition spd="med">
+    <mc:Fallback>
+      <p:transition spd="med" advTm="10000">
         <p:fade/>
       </p:transition>
     </mc:Fallback>
@@ -15879,14 +16101,14 @@
   <p:clrMapOvr>
     <a:masterClrMapping/>
   </p:clrMapOvr>
-  <mc:AlternateContent xmlns:mc="http://schemas.openxmlformats.org/markup-compatibility/2006" xmlns:p14="http://schemas.microsoft.com/office/powerpoint/2010/main">
-    <mc:Choice Requires="p14">
-      <p:transition spd="med" p14:dur="700">
+  <mc:AlternateContent xmlns:mc="http://schemas.openxmlformats.org/markup-compatibility/2006">
+    <mc:Choice xmlns:p14="http://schemas.microsoft.com/office/powerpoint/2010/main" Requires="p14">
+      <p:transition spd="med" p14:dur="700" advTm="10000">
         <p:fade/>
       </p:transition>
     </mc:Choice>
-    <mc:Fallback xmlns="">
-      <p:transition spd="med">
+    <mc:Fallback>
+      <p:transition spd="med" advTm="10000">
         <p:fade/>
       </p:transition>
     </mc:Fallback>
@@ -16156,14 +16378,14 @@
   <p:clrMapOvr>
     <a:masterClrMapping/>
   </p:clrMapOvr>
-  <mc:AlternateContent xmlns:mc="http://schemas.openxmlformats.org/markup-compatibility/2006" xmlns:p14="http://schemas.microsoft.com/office/powerpoint/2010/main">
-    <mc:Choice Requires="p14">
-      <p:transition spd="med" p14:dur="700">
+  <mc:AlternateContent xmlns:mc="http://schemas.openxmlformats.org/markup-compatibility/2006">
+    <mc:Choice xmlns:p14="http://schemas.microsoft.com/office/powerpoint/2010/main" Requires="p14">
+      <p:transition spd="med" p14:dur="700" advTm="10000">
         <p:fade/>
       </p:transition>
     </mc:Choice>
-    <mc:Fallback xmlns="">
-      <p:transition spd="med">
+    <mc:Fallback>
+      <p:transition spd="med" advTm="10000">
         <p:fade/>
       </p:transition>
     </mc:Fallback>
@@ -16421,14 +16643,14 @@
   <p:clrMapOvr>
     <a:masterClrMapping/>
   </p:clrMapOvr>
-  <mc:AlternateContent xmlns:mc="http://schemas.openxmlformats.org/markup-compatibility/2006" xmlns:p14="http://schemas.microsoft.com/office/powerpoint/2010/main">
-    <mc:Choice Requires="p14">
-      <p:transition spd="med" p14:dur="700">
+  <mc:AlternateContent xmlns:mc="http://schemas.openxmlformats.org/markup-compatibility/2006">
+    <mc:Choice xmlns:p14="http://schemas.microsoft.com/office/powerpoint/2010/main" Requires="p14">
+      <p:transition spd="med" p14:dur="700" advTm="10000">
         <p:fade/>
       </p:transition>
     </mc:Choice>
-    <mc:Fallback xmlns="">
-      <p:transition spd="med">
+    <mc:Fallback>
+      <p:transition spd="med" advTm="10000">
         <p:fade/>
       </p:transition>
     </mc:Fallback>
@@ -16697,14 +16919,14 @@
   <p:clrMapOvr>
     <a:masterClrMapping/>
   </p:clrMapOvr>
-  <mc:AlternateContent xmlns:mc="http://schemas.openxmlformats.org/markup-compatibility/2006" xmlns:p14="http://schemas.microsoft.com/office/powerpoint/2010/main">
-    <mc:Choice Requires="p14">
-      <p:transition spd="med" p14:dur="700">
+  <mc:AlternateContent xmlns:mc="http://schemas.openxmlformats.org/markup-compatibility/2006">
+    <mc:Choice xmlns:p14="http://schemas.microsoft.com/office/powerpoint/2010/main" Requires="p14">
+      <p:transition spd="med" p14:dur="700" advTm="10000">
         <p:fade/>
       </p:transition>
     </mc:Choice>
-    <mc:Fallback xmlns="">
-      <p:transition spd="med">
+    <mc:Fallback>
+      <p:transition spd="med" advTm="10000">
         <p:fade/>
       </p:transition>
     </mc:Fallback>
@@ -17254,14 +17476,14 @@
     <p:sldLayoutId id="2147483659" r:id="rId40"/>
     <p:sldLayoutId id="2147483706" r:id="rId41"/>
   </p:sldLayoutIdLst>
-  <mc:AlternateContent xmlns:mc="http://schemas.openxmlformats.org/markup-compatibility/2006" xmlns:p14="http://schemas.microsoft.com/office/powerpoint/2010/main">
-    <mc:Choice Requires="p14">
-      <p:transition spd="med" p14:dur="700">
+  <mc:AlternateContent xmlns:mc="http://schemas.openxmlformats.org/markup-compatibility/2006">
+    <mc:Choice xmlns:p14="http://schemas.microsoft.com/office/powerpoint/2010/main" Requires="p14">
+      <p:transition spd="med" p14:dur="700" advTm="10000">
         <p:fade/>
       </p:transition>
     </mc:Choice>
-    <mc:Fallback xmlns="">
-      <p:transition spd="med">
+    <mc:Fallback>
+      <p:transition spd="med" advTm="10000">
         <p:fade/>
       </p:transition>
     </mc:Fallback>
@@ -17790,14 +18012,14 @@
   <p:clrMapOvr>
     <a:masterClrMapping/>
   </p:clrMapOvr>
-  <mc:AlternateContent xmlns:mc="http://schemas.openxmlformats.org/markup-compatibility/2006" xmlns:p14="http://schemas.microsoft.com/office/powerpoint/2010/main">
-    <mc:Choice Requires="p14">
-      <p:transition spd="med" p14:dur="700">
+  <mc:AlternateContent xmlns:mc="http://schemas.openxmlformats.org/markup-compatibility/2006">
+    <mc:Choice xmlns:p14="http://schemas.microsoft.com/office/powerpoint/2010/main" Requires="p14">
+      <p:transition spd="med" p14:dur="700" advTm="10000">
         <p:fade/>
       </p:transition>
     </mc:Choice>
-    <mc:Fallback xmlns="">
-      <p:transition spd="med">
+    <mc:Fallback>
+      <p:transition spd="med" advTm="10000">
         <p:fade/>
       </p:transition>
     </mc:Fallback>
@@ -19040,7 +19262,7 @@
             </a:pPr>
             <a:r>
               <a:rPr lang="en-US" sz="2400" b="1" dirty="0" err="1"/>
-              <a:t>Helidion</a:t>
+              <a:t>Helidon</a:t>
             </a:r>
             <a:r>
               <a:rPr lang="en-US" sz="2400" b="1" dirty="0"/>
@@ -19084,7 +19306,7 @@
             </a:pPr>
             <a:r>
               <a:rPr lang="en-US" sz="2400" b="1" dirty="0" err="1"/>
-              <a:t>Helidion</a:t>
+              <a:t>Helidon</a:t>
             </a:r>
             <a:r>
               <a:rPr lang="en-US" sz="2400" b="1" dirty="0"/>
@@ -19103,14 +19325,14 @@
   <p:clrMapOvr>
     <a:masterClrMapping/>
   </p:clrMapOvr>
-  <mc:AlternateContent xmlns:mc="http://schemas.openxmlformats.org/markup-compatibility/2006" xmlns:p14="http://schemas.microsoft.com/office/powerpoint/2010/main">
-    <mc:Choice Requires="p14">
-      <p:transition spd="med" p14:dur="700">
+  <mc:AlternateContent xmlns:mc="http://schemas.openxmlformats.org/markup-compatibility/2006">
+    <mc:Choice xmlns:p14="http://schemas.microsoft.com/office/powerpoint/2010/main" Requires="p14">
+      <p:transition spd="med" p14:dur="700" advTm="10000">
         <p:fade/>
       </p:transition>
     </mc:Choice>
-    <mc:Fallback xmlns="">
-      <p:transition spd="med">
+    <mc:Fallback>
+      <p:transition spd="med" advTm="10000">
         <p:fade/>
       </p:transition>
     </mc:Fallback>
@@ -19226,6 +19448,12 @@
           <a:p>
             <a:r>
               <a:rPr lang="en-US" dirty="0"/>
+              <a:t>Tech Preview</a:t>
+            </a:r>
+          </a:p>
+          <a:p>
+            <a:r>
+              <a:rPr lang="en-US" dirty="0"/>
               <a:t>For details see talk DEV5422</a:t>
             </a:r>
           </a:p>
@@ -19303,6 +19531,42 @@
           </a:p>
         </p:txBody>
       </p:sp>
+      <p:pic>
+        <p:nvPicPr>
+          <p:cNvPr id="9" name="Picture 8">
+            <a:extLst>
+              <a:ext uri="{FF2B5EF4-FFF2-40B4-BE49-F238E27FC236}">
+                <a16:creationId xmlns:a16="http://schemas.microsoft.com/office/drawing/2014/main" id="{D1629073-86BF-8E41-A218-E9EB5FAE5371}"/>
+              </a:ext>
+            </a:extLst>
+          </p:cNvPr>
+          <p:cNvPicPr>
+            <a:picLocks noChangeAspect="1"/>
+          </p:cNvPicPr>
+          <p:nvPr/>
+        </p:nvPicPr>
+        <p:blipFill>
+          <a:blip r:embed="rId2">
+            <a:extLst>
+              <a:ext uri="{28A0092B-C50C-407E-A947-70E740481C1C}">
+                <a14:useLocalDpi xmlns:a14="http://schemas.microsoft.com/office/drawing/2010/main" val="0"/>
+              </a:ext>
+            </a:extLst>
+          </a:blip>
+          <a:stretch>
+            <a:fillRect/>
+          </a:stretch>
+        </p:blipFill>
+        <p:spPr>
+          <a:xfrm>
+            <a:off x="6976058" y="2180451"/>
+            <a:ext cx="4140200" cy="4140200"/>
+          </a:xfrm>
+          <a:prstGeom prst="rect">
+            <a:avLst/>
+          </a:prstGeom>
+        </p:spPr>
+      </p:pic>
     </p:spTree>
     <p:extLst>
       <p:ext uri="{BB962C8B-B14F-4D97-AF65-F5344CB8AC3E}">
@@ -19313,14 +19577,14 @@
   <p:clrMapOvr>
     <a:masterClrMapping/>
   </p:clrMapOvr>
-  <mc:AlternateContent xmlns:mc="http://schemas.openxmlformats.org/markup-compatibility/2006" xmlns:p14="http://schemas.microsoft.com/office/powerpoint/2010/main">
-    <mc:Choice Requires="p14">
-      <p:transition spd="med" p14:dur="700">
+  <mc:AlternateContent xmlns:mc="http://schemas.openxmlformats.org/markup-compatibility/2006">
+    <mc:Choice xmlns:p14="http://schemas.microsoft.com/office/powerpoint/2010/main" Requires="p14">
+      <p:transition spd="med" p14:dur="700" advTm="10000">
         <p:fade/>
       </p:transition>
     </mc:Choice>
-    <mc:Fallback xmlns="">
-      <p:transition spd="med">
+    <mc:Fallback>
+      <p:transition spd="med" advTm="10000">
         <p:fade/>
       </p:transition>
     </mc:Fallback>
@@ -19905,14 +20169,14 @@
   <p:clrMapOvr>
     <a:masterClrMapping/>
   </p:clrMapOvr>
-  <mc:AlternateContent xmlns:mc="http://schemas.openxmlformats.org/markup-compatibility/2006" xmlns:p14="http://schemas.microsoft.com/office/powerpoint/2010/main">
-    <mc:Choice Requires="p14">
-      <p:transition spd="med" p14:dur="700">
+  <mc:AlternateContent xmlns:mc="http://schemas.openxmlformats.org/markup-compatibility/2006">
+    <mc:Choice xmlns:p14="http://schemas.microsoft.com/office/powerpoint/2010/main" Requires="p14">
+      <p:transition spd="med" p14:dur="700" advTm="10000">
         <p:fade/>
       </p:transition>
     </mc:Choice>
-    <mc:Fallback xmlns="">
-      <p:transition spd="med">
+    <mc:Fallback>
+      <p:transition spd="med" advTm="10000">
         <p:fade/>
       </p:transition>
     </mc:Fallback>
@@ -19939,10 +20203,10 @@
       </p:grpSpPr>
       <p:sp>
         <p:nvSpPr>
-          <p:cNvPr id="2" name="Title 1">
+          <p:cNvPr id="7" name="Content Placeholder 6">
             <a:extLst>
               <a:ext uri="{FF2B5EF4-FFF2-40B4-BE49-F238E27FC236}">
-                <a16:creationId xmlns:a16="http://schemas.microsoft.com/office/drawing/2014/main" id="{42279BE1-E163-DC4E-8E94-56A67E86F0E6}"/>
+                <a16:creationId xmlns:a16="http://schemas.microsoft.com/office/drawing/2014/main" id="{B2A2B2B2-83F9-2042-A56A-73A12A2BD75E}"/>
               </a:ext>
             </a:extLst>
           </p:cNvPr>
@@ -19950,27 +20214,103 @@
             <a:spLocks noGrp="1"/>
           </p:cNvSpPr>
           <p:nvPr>
-            <p:ph type="title"/>
-          </p:nvPr>
-        </p:nvSpPr>
-        <p:spPr/>
+            <p:ph sz="half" idx="1"/>
+          </p:nvPr>
+        </p:nvSpPr>
+        <p:spPr>
+          <a:xfrm>
+            <a:off x="531813" y="2101515"/>
+            <a:ext cx="5410199" cy="3842085"/>
+          </a:xfrm>
+        </p:spPr>
         <p:txBody>
           <a:bodyPr/>
           <a:lstStyle/>
           <a:p>
             <a:r>
+              <a:rPr lang="en-US" dirty="0" err="1"/>
+              <a:t>Helidon</a:t>
+            </a:r>
+            <a:r>
               <a:rPr lang="en-US" dirty="0"/>
-              <a:t>Future Plans</a:t>
-            </a:r>
-          </a:p>
-        </p:txBody>
-      </p:sp>
-      <p:sp>
-        <p:nvSpPr>
-          <p:cNvPr id="3" name="Content Placeholder 2">
+              <a:t> MP: Microprofile 1.2</a:t>
+            </a:r>
+          </a:p>
+          <a:p>
+            <a:pPr lvl="1"/>
+            <a:r>
+              <a:rPr lang="en-US" dirty="0"/>
+              <a:t>Less JWT plus Plus CDI 2.0, JAX-RS 2.1, JSON-P 1.1, JSON-B 1.0</a:t>
+            </a:r>
+          </a:p>
+          <a:p>
+            <a:r>
+              <a:rPr lang="en-US" dirty="0" err="1"/>
+              <a:t>Helidon</a:t>
+            </a:r>
+            <a:r>
+              <a:rPr lang="en-US" dirty="0"/>
+              <a:t> SE</a:t>
+            </a:r>
+          </a:p>
+          <a:p>
+            <a:pPr lvl="1"/>
+            <a:r>
+              <a:rPr lang="en-US" dirty="0" err="1"/>
+              <a:t>WebServer</a:t>
+            </a:r>
+            <a:r>
+              <a:rPr lang="en-US" dirty="0"/>
+              <a:t>, Config, Security</a:t>
+            </a:r>
+          </a:p>
+          <a:p>
+            <a:pPr lvl="1"/>
+            <a:r>
+              <a:rPr lang="en-US" dirty="0"/>
+              <a:t>JSON-P</a:t>
+            </a:r>
+          </a:p>
+          <a:p>
+            <a:pPr lvl="1"/>
+            <a:r>
+              <a:rPr lang="en-US" dirty="0"/>
+              <a:t>Metrics</a:t>
+            </a:r>
+          </a:p>
+          <a:p>
+            <a:pPr lvl="1"/>
+            <a:r>
+              <a:rPr lang="en-US" dirty="0" err="1"/>
+              <a:t>OpenTracing</a:t>
+            </a:r>
+            <a:endParaRPr lang="en-US" dirty="0"/>
+          </a:p>
+          <a:p>
+            <a:pPr lvl="1"/>
+            <a:r>
+              <a:rPr lang="en-US" dirty="0"/>
+              <a:t>Tech Preview: HTTP/2</a:t>
+            </a:r>
+          </a:p>
+          <a:p>
+            <a:pPr lvl="1"/>
+            <a:endParaRPr lang="en-US" dirty="0"/>
+          </a:p>
+          <a:p>
+            <a:endParaRPr lang="en-US" dirty="0"/>
+          </a:p>
+          <a:p>
+            <a:endParaRPr lang="en-US" dirty="0"/>
+          </a:p>
+        </p:txBody>
+      </p:sp>
+      <p:sp>
+        <p:nvSpPr>
+          <p:cNvPr id="8" name="Content Placeholder 7">
             <a:extLst>
               <a:ext uri="{FF2B5EF4-FFF2-40B4-BE49-F238E27FC236}">
-                <a16:creationId xmlns:a16="http://schemas.microsoft.com/office/drawing/2014/main" id="{970C5945-531B-D34E-A08B-396AE9B4B16E}"/>
+                <a16:creationId xmlns:a16="http://schemas.microsoft.com/office/drawing/2014/main" id="{4D2CC3F1-08C5-9545-B1FF-B2AC98427CA3}"/>
               </a:ext>
             </a:extLst>
           </p:cNvPr>
@@ -19978,13 +20318,13 @@
             <a:spLocks noGrp="1"/>
           </p:cNvSpPr>
           <p:nvPr>
-            <p:ph idx="1"/>
+            <p:ph sz="half" idx="2"/>
           </p:nvPr>
         </p:nvSpPr>
         <p:spPr>
           <a:xfrm>
-            <a:off x="531151" y="1493584"/>
-            <a:ext cx="11126522" cy="4449361"/>
+            <a:off x="6455360" y="2101515"/>
+            <a:ext cx="5410198" cy="3842086"/>
           </a:xfrm>
         </p:spPr>
         <p:txBody>
@@ -20006,13 +20346,6 @@
             <a:pPr fontAlgn="base"/>
             <a:r>
               <a:rPr lang="en-US" dirty="0"/>
-              <a:t>HTTP/2 support</a:t>
-            </a:r>
-          </a:p>
-          <a:p>
-            <a:pPr fontAlgn="base"/>
-            <a:r>
-              <a:rPr lang="en-US" dirty="0"/>
               <a:t>Reactive HTTP Client</a:t>
             </a:r>
           </a:p>
@@ -20065,22 +20398,16 @@
             <a:endParaRPr lang="en-US" dirty="0"/>
           </a:p>
           <a:p>
-            <a:pPr marL="0" indent="0">
-              <a:buNone/>
-            </a:pPr>
             <a:endParaRPr lang="en-US" dirty="0"/>
           </a:p>
-          <a:p>
-            <a:endParaRPr lang="en-US" dirty="0"/>
-          </a:p>
-        </p:txBody>
-      </p:sp>
-      <p:sp>
-        <p:nvSpPr>
-          <p:cNvPr id="5" name="Slide Number Placeholder 4">
+        </p:txBody>
+      </p:sp>
+      <p:sp>
+        <p:nvSpPr>
+          <p:cNvPr id="4" name="Slide Number Placeholder 3">
             <a:extLst>
               <a:ext uri="{FF2B5EF4-FFF2-40B4-BE49-F238E27FC236}">
-                <a16:creationId xmlns:a16="http://schemas.microsoft.com/office/drawing/2014/main" id="{10C241AA-B8B4-B044-85C1-B427783A5DBA}"/>
+                <a16:creationId xmlns:a16="http://schemas.microsoft.com/office/drawing/2014/main" id="{49542D52-C211-AA42-8D1C-C6A50E598D2A}"/>
               </a:ext>
             </a:extLst>
           </p:cNvPr>
@@ -20106,10 +20433,43 @@
       </p:sp>
       <p:sp>
         <p:nvSpPr>
-          <p:cNvPr id="6" name="TextBox 5">
+          <p:cNvPr id="6" name="Title 5">
             <a:extLst>
               <a:ext uri="{FF2B5EF4-FFF2-40B4-BE49-F238E27FC236}">
-                <a16:creationId xmlns:a16="http://schemas.microsoft.com/office/drawing/2014/main" id="{F2039FDE-7FAB-E24B-ACC9-D28B7D1809E3}"/>
+                <a16:creationId xmlns:a16="http://schemas.microsoft.com/office/drawing/2014/main" id="{6795E48A-9D62-1E4E-AD32-648A3AFECF7E}"/>
+              </a:ext>
+            </a:extLst>
+          </p:cNvPr>
+          <p:cNvSpPr>
+            <a:spLocks noGrp="1"/>
+          </p:cNvSpPr>
+          <p:nvPr>
+            <p:ph type="title"/>
+          </p:nvPr>
+        </p:nvSpPr>
+        <p:spPr>
+          <a:xfrm>
+            <a:off x="531812" y="406400"/>
+            <a:ext cx="11125200" cy="732589"/>
+          </a:xfrm>
+        </p:spPr>
+        <p:txBody>
+          <a:bodyPr/>
+          <a:lstStyle/>
+          <a:p>
+            <a:r>
+              <a:rPr lang="en-US" dirty="0"/>
+              <a:t>Status</a:t>
+            </a:r>
+          </a:p>
+        </p:txBody>
+      </p:sp>
+      <p:sp>
+        <p:nvSpPr>
+          <p:cNvPr id="9" name="TextBox 8">
+            <a:extLst>
+              <a:ext uri="{FF2B5EF4-FFF2-40B4-BE49-F238E27FC236}">
+                <a16:creationId xmlns:a16="http://schemas.microsoft.com/office/drawing/2014/main" id="{E56511E5-D18E-EF48-9EED-BD1981F140A9}"/>
               </a:ext>
             </a:extLst>
           </p:cNvPr>
@@ -20118,8 +20478,8 @@
         </p:nvSpPr>
         <p:spPr>
           <a:xfrm>
-            <a:off x="3931878" y="3054652"/>
-            <a:ext cx="0" cy="0"/>
+            <a:off x="1873333" y="1519990"/>
+            <a:ext cx="2727158" cy="806115"/>
           </a:xfrm>
           <a:prstGeom prst="rect">
             <a:avLst/>
@@ -20127,7 +20487,7 @@
           <a:noFill/>
         </p:spPr>
         <p:txBody>
-          <a:bodyPr wrap="none" lIns="0" tIns="0" rIns="0" bIns="0" rtlCol="0">
+          <a:bodyPr wrap="square" lIns="0" tIns="0" rIns="0" bIns="0" rtlCol="0">
             <a:noAutofit/>
           </a:bodyPr>
           <a:lstStyle/>
@@ -20137,14 +20497,834 @@
                 <a:spcPct val="90000"/>
               </a:lnSpc>
             </a:pPr>
-            <a:endParaRPr lang="en-US" sz="2399" dirty="0"/>
+            <a:r>
+              <a:rPr lang="en-US" sz="3200" b="1" dirty="0"/>
+              <a:t>0.10.4</a:t>
+            </a:r>
+          </a:p>
+        </p:txBody>
+      </p:sp>
+      <p:sp>
+        <p:nvSpPr>
+          <p:cNvPr id="10" name="TextBox 9">
+            <a:extLst>
+              <a:ext uri="{FF2B5EF4-FFF2-40B4-BE49-F238E27FC236}">
+                <a16:creationId xmlns:a16="http://schemas.microsoft.com/office/drawing/2014/main" id="{230A6F9B-AC4A-3B4C-B879-90BC81C5BCA4}"/>
+              </a:ext>
+            </a:extLst>
+          </p:cNvPr>
+          <p:cNvSpPr txBox="1"/>
+          <p:nvPr/>
+        </p:nvSpPr>
+        <p:spPr>
+          <a:xfrm>
+            <a:off x="7853029" y="1519990"/>
+            <a:ext cx="2197768" cy="545431"/>
+          </a:xfrm>
+          <a:prstGeom prst="rect">
+            <a:avLst/>
+          </a:prstGeom>
+          <a:noFill/>
+        </p:spPr>
+        <p:txBody>
+          <a:bodyPr wrap="none" lIns="0" tIns="0" rIns="0" bIns="0" rtlCol="0">
+            <a:noAutofit/>
+          </a:bodyPr>
+          <a:lstStyle/>
+          <a:p>
+            <a:pPr>
+              <a:lnSpc>
+                <a:spcPct val="90000"/>
+              </a:lnSpc>
+            </a:pPr>
+            <a:r>
+              <a:rPr lang="en-US" sz="3200" b="1" dirty="0"/>
+              <a:t>Backlog</a:t>
+            </a:r>
           </a:p>
         </p:txBody>
       </p:sp>
     </p:spTree>
     <p:extLst>
       <p:ext uri="{BB962C8B-B14F-4D97-AF65-F5344CB8AC3E}">
-        <p14:creationId xmlns:p14="http://schemas.microsoft.com/office/powerpoint/2010/main" val="2390254626"/>
+        <p14:creationId xmlns:p14="http://schemas.microsoft.com/office/powerpoint/2010/main" val="3311080774"/>
+      </p:ext>
+    </p:extLst>
+  </p:cSld>
+  <p:clrMapOvr>
+    <a:masterClrMapping/>
+  </p:clrMapOvr>
+  <mc:AlternateContent xmlns:mc="http://schemas.openxmlformats.org/markup-compatibility/2006">
+    <mc:Choice xmlns:p14="http://schemas.microsoft.com/office/powerpoint/2010/main" Requires="p14">
+      <p:transition spd="med" p14:dur="700" advTm="10000">
+        <p:fade/>
+      </p:transition>
+    </mc:Choice>
+    <mc:Fallback>
+      <p:transition spd="med" advTm="10000">
+        <p:fade/>
+      </p:transition>
+    </mc:Fallback>
+  </mc:AlternateContent>
+</p:sld>
+</file>
+
+<file path=ppt/slides/slide14.xml><?xml version="1.0" encoding="utf-8"?>
+<p:sld xmlns:a="http://schemas.openxmlformats.org/drawingml/2006/main" xmlns:r="http://schemas.openxmlformats.org/officeDocument/2006/relationships" xmlns:p="http://schemas.openxmlformats.org/presentationml/2006/main">
+  <p:cSld>
+    <p:spTree>
+      <p:nvGrpSpPr>
+        <p:cNvPr id="1" name=""/>
+        <p:cNvGrpSpPr/>
+        <p:nvPr/>
+      </p:nvGrpSpPr>
+      <p:grpSpPr>
+        <a:xfrm>
+          <a:off x="0" y="0"/>
+          <a:ext cx="0" cy="0"/>
+          <a:chOff x="0" y="0"/>
+          <a:chExt cx="0" cy="0"/>
+        </a:xfrm>
+      </p:grpSpPr>
+      <p:sp>
+        <p:nvSpPr>
+          <p:cNvPr id="2" name="Title 1"/>
+          <p:cNvSpPr>
+            <a:spLocks noGrp="1"/>
+          </p:cNvSpPr>
+          <p:nvPr>
+            <p:ph type="title"/>
+          </p:nvPr>
+        </p:nvSpPr>
+        <p:spPr/>
+        <p:txBody>
+          <a:bodyPr/>
+          <a:lstStyle/>
+          <a:p>
+            <a:r>
+              <a:rPr lang="en-US" dirty="0"/>
+              <a:t>Sessions</a:t>
+            </a:r>
+          </a:p>
+        </p:txBody>
+      </p:sp>
+      <p:sp>
+        <p:nvSpPr>
+          <p:cNvPr id="5" name="Slide Number Placeholder 4"/>
+          <p:cNvSpPr>
+            <a:spLocks noGrp="1"/>
+          </p:cNvSpPr>
+          <p:nvPr>
+            <p:ph type="sldNum" sz="quarter" idx="12"/>
+          </p:nvPr>
+        </p:nvSpPr>
+        <p:spPr/>
+        <p:txBody>
+          <a:bodyPr/>
+          <a:lstStyle/>
+          <a:p>
+            <a:fld id="{C51EAA63-D034-42AE-91FA-B13B9518C7BE}" type="slidenum">
+              <a:rPr lang="en-US" smtClean="0"/>
+              <a:pPr/>
+              <a:t>14</a:t>
+            </a:fld>
+            <a:endParaRPr lang="en-US"/>
+          </a:p>
+        </p:txBody>
+      </p:sp>
+      <p:graphicFrame>
+        <p:nvGraphicFramePr>
+          <p:cNvPr id="10" name="Content Placeholder 9">
+            <a:extLst>
+              <a:ext uri="{FF2B5EF4-FFF2-40B4-BE49-F238E27FC236}">
+                <a16:creationId xmlns:a16="http://schemas.microsoft.com/office/drawing/2014/main" id="{6A888BCA-2C5A-7248-9A0A-081CB2A54E37}"/>
+              </a:ext>
+            </a:extLst>
+          </p:cNvPr>
+          <p:cNvGraphicFramePr>
+            <a:graphicFrameLocks noGrp="1"/>
+          </p:cNvGraphicFramePr>
+          <p:nvPr>
+            <p:ph idx="1"/>
+            <p:extLst>
+              <p:ext uri="{D42A27DB-BD31-4B8C-83A1-F6EECF244321}">
+                <p14:modId xmlns:p14="http://schemas.microsoft.com/office/powerpoint/2010/main" val="3816236801"/>
+              </p:ext>
+            </p:extLst>
+          </p:nvPr>
+        </p:nvGraphicFramePr>
+        <p:xfrm>
+          <a:off x="519905" y="1701800"/>
+          <a:ext cx="11149013" cy="3765420"/>
+        </p:xfrm>
+        <a:graphic>
+          <a:graphicData uri="http://schemas.openxmlformats.org/drawingml/2006/table">
+            <a:tbl>
+              <a:tblPr firstRow="1" bandRow="1">
+                <a:tableStyleId>{F2DE63D5-997A-4646-A377-4702673A728D}</a:tableStyleId>
+              </a:tblPr>
+              <a:tblGrid>
+                <a:gridCol w="1047845">
+                  <a:extLst>
+                    <a:ext uri="{9D8B030D-6E8A-4147-A177-3AD203B41FA5}">
+                      <a16:colId xmlns:a16="http://schemas.microsoft.com/office/drawing/2014/main" val="1535574365"/>
+                    </a:ext>
+                  </a:extLst>
+                </a:gridCol>
+                <a:gridCol w="1218060">
+                  <a:extLst>
+                    <a:ext uri="{9D8B030D-6E8A-4147-A177-3AD203B41FA5}">
+                      <a16:colId xmlns:a16="http://schemas.microsoft.com/office/drawing/2014/main" val="4118212780"/>
+                    </a:ext>
+                  </a:extLst>
+                </a:gridCol>
+                <a:gridCol w="1150395">
+                  <a:extLst>
+                    <a:ext uri="{9D8B030D-6E8A-4147-A177-3AD203B41FA5}">
+                      <a16:colId xmlns:a16="http://schemas.microsoft.com/office/drawing/2014/main" val="2734983920"/>
+                    </a:ext>
+                  </a:extLst>
+                </a:gridCol>
+                <a:gridCol w="1155700">
+                  <a:extLst>
+                    <a:ext uri="{9D8B030D-6E8A-4147-A177-3AD203B41FA5}">
+                      <a16:colId xmlns:a16="http://schemas.microsoft.com/office/drawing/2014/main" val="1287179664"/>
+                    </a:ext>
+                  </a:extLst>
+                </a:gridCol>
+                <a:gridCol w="6577013">
+                  <a:extLst>
+                    <a:ext uri="{9D8B030D-6E8A-4147-A177-3AD203B41FA5}">
+                      <a16:colId xmlns:a16="http://schemas.microsoft.com/office/drawing/2014/main" val="379453078"/>
+                    </a:ext>
+                  </a:extLst>
+                </a:gridCol>
+              </a:tblGrid>
+              <a:tr h="520890">
+                <a:tc>
+                  <a:txBody>
+                    <a:bodyPr/>
+                    <a:lstStyle/>
+                    <a:p>
+                      <a:pPr algn="l" fontAlgn="t"/>
+                      <a:r>
+                        <a:rPr lang="en-US" dirty="0">
+                          <a:effectLst/>
+                        </a:rPr>
+                        <a:t>Day</a:t>
+                      </a:r>
+                    </a:p>
+                  </a:txBody>
+                  <a:tcPr marL="95250" marR="95250" marT="66675" marB="66675"/>
+                </a:tc>
+                <a:tc>
+                  <a:txBody>
+                    <a:bodyPr/>
+                    <a:lstStyle/>
+                    <a:p>
+                      <a:r>
+                        <a:rPr lang="en-US" dirty="0"/>
+                        <a:t>Time</a:t>
+                      </a:r>
+                    </a:p>
+                  </a:txBody>
+                  <a:tcPr/>
+                </a:tc>
+                <a:tc>
+                  <a:txBody>
+                    <a:bodyPr/>
+                    <a:lstStyle/>
+                    <a:p>
+                      <a:r>
+                        <a:rPr lang="en-US" dirty="0"/>
+                        <a:t>Room</a:t>
+                      </a:r>
+                    </a:p>
+                  </a:txBody>
+                  <a:tcPr/>
+                </a:tc>
+                <a:tc>
+                  <a:txBody>
+                    <a:bodyPr/>
+                    <a:lstStyle/>
+                    <a:p>
+                      <a:pPr algn="l" fontAlgn="t"/>
+                      <a:r>
+                        <a:rPr lang="en-US" dirty="0">
+                          <a:effectLst/>
+                        </a:rPr>
+                        <a:t>Session</a:t>
+                      </a:r>
+                    </a:p>
+                  </a:txBody>
+                  <a:tcPr marL="95250" marR="95250" marT="66675" marB="66675"/>
+                </a:tc>
+                <a:tc>
+                  <a:txBody>
+                    <a:bodyPr/>
+                    <a:lstStyle/>
+                    <a:p>
+                      <a:r>
+                        <a:rPr lang="en-US" dirty="0"/>
+                        <a:t>Title</a:t>
+                      </a:r>
+                    </a:p>
+                  </a:txBody>
+                  <a:tcPr/>
+                </a:tc>
+                <a:extLst>
+                  <a:ext uri="{0D108BD9-81ED-4DB2-BD59-A6C34878D82A}">
+                    <a16:rowId xmlns:a16="http://schemas.microsoft.com/office/drawing/2014/main" val="608584135"/>
+                  </a:ext>
+                </a:extLst>
+              </a:tr>
+              <a:tr h="520890">
+                <a:tc>
+                  <a:txBody>
+                    <a:bodyPr/>
+                    <a:lstStyle/>
+                    <a:p>
+                      <a:pPr algn="l" fontAlgn="t"/>
+                      <a:r>
+                        <a:rPr lang="en-US" dirty="0">
+                          <a:effectLst/>
+                        </a:rPr>
+                        <a:t>Tue</a:t>
+                      </a:r>
+                    </a:p>
+                  </a:txBody>
+                  <a:tcPr marL="95250" marR="95250" marT="66675" marB="66675"/>
+                </a:tc>
+                <a:tc>
+                  <a:txBody>
+                    <a:bodyPr/>
+                    <a:lstStyle/>
+                    <a:p>
+                      <a:r>
+                        <a:rPr lang="en-US" dirty="0"/>
+                        <a:t>4:00pm</a:t>
+                      </a:r>
+                    </a:p>
+                  </a:txBody>
+                  <a:tcPr/>
+                </a:tc>
+                <a:tc>
+                  <a:txBody>
+                    <a:bodyPr/>
+                    <a:lstStyle/>
+                    <a:p>
+                      <a:r>
+                        <a:rPr lang="en-US" dirty="0"/>
+                        <a:t>Lounge A</a:t>
+                      </a:r>
+                    </a:p>
+                  </a:txBody>
+                  <a:tcPr/>
+                </a:tc>
+                <a:tc>
+                  <a:txBody>
+                    <a:bodyPr/>
+                    <a:lstStyle/>
+                    <a:p>
+                      <a:pPr algn="l" fontAlgn="t"/>
+                      <a:r>
+                        <a:rPr lang="en-US" sz="1800" b="0" i="0" kern="1200" dirty="0">
+                          <a:solidFill>
+                            <a:schemeClr val="tx1"/>
+                          </a:solidFill>
+                          <a:effectLst/>
+                          <a:latin typeface="+mn-lt"/>
+                          <a:ea typeface="+mn-ea"/>
+                          <a:cs typeface="+mn-cs"/>
+                        </a:rPr>
+                        <a:t>THT6770</a:t>
+                      </a:r>
+                      <a:endParaRPr lang="en-US" dirty="0">
+                        <a:effectLst/>
+                      </a:endParaRPr>
+                    </a:p>
+                  </a:txBody>
+                  <a:tcPr marL="95250" marR="95250" marT="66675" marB="66675"/>
+                </a:tc>
+                <a:tc>
+                  <a:txBody>
+                    <a:bodyPr/>
+                    <a:lstStyle/>
+                    <a:p>
+                      <a:r>
+                        <a:rPr lang="en-US" dirty="0"/>
+                        <a:t>Meet the Experts Area at the Developer Exchange: </a:t>
+                      </a:r>
+                      <a:r>
+                        <a:rPr lang="en-US" dirty="0" err="1"/>
+                        <a:t>Helidon</a:t>
+                      </a:r>
+                      <a:endParaRPr lang="en-US" dirty="0"/>
+                    </a:p>
+                  </a:txBody>
+                  <a:tcPr/>
+                </a:tc>
+                <a:extLst>
+                  <a:ext uri="{0D108BD9-81ED-4DB2-BD59-A6C34878D82A}">
+                    <a16:rowId xmlns:a16="http://schemas.microsoft.com/office/drawing/2014/main" val="1114245397"/>
+                  </a:ext>
+                </a:extLst>
+              </a:tr>
+              <a:tr h="520890">
+                <a:tc>
+                  <a:txBody>
+                    <a:bodyPr/>
+                    <a:lstStyle/>
+                    <a:p>
+                      <a:pPr algn="l" fontAlgn="t"/>
+                      <a:r>
+                        <a:rPr lang="en-US" dirty="0">
+                          <a:effectLst/>
+                        </a:rPr>
+                        <a:t>Wed</a:t>
+                      </a:r>
+                    </a:p>
+                  </a:txBody>
+                  <a:tcPr marL="95250" marR="95250" marT="66675" marB="66675"/>
+                </a:tc>
+                <a:tc>
+                  <a:txBody>
+                    <a:bodyPr/>
+                    <a:lstStyle/>
+                    <a:p>
+                      <a:r>
+                        <a:rPr lang="en-US" dirty="0"/>
+                        <a:t>12:30pm</a:t>
+                      </a:r>
+                    </a:p>
+                  </a:txBody>
+                  <a:tcPr/>
+                </a:tc>
+                <a:tc>
+                  <a:txBody>
+                    <a:bodyPr/>
+                    <a:lstStyle/>
+                    <a:p>
+                      <a:r>
+                        <a:rPr lang="en-US" dirty="0"/>
+                        <a:t>2011</a:t>
+                      </a:r>
+                    </a:p>
+                  </a:txBody>
+                  <a:tcPr/>
+                </a:tc>
+                <a:tc>
+                  <a:txBody>
+                    <a:bodyPr/>
+                    <a:lstStyle/>
+                    <a:p>
+                      <a:pPr algn="l" fontAlgn="t"/>
+                      <a:r>
+                        <a:rPr lang="en-US" dirty="0">
+                          <a:effectLst/>
+                        </a:rPr>
+                        <a:t>DEV5539</a:t>
+                      </a:r>
+                    </a:p>
+                  </a:txBody>
+                  <a:tcPr marL="95250" marR="95250" marT="66675" marB="66675"/>
+                </a:tc>
+                <a:tc>
+                  <a:txBody>
+                    <a:bodyPr/>
+                    <a:lstStyle/>
+                    <a:p>
+                      <a:r>
+                        <a:rPr lang="en-US" sz="1800" kern="1200" dirty="0" err="1">
+                          <a:effectLst/>
+                        </a:rPr>
+                        <a:t>Helidon</a:t>
+                      </a:r>
+                      <a:r>
+                        <a:rPr lang="en-US" sz="1800" kern="1200" dirty="0">
+                          <a:effectLst/>
+                        </a:rPr>
+                        <a:t>: Java Libraries for Writing Microservices</a:t>
+                      </a:r>
+                      <a:endParaRPr lang="en-US" dirty="0"/>
+                    </a:p>
+                  </a:txBody>
+                  <a:tcPr/>
+                </a:tc>
+                <a:extLst>
+                  <a:ext uri="{0D108BD9-81ED-4DB2-BD59-A6C34878D82A}">
+                    <a16:rowId xmlns:a16="http://schemas.microsoft.com/office/drawing/2014/main" val="2733305356"/>
+                  </a:ext>
+                </a:extLst>
+              </a:tr>
+              <a:tr h="520890">
+                <a:tc>
+                  <a:txBody>
+                    <a:bodyPr/>
+                    <a:lstStyle/>
+                    <a:p>
+                      <a:pPr algn="l" fontAlgn="t"/>
+                      <a:r>
+                        <a:rPr lang="en-US" dirty="0">
+                          <a:effectLst/>
+                        </a:rPr>
+                        <a:t>Wed</a:t>
+                      </a:r>
+                    </a:p>
+                  </a:txBody>
+                  <a:tcPr marL="95250" marR="95250" marT="66675" marB="66675"/>
+                </a:tc>
+                <a:tc>
+                  <a:txBody>
+                    <a:bodyPr/>
+                    <a:lstStyle/>
+                    <a:p>
+                      <a:r>
+                        <a:rPr lang="en-US" dirty="0"/>
+                        <a:t>4:00pm</a:t>
+                      </a:r>
+                    </a:p>
+                  </a:txBody>
+                  <a:tcPr/>
+                </a:tc>
+                <a:tc>
+                  <a:txBody>
+                    <a:bodyPr/>
+                    <a:lstStyle/>
+                    <a:p>
+                      <a:r>
+                        <a:rPr lang="en-US" dirty="0"/>
+                        <a:t>2016</a:t>
+                      </a:r>
+                    </a:p>
+                  </a:txBody>
+                  <a:tcPr/>
+                </a:tc>
+                <a:tc>
+                  <a:txBody>
+                    <a:bodyPr/>
+                    <a:lstStyle/>
+                    <a:p>
+                      <a:pPr algn="l" fontAlgn="t"/>
+                      <a:r>
+                        <a:rPr lang="en-US" dirty="0">
+                          <a:effectLst/>
+                        </a:rPr>
+                        <a:t>DEV5432</a:t>
+                      </a:r>
+                    </a:p>
+                  </a:txBody>
+                  <a:tcPr marL="95250" marR="95250" marT="66675" marB="66675"/>
+                </a:tc>
+                <a:tc>
+                  <a:txBody>
+                    <a:bodyPr/>
+                    <a:lstStyle/>
+                    <a:p>
+                      <a:r>
+                        <a:rPr lang="en-US" sz="1800" kern="1200" dirty="0">
+                          <a:effectLst/>
+                        </a:rPr>
+                        <a:t>Writing Kubernetes controllers using Java SE and CDI 2.0</a:t>
+                      </a:r>
+                      <a:endParaRPr lang="en-US" dirty="0"/>
+                    </a:p>
+                  </a:txBody>
+                  <a:tcPr/>
+                </a:tc>
+                <a:extLst>
+                  <a:ext uri="{0D108BD9-81ED-4DB2-BD59-A6C34878D82A}">
+                    <a16:rowId xmlns:a16="http://schemas.microsoft.com/office/drawing/2014/main" val="903822752"/>
+                  </a:ext>
+                </a:extLst>
+              </a:tr>
+              <a:tr h="520890">
+                <a:tc>
+                  <a:txBody>
+                    <a:bodyPr/>
+                    <a:lstStyle/>
+                    <a:p>
+                      <a:pPr algn="l" fontAlgn="t"/>
+                      <a:r>
+                        <a:rPr lang="en-US" b="1" dirty="0">
+                          <a:effectLst/>
+                        </a:rPr>
+                        <a:t>Thu</a:t>
+                      </a:r>
+                    </a:p>
+                  </a:txBody>
+                  <a:tcPr marL="95250" marR="95250" marT="66675" marB="66675"/>
+                </a:tc>
+                <a:tc>
+                  <a:txBody>
+                    <a:bodyPr/>
+                    <a:lstStyle/>
+                    <a:p>
+                      <a:r>
+                        <a:rPr lang="en-US" b="1" dirty="0"/>
+                        <a:t>11:00am</a:t>
+                      </a:r>
+                    </a:p>
+                  </a:txBody>
+                  <a:tcPr/>
+                </a:tc>
+                <a:tc>
+                  <a:txBody>
+                    <a:bodyPr/>
+                    <a:lstStyle/>
+                    <a:p>
+                      <a:r>
+                        <a:rPr lang="en-US" b="1" dirty="0"/>
+                        <a:t>2016</a:t>
+                      </a:r>
+                    </a:p>
+                  </a:txBody>
+                  <a:tcPr/>
+                </a:tc>
+                <a:tc>
+                  <a:txBody>
+                    <a:bodyPr/>
+                    <a:lstStyle/>
+                    <a:p>
+                      <a:pPr algn="l" fontAlgn="t"/>
+                      <a:r>
+                        <a:rPr lang="en-US" sz="1800" b="1" kern="1200" dirty="0">
+                          <a:effectLst/>
+                        </a:rPr>
+                        <a:t>DEV5422</a:t>
+                      </a:r>
+                      <a:endParaRPr lang="en-US" b="1" dirty="0">
+                        <a:effectLst/>
+                      </a:endParaRPr>
+                    </a:p>
+                  </a:txBody>
+                  <a:tcPr marL="95250" marR="95250" marT="66675" marB="66675"/>
+                </a:tc>
+                <a:tc>
+                  <a:txBody>
+                    <a:bodyPr/>
+                    <a:lstStyle/>
+                    <a:p>
+                      <a:r>
+                        <a:rPr lang="en-US" sz="1800" b="1" kern="1200" dirty="0" err="1">
+                          <a:effectLst/>
+                        </a:rPr>
+                        <a:t>Helidon</a:t>
+                      </a:r>
+                      <a:r>
+                        <a:rPr lang="en-US" sz="1800" b="1" kern="1200" dirty="0">
+                          <a:effectLst/>
+                        </a:rPr>
+                        <a:t> Extensions: CDI Extensions for the Cloud</a:t>
+                      </a:r>
+                      <a:endParaRPr lang="en-US" b="1" dirty="0"/>
+                    </a:p>
+                  </a:txBody>
+                  <a:tcPr/>
+                </a:tc>
+                <a:extLst>
+                  <a:ext uri="{0D108BD9-81ED-4DB2-BD59-A6C34878D82A}">
+                    <a16:rowId xmlns:a16="http://schemas.microsoft.com/office/drawing/2014/main" val="3682381288"/>
+                  </a:ext>
+                </a:extLst>
+              </a:tr>
+              <a:tr h="520890">
+                <a:tc>
+                  <a:txBody>
+                    <a:bodyPr/>
+                    <a:lstStyle/>
+                    <a:p>
+                      <a:pPr algn="l" fontAlgn="t"/>
+                      <a:r>
+                        <a:rPr lang="en-US" b="1" dirty="0">
+                          <a:effectLst/>
+                        </a:rPr>
+                        <a:t>Thu</a:t>
+                      </a:r>
+                    </a:p>
+                  </a:txBody>
+                  <a:tcPr marL="95250" marR="95250" marT="66675" marB="66675"/>
+                </a:tc>
+                <a:tc>
+                  <a:txBody>
+                    <a:bodyPr/>
+                    <a:lstStyle/>
+                    <a:p>
+                      <a:r>
+                        <a:rPr lang="en-US" b="1" dirty="0"/>
+                        <a:t>12:00pm</a:t>
+                      </a:r>
+                    </a:p>
+                  </a:txBody>
+                  <a:tcPr/>
+                </a:tc>
+                <a:tc>
+                  <a:txBody>
+                    <a:bodyPr/>
+                    <a:lstStyle/>
+                    <a:p>
+                      <a:r>
+                        <a:rPr lang="en-US" b="1" dirty="0"/>
+                        <a:t>2003</a:t>
+                      </a:r>
+                    </a:p>
+                  </a:txBody>
+                  <a:tcPr/>
+                </a:tc>
+                <a:tc>
+                  <a:txBody>
+                    <a:bodyPr/>
+                    <a:lstStyle/>
+                    <a:p>
+                      <a:pPr algn="l" fontAlgn="t"/>
+                      <a:r>
+                        <a:rPr lang="en-US" sz="1800" b="1" kern="1200" dirty="0">
+                          <a:effectLst/>
+                        </a:rPr>
+                        <a:t>DEV5371</a:t>
+                      </a:r>
+                      <a:endParaRPr lang="en-US" b="1" dirty="0">
+                        <a:effectLst/>
+                      </a:endParaRPr>
+                    </a:p>
+                  </a:txBody>
+                  <a:tcPr marL="95250" marR="95250" marT="66675" marB="66675"/>
+                </a:tc>
+                <a:tc>
+                  <a:txBody>
+                    <a:bodyPr/>
+                    <a:lstStyle/>
+                    <a:p>
+                      <a:r>
+                        <a:rPr lang="en-US" sz="1800" b="1" kern="1200" dirty="0" err="1">
+                          <a:effectLst/>
+                        </a:rPr>
+                        <a:t>Helidon</a:t>
+                      </a:r>
+                      <a:r>
+                        <a:rPr lang="en-US" sz="1800" b="1" kern="1200" dirty="0">
+                          <a:effectLst/>
+                        </a:rPr>
+                        <a:t> Deep Dive: An Up-close Look at the </a:t>
+                      </a:r>
+                      <a:r>
+                        <a:rPr lang="en-US" sz="1800" b="1" kern="1200" dirty="0" err="1">
+                          <a:effectLst/>
+                        </a:rPr>
+                        <a:t>Helidon</a:t>
+                      </a:r>
+                      <a:r>
+                        <a:rPr lang="en-US" sz="1800" b="1" kern="1200" dirty="0">
+                          <a:effectLst/>
+                        </a:rPr>
+                        <a:t> Java APIs for Microservices</a:t>
+                      </a:r>
+                      <a:endParaRPr lang="en-US" b="1" dirty="0"/>
+                    </a:p>
+                  </a:txBody>
+                  <a:tcPr/>
+                </a:tc>
+                <a:extLst>
+                  <a:ext uri="{0D108BD9-81ED-4DB2-BD59-A6C34878D82A}">
+                    <a16:rowId xmlns:a16="http://schemas.microsoft.com/office/drawing/2014/main" val="2181233082"/>
+                  </a:ext>
+                </a:extLst>
+              </a:tr>
+              <a:tr h="520890">
+                <a:tc>
+                  <a:txBody>
+                    <a:bodyPr/>
+                    <a:lstStyle/>
+                    <a:p>
+                      <a:pPr algn="l" fontAlgn="t"/>
+                      <a:r>
+                        <a:rPr lang="en-US" dirty="0">
+                          <a:effectLst/>
+                        </a:rPr>
+                        <a:t>Thu</a:t>
+                      </a:r>
+                    </a:p>
+                  </a:txBody>
+                  <a:tcPr marL="95250" marR="95250" marT="66675" marB="66675"/>
+                </a:tc>
+                <a:tc>
+                  <a:txBody>
+                    <a:bodyPr/>
+                    <a:lstStyle/>
+                    <a:p>
+                      <a:r>
+                        <a:rPr lang="en-US" dirty="0"/>
+                        <a:t>2:00pm</a:t>
+                      </a:r>
+                    </a:p>
+                  </a:txBody>
+                  <a:tcPr/>
+                </a:tc>
+                <a:tc>
+                  <a:txBody>
+                    <a:bodyPr/>
+                    <a:lstStyle/>
+                    <a:p>
+                      <a:r>
+                        <a:rPr lang="en-US" dirty="0"/>
+                        <a:t>2006</a:t>
+                      </a:r>
+                    </a:p>
+                  </a:txBody>
+                  <a:tcPr/>
+                </a:tc>
+                <a:tc>
+                  <a:txBody>
+                    <a:bodyPr/>
+                    <a:lstStyle/>
+                    <a:p>
+                      <a:pPr algn="l" fontAlgn="t"/>
+                      <a:r>
+                        <a:rPr lang="en-US" dirty="0">
+                          <a:effectLst/>
+                        </a:rPr>
+                        <a:t>DEV5580</a:t>
+                      </a:r>
+                    </a:p>
+                  </a:txBody>
+                  <a:tcPr marL="95250" marR="95250" marT="66675" marB="66675"/>
+                </a:tc>
+                <a:tc>
+                  <a:txBody>
+                    <a:bodyPr/>
+                    <a:lstStyle/>
+                    <a:p>
+                      <a:r>
+                        <a:rPr lang="en-US" sz="1800" kern="1200" dirty="0" err="1">
+                          <a:effectLst/>
+                        </a:rPr>
+                        <a:t>GraalVM</a:t>
+                      </a:r>
+                      <a:r>
+                        <a:rPr lang="en-US" sz="1800" kern="1200" dirty="0">
+                          <a:effectLst/>
+                        </a:rPr>
+                        <a:t> Vision and Roadmap</a:t>
+                      </a:r>
+                      <a:endParaRPr lang="en-US" dirty="0"/>
+                    </a:p>
+                  </a:txBody>
+                  <a:tcPr/>
+                </a:tc>
+                <a:extLst>
+                  <a:ext uri="{0D108BD9-81ED-4DB2-BD59-A6C34878D82A}">
+                    <a16:rowId xmlns:a16="http://schemas.microsoft.com/office/drawing/2014/main" val="2268483327"/>
+                  </a:ext>
+                </a:extLst>
+              </a:tr>
+            </a:tbl>
+          </a:graphicData>
+        </a:graphic>
+      </p:graphicFrame>
+    </p:spTree>
+    <p:extLst>
+      <p:ext uri="{BB962C8B-B14F-4D97-AF65-F5344CB8AC3E}">
+        <p14:creationId xmlns:p14="http://schemas.microsoft.com/office/powerpoint/2010/main" val="410658214"/>
       </p:ext>
     </p:extLst>
   </p:cSld>
@@ -20166,7 +21346,7 @@
 </p:sld>
 </file>
 
-<file path=ppt/slides/slide14.xml><?xml version="1.0" encoding="utf-8"?>
+<file path=ppt/slides/slide15.xml><?xml version="1.0" encoding="utf-8"?>
 <p:sld xmlns:a="http://schemas.openxmlformats.org/drawingml/2006/main" xmlns:r="http://schemas.openxmlformats.org/officeDocument/2006/relationships" xmlns:p="http://schemas.openxmlformats.org/presentationml/2006/main">
   <p:cSld>
     <p:bg>
@@ -20221,7 +21401,7 @@
             <a:fld id="{00000000-1234-1234-1234-123412341234}" type="slidenum">
               <a:rPr lang="ru" smtClean="0"/>
               <a:pPr/>
-              <a:t>14</a:t>
+              <a:t>15</a:t>
             </a:fld>
             <a:endParaRPr lang="ru"/>
           </a:p>
@@ -20282,7 +21462,7 @@
         <p:spPr>
           <a:xfrm>
             <a:off x="1303506" y="2353900"/>
-            <a:ext cx="4883285" cy="2412654"/>
+            <a:ext cx="5787105" cy="2412654"/>
           </a:xfrm>
           <a:prstGeom prst="rect">
             <a:avLst/>
@@ -20307,6 +21487,19 @@
               <a:t>Quickstarts</a:t>
             </a:r>
             <a:endParaRPr lang="en-US" sz="3600" dirty="0"/>
+          </a:p>
+          <a:p>
+            <a:pPr marL="285750" indent="-285750">
+              <a:lnSpc>
+                <a:spcPct val="90000"/>
+              </a:lnSpc>
+              <a:buFont typeface="Arial" panose="020B0604020202020204" pitchFamily="34" charset="0"/>
+              <a:buChar char="•"/>
+            </a:pPr>
+            <a:r>
+              <a:rPr lang="en-US" sz="3600" dirty="0"/>
+              <a:t>Server config and startup</a:t>
+            </a:r>
           </a:p>
           <a:p>
             <a:pPr marL="285750" indent="-285750">
@@ -20346,14 +21539,14 @@
   <p:clrMapOvr>
     <a:masterClrMapping/>
   </p:clrMapOvr>
-  <mc:AlternateContent xmlns:mc="http://schemas.openxmlformats.org/markup-compatibility/2006" xmlns:p14="http://schemas.microsoft.com/office/powerpoint/2010/main">
-    <mc:Choice Requires="p14">
-      <p:transition spd="med" p14:dur="700">
+  <mc:AlternateContent xmlns:mc="http://schemas.openxmlformats.org/markup-compatibility/2006">
+    <mc:Choice xmlns:p14="http://schemas.microsoft.com/office/powerpoint/2010/main" Requires="p14">
+      <p:transition spd="med" p14:dur="700" advTm="10000">
         <p:fade/>
       </p:transition>
     </mc:Choice>
-    <mc:Fallback xmlns="">
-      <p:transition spd="med">
+    <mc:Fallback>
+      <p:transition spd="med" advTm="10000">
         <p:fade/>
       </p:transition>
     </mc:Fallback>
@@ -20361,7 +21554,7 @@
 </p:sld>
 </file>
 
-<file path=ppt/slides/slide15.xml><?xml version="1.0" encoding="utf-8"?>
+<file path=ppt/slides/slide16.xml><?xml version="1.0" encoding="utf-8"?>
 <p:sld xmlns:a="http://schemas.openxmlformats.org/drawingml/2006/main" xmlns:r="http://schemas.openxmlformats.org/officeDocument/2006/relationships" xmlns:p="http://schemas.openxmlformats.org/presentationml/2006/main">
   <p:cSld>
     <p:bg>
@@ -20422,8 +21615,8 @@
         </p:nvSpPr>
         <p:spPr>
           <a:xfrm>
-            <a:off x="7237248" y="2405266"/>
-            <a:ext cx="2988821" cy="1268470"/>
+            <a:off x="5919538" y="2405266"/>
+            <a:ext cx="4306532" cy="1268470"/>
           </a:xfrm>
           <a:prstGeom prst="rect">
             <a:avLst/>
@@ -20440,7 +21633,7 @@
           <a:lstStyle/>
           <a:p>
             <a:r>
-              <a:rPr lang="ru" sz="7998" b="1">
+              <a:rPr lang="ru" sz="7998" b="1" dirty="0">
                 <a:solidFill>
                   <a:srgbClr val="41A7FF"/>
                 </a:solidFill>
@@ -20451,7 +21644,7 @@
               </a:rPr>
               <a:t>Q &amp; A</a:t>
             </a:r>
-            <a:endParaRPr sz="7998" b="1">
+            <a:endParaRPr sz="7998" b="1" dirty="0">
               <a:solidFill>
                 <a:srgbClr val="41A7FF"/>
               </a:solidFill>
@@ -20523,14 +21716,14 @@
   <p:clrMapOvr>
     <a:masterClrMapping/>
   </p:clrMapOvr>
-  <mc:AlternateContent xmlns:mc="http://schemas.openxmlformats.org/markup-compatibility/2006" xmlns:p14="http://schemas.microsoft.com/office/powerpoint/2010/main">
-    <mc:Choice Requires="p14">
-      <p:transition spd="med" p14:dur="700">
+  <mc:AlternateContent xmlns:mc="http://schemas.openxmlformats.org/markup-compatibility/2006">
+    <mc:Choice xmlns:p14="http://schemas.microsoft.com/office/powerpoint/2010/main" Requires="p14">
+      <p:transition spd="med" p14:dur="700" advTm="10000">
         <p:fade/>
       </p:transition>
     </mc:Choice>
-    <mc:Fallback xmlns="">
-      <p:transition spd="med">
+    <mc:Fallback>
+      <p:transition spd="med" advTm="10000">
         <p:fade/>
       </p:transition>
     </mc:Fallback>
@@ -20664,14 +21857,14 @@
   <p:clrMapOvr>
     <a:masterClrMapping/>
   </p:clrMapOvr>
-  <mc:AlternateContent xmlns:mc="http://schemas.openxmlformats.org/markup-compatibility/2006" xmlns:p14="http://schemas.microsoft.com/office/powerpoint/2010/main">
-    <mc:Choice Requires="p14">
-      <p:transition spd="med" p14:dur="700">
+  <mc:AlternateContent xmlns:mc="http://schemas.openxmlformats.org/markup-compatibility/2006">
+    <mc:Choice xmlns:p14="http://schemas.microsoft.com/office/powerpoint/2010/main" Requires="p14">
+      <p:transition spd="med" p14:dur="700" advTm="10000">
         <p:fade/>
       </p:transition>
     </mc:Choice>
-    <mc:Fallback xmlns="">
-      <p:transition spd="med">
+    <mc:Fallback>
+      <p:transition spd="med" advTm="10000">
         <p:fade/>
       </p:transition>
     </mc:Fallback>
@@ -20915,14 +22108,14 @@
   <p:clrMapOvr>
     <a:masterClrMapping/>
   </p:clrMapOvr>
-  <mc:AlternateContent xmlns:mc="http://schemas.openxmlformats.org/markup-compatibility/2006" xmlns:p14="http://schemas.microsoft.com/office/powerpoint/2010/main">
-    <mc:Choice Requires="p14">
-      <p:transition spd="med" p14:dur="700">
+  <mc:AlternateContent xmlns:mc="http://schemas.openxmlformats.org/markup-compatibility/2006">
+    <mc:Choice xmlns:p14="http://schemas.microsoft.com/office/powerpoint/2010/main" Requires="p14">
+      <p:transition spd="med" p14:dur="700" advTm="10000">
         <p:fade/>
       </p:transition>
     </mc:Choice>
-    <mc:Fallback xmlns="">
-      <p:transition spd="med">
+    <mc:Fallback>
+      <p:transition spd="med" advTm="10000">
         <p:fade/>
       </p:transition>
     </mc:Fallback>
@@ -21057,14 +22250,14 @@
   <p:clrMapOvr>
     <a:masterClrMapping/>
   </p:clrMapOvr>
-  <mc:AlternateContent xmlns:mc="http://schemas.openxmlformats.org/markup-compatibility/2006" xmlns:p14="http://schemas.microsoft.com/office/powerpoint/2010/main">
-    <mc:Choice Requires="p14">
-      <p:transition spd="med" p14:dur="700">
+  <mc:AlternateContent xmlns:mc="http://schemas.openxmlformats.org/markup-compatibility/2006">
+    <mc:Choice xmlns:p14="http://schemas.microsoft.com/office/powerpoint/2010/main" Requires="p14">
+      <p:transition spd="med" p14:dur="700" advTm="10000">
         <p:fade/>
       </p:transition>
     </mc:Choice>
-    <mc:Fallback xmlns="">
-      <p:transition spd="med">
+    <mc:Fallback>
+      <p:transition spd="med" advTm="10000">
         <p:fade/>
       </p:transition>
     </mc:Fallback>
@@ -21293,8 +22486,8 @@
         </p:nvSpPr>
         <p:spPr>
           <a:xfrm>
-            <a:off x="6888683" y="2542261"/>
-            <a:ext cx="4435522" cy="1920558"/>
+            <a:off x="6888683" y="2542260"/>
+            <a:ext cx="4435522" cy="2179863"/>
           </a:xfrm>
           <a:prstGeom prst="rect">
             <a:avLst/>
@@ -21394,14 +22587,14 @@
   <p:clrMapOvr>
     <a:masterClrMapping/>
   </p:clrMapOvr>
-  <mc:AlternateContent xmlns:mc="http://schemas.openxmlformats.org/markup-compatibility/2006" xmlns:p14="http://schemas.microsoft.com/office/powerpoint/2010/main">
-    <mc:Choice Requires="p14">
-      <p:transition spd="med" p14:dur="700">
+  <mc:AlternateContent xmlns:mc="http://schemas.openxmlformats.org/markup-compatibility/2006">
+    <mc:Choice xmlns:p14="http://schemas.microsoft.com/office/powerpoint/2010/main" Requires="p14">
+      <p:transition spd="med" p14:dur="700" advTm="10000">
         <p:fade/>
       </p:transition>
     </mc:Choice>
-    <mc:Fallback xmlns="">
-      <p:transition spd="med">
+    <mc:Fallback>
+      <p:transition spd="med" advTm="10000">
         <p:fade/>
       </p:transition>
     </mc:Fallback>
@@ -22345,14 +23538,14 @@
   <p:clrMapOvr>
     <a:masterClrMapping/>
   </p:clrMapOvr>
-  <mc:AlternateContent xmlns:mc="http://schemas.openxmlformats.org/markup-compatibility/2006" xmlns:p14="http://schemas.microsoft.com/office/powerpoint/2010/main">
-    <mc:Choice Requires="p14">
-      <p:transition spd="med" p14:dur="700">
+  <mc:AlternateContent xmlns:mc="http://schemas.openxmlformats.org/markup-compatibility/2006">
+    <mc:Choice xmlns:p14="http://schemas.microsoft.com/office/powerpoint/2010/main" Requires="p14">
+      <p:transition spd="med" p14:dur="700" advTm="10000">
         <p:fade/>
       </p:transition>
     </mc:Choice>
-    <mc:Fallback xmlns="">
-      <p:transition spd="med">
+    <mc:Fallback>
+      <p:transition spd="med" advTm="10000">
         <p:fade/>
       </p:transition>
     </mc:Fallback>
@@ -23258,14 +24451,14 @@
   <p:clrMapOvr>
     <a:masterClrMapping/>
   </p:clrMapOvr>
-  <mc:AlternateContent xmlns:mc="http://schemas.openxmlformats.org/markup-compatibility/2006" xmlns:p14="http://schemas.microsoft.com/office/powerpoint/2010/main">
-    <mc:Choice Requires="p14">
-      <p:transition spd="med" p14:dur="700">
+  <mc:AlternateContent xmlns:mc="http://schemas.openxmlformats.org/markup-compatibility/2006">
+    <mc:Choice xmlns:p14="http://schemas.microsoft.com/office/powerpoint/2010/main" Requires="p14">
+      <p:transition spd="med" p14:dur="700" advTm="10000">
         <p:fade/>
       </p:transition>
     </mc:Choice>
-    <mc:Fallback xmlns="">
-      <p:transition spd="med">
+    <mc:Fallback>
+      <p:transition spd="med" advTm="10000">
         <p:fade/>
       </p:transition>
     </mc:Fallback>
@@ -23405,7 +24598,7 @@
           <a:p>
             <a:r>
               <a:rPr lang="en-US" dirty="0"/>
-              <a:t>Currently at 2.0:</a:t>
+              <a:t>Currently at 2.1:</a:t>
             </a:r>
           </a:p>
           <a:p>
@@ -23570,14 +24763,14 @@
   <p:clrMapOvr>
     <a:masterClrMapping/>
   </p:clrMapOvr>
-  <mc:AlternateContent xmlns:mc="http://schemas.openxmlformats.org/markup-compatibility/2006" xmlns:p14="http://schemas.microsoft.com/office/powerpoint/2010/main">
-    <mc:Choice Requires="p14">
-      <p:transition spd="med" p14:dur="700">
+  <mc:AlternateContent xmlns:mc="http://schemas.openxmlformats.org/markup-compatibility/2006">
+    <mc:Choice xmlns:p14="http://schemas.microsoft.com/office/powerpoint/2010/main" Requires="p14">
+      <p:transition spd="med" p14:dur="700" advTm="10000">
         <p:fade/>
       </p:transition>
     </mc:Choice>
-    <mc:Fallback xmlns="">
-      <p:transition spd="med">
+    <mc:Fallback>
+      <p:transition spd="med" advTm="10000">
         <p:fade/>
       </p:transition>
     </mc:Fallback>
@@ -23644,7 +24837,7 @@
           <a:p>
             <a:r>
               <a:rPr lang="en-US" dirty="0"/>
-              <a:t>Simple functional routing model with reactive Flow API</a:t>
+              <a:t>Functional routing model with reactive Flow API</a:t>
             </a:r>
           </a:p>
           <a:p>
@@ -23835,6 +25028,33 @@
             <a:r>
               <a:rPr lang="en-US" dirty="0"/>
               <a:t>Extensible</a:t>
+            </a:r>
+          </a:p>
+          <a:p>
+            <a:r>
+              <a:rPr lang="en-US" dirty="0"/>
+              <a:t>Built-in Providers</a:t>
+            </a:r>
+          </a:p>
+          <a:p>
+            <a:pPr lvl="1"/>
+            <a:r>
+              <a:rPr lang="en-US" dirty="0"/>
+              <a:t>OIDC</a:t>
+            </a:r>
+          </a:p>
+          <a:p>
+            <a:pPr lvl="1"/>
+            <a:r>
+              <a:rPr lang="en-US" dirty="0"/>
+              <a:t>JWT</a:t>
+            </a:r>
+          </a:p>
+          <a:p>
+            <a:pPr lvl="1"/>
+            <a:r>
+              <a:rPr lang="en-US" dirty="0"/>
+              <a:t>Google Login</a:t>
             </a:r>
           </a:p>
         </p:txBody>
@@ -23890,14 +25110,14 @@
   <p:clrMapOvr>
     <a:masterClrMapping/>
   </p:clrMapOvr>
-  <mc:AlternateContent xmlns:mc="http://schemas.openxmlformats.org/markup-compatibility/2006" xmlns:p14="http://schemas.microsoft.com/office/powerpoint/2010/main">
-    <mc:Choice Requires="p14">
-      <p:transition spd="med" p14:dur="700">
+  <mc:AlternateContent xmlns:mc="http://schemas.openxmlformats.org/markup-compatibility/2006">
+    <mc:Choice xmlns:p14="http://schemas.microsoft.com/office/powerpoint/2010/main" Requires="p14">
+      <p:transition spd="med" p14:dur="700" advTm="10000">
         <p:fade/>
       </p:transition>
     </mc:Choice>
-    <mc:Fallback xmlns="">
-      <p:transition spd="med">
+    <mc:Fallback>
+      <p:transition spd="med" advTm="10000">
         <p:fade/>
       </p:transition>
     </mc:Fallback>
